--- a/pptx/ThesisProposal.pptx
+++ b/pptx/ThesisProposal.pptx
@@ -11084,25 +11084,6 @@
           <a:chExt cx="0" cy="0"/>
         </a:xfrm>
       </p:grpSpPr>
-      <p:sp>
-        <p:nvSpPr>
-          <p:cNvPr id="2" name="Title 1"/>
-          <p:cNvSpPr>
-            <a:spLocks noGrp="1"/>
-          </p:cNvSpPr>
-          <p:nvPr>
-            <p:ph type="title"/>
-          </p:nvPr>
-        </p:nvSpPr>
-        <p:spPr/>
-        <p:txBody>
-          <a:bodyPr/>
-          <a:lstStyle/>
-          <a:p>
-            <a:endParaRPr lang="en-US"/>
-          </a:p>
-        </p:txBody>
-      </p:sp>
       <p:pic>
         <p:nvPicPr>
           <p:cNvPr id="4" name="Content Placeholder 3"/>
@@ -11182,16 +11163,41 @@
             <p:ph type="title"/>
           </p:nvPr>
         </p:nvSpPr>
-        <p:spPr/>
+        <p:spPr>
+          <a:xfrm>
+            <a:off x="0" y="-12878"/>
+            <a:ext cx="12192000" cy="1690688"/>
+          </a:xfrm>
+        </p:spPr>
+        <p:style>
+          <a:lnRef idx="3">
+            <a:schemeClr val="lt1"/>
+          </a:lnRef>
+          <a:fillRef idx="1">
+            <a:schemeClr val="dk1"/>
+          </a:fillRef>
+          <a:effectRef idx="1">
+            <a:schemeClr val="dk1"/>
+          </a:effectRef>
+          <a:fontRef idx="minor">
+            <a:schemeClr val="lt1"/>
+          </a:fontRef>
+        </p:style>
         <p:txBody>
           <a:bodyPr/>
           <a:lstStyle/>
           <a:p>
             <a:r>
-              <a:rPr lang="en-US" dirty="0" smtClean="0"/>
+              <a:rPr lang="en-US" dirty="0" smtClean="0">
+                <a:latin typeface="Arial" panose="020B0604020202020204" pitchFamily="34" charset="0"/>
+                <a:cs typeface="Arial" panose="020B0604020202020204" pitchFamily="34" charset="0"/>
+              </a:rPr>
               <a:t>Example of Expressions that may become Inappropriate based on usage </a:t>
             </a:r>
-            <a:endParaRPr lang="en-US" dirty="0"/>
+            <a:endParaRPr lang="en-US" dirty="0">
+              <a:latin typeface="Arial" panose="020B0604020202020204" pitchFamily="34" charset="0"/>
+              <a:cs typeface="Arial" panose="020B0604020202020204" pitchFamily="34" charset="0"/>
+            </a:endParaRPr>
           </a:p>
         </p:txBody>
       </p:sp>
@@ -11205,28 +11211,45 @@
             <p:ph idx="1"/>
           </p:nvPr>
         </p:nvSpPr>
-        <p:spPr/>
+        <p:spPr>
+          <a:xfrm>
+            <a:off x="838200" y="2279561"/>
+            <a:ext cx="10515600" cy="3897402"/>
+          </a:xfrm>
+        </p:spPr>
         <p:txBody>
           <a:bodyPr/>
           <a:lstStyle/>
           <a:p>
             <a:r>
-              <a:rPr lang="en-US" dirty="0" smtClean="0"/>
+              <a:rPr lang="en-US" dirty="0" smtClean="0">
+                <a:latin typeface="Arial" panose="020B0604020202020204" pitchFamily="34" charset="0"/>
+                <a:cs typeface="Arial" panose="020B0604020202020204" pitchFamily="34" charset="0"/>
+              </a:rPr>
               <a:t>Snatch</a:t>
             </a:r>
           </a:p>
           <a:p>
             <a:r>
-              <a:rPr lang="en-US" dirty="0" smtClean="0"/>
+              <a:rPr lang="en-US" dirty="0" smtClean="0">
+                <a:latin typeface="Arial" panose="020B0604020202020204" pitchFamily="34" charset="0"/>
+                <a:cs typeface="Arial" panose="020B0604020202020204" pitchFamily="34" charset="0"/>
+              </a:rPr>
               <a:t>Screw</a:t>
             </a:r>
           </a:p>
           <a:p>
             <a:r>
-              <a:rPr lang="en-US" dirty="0" smtClean="0"/>
+              <a:rPr lang="en-US" dirty="0" smtClean="0">
+                <a:latin typeface="Arial" panose="020B0604020202020204" pitchFamily="34" charset="0"/>
+                <a:cs typeface="Arial" panose="020B0604020202020204" pitchFamily="34" charset="0"/>
+              </a:rPr>
               <a:t>Pussy</a:t>
             </a:r>
-            <a:endParaRPr lang="en-US" dirty="0"/>
+            <a:endParaRPr lang="en-US" dirty="0">
+              <a:latin typeface="Arial" panose="020B0604020202020204" pitchFamily="34" charset="0"/>
+              <a:cs typeface="Arial" panose="020B0604020202020204" pitchFamily="34" charset="0"/>
+            </a:endParaRPr>
           </a:p>
         </p:txBody>
       </p:sp>
@@ -11280,16 +11303,41 @@
             <p:ph type="title"/>
           </p:nvPr>
         </p:nvSpPr>
-        <p:spPr/>
+        <p:spPr>
+          <a:xfrm>
+            <a:off x="0" y="0"/>
+            <a:ext cx="12192000" cy="1325563"/>
+          </a:xfrm>
+        </p:spPr>
+        <p:style>
+          <a:lnRef idx="3">
+            <a:schemeClr val="lt1"/>
+          </a:lnRef>
+          <a:fillRef idx="1">
+            <a:schemeClr val="dk1"/>
+          </a:fillRef>
+          <a:effectRef idx="1">
+            <a:schemeClr val="dk1"/>
+          </a:effectRef>
+          <a:fontRef idx="minor">
+            <a:schemeClr val="lt1"/>
+          </a:fontRef>
+        </p:style>
         <p:txBody>
           <a:bodyPr/>
           <a:lstStyle/>
           <a:p>
             <a:r>
-              <a:rPr lang="en-US" dirty="0" smtClean="0"/>
+              <a:rPr lang="en-US" dirty="0" smtClean="0">
+                <a:latin typeface="Arial" panose="020B0604020202020204" pitchFamily="34" charset="0"/>
+                <a:cs typeface="Arial" panose="020B0604020202020204" pitchFamily="34" charset="0"/>
+              </a:rPr>
               <a:t>The not-so famous Inappropriate Expressions</a:t>
             </a:r>
-            <a:endParaRPr lang="en-US" dirty="0"/>
+            <a:endParaRPr lang="en-US" dirty="0">
+              <a:latin typeface="Arial" panose="020B0604020202020204" pitchFamily="34" charset="0"/>
+              <a:cs typeface="Arial" panose="020B0604020202020204" pitchFamily="34" charset="0"/>
+            </a:endParaRPr>
           </a:p>
         </p:txBody>
       </p:sp>
@@ -11303,28 +11351,45 @@
             <p:ph idx="1"/>
           </p:nvPr>
         </p:nvSpPr>
-        <p:spPr/>
+        <p:spPr>
+          <a:xfrm>
+            <a:off x="838200" y="2215165"/>
+            <a:ext cx="10515600" cy="3961797"/>
+          </a:xfrm>
+        </p:spPr>
         <p:txBody>
           <a:bodyPr/>
           <a:lstStyle/>
           <a:p>
             <a:r>
-              <a:rPr lang="en-US" dirty="0" smtClean="0"/>
+              <a:rPr lang="en-US" dirty="0" smtClean="0">
+                <a:latin typeface="Arial" panose="020B0604020202020204" pitchFamily="34" charset="0"/>
+                <a:cs typeface="Arial" panose="020B0604020202020204" pitchFamily="34" charset="0"/>
+              </a:rPr>
               <a:t>Slattern</a:t>
             </a:r>
           </a:p>
           <a:p>
             <a:r>
-              <a:rPr lang="en-US" dirty="0" smtClean="0"/>
+              <a:rPr lang="en-US" dirty="0" smtClean="0">
+                <a:latin typeface="Arial" panose="020B0604020202020204" pitchFamily="34" charset="0"/>
+                <a:cs typeface="Arial" panose="020B0604020202020204" pitchFamily="34" charset="0"/>
+              </a:rPr>
               <a:t>Hussy</a:t>
             </a:r>
           </a:p>
           <a:p>
             <a:r>
-              <a:rPr lang="en-US" dirty="0" smtClean="0"/>
+              <a:rPr lang="en-US" dirty="0" smtClean="0">
+                <a:latin typeface="Arial" panose="020B0604020202020204" pitchFamily="34" charset="0"/>
+                <a:cs typeface="Arial" panose="020B0604020202020204" pitchFamily="34" charset="0"/>
+              </a:rPr>
               <a:t>Strumpet</a:t>
             </a:r>
-            <a:endParaRPr lang="en-US" dirty="0"/>
+            <a:endParaRPr lang="en-US" dirty="0">
+              <a:latin typeface="Arial" panose="020B0604020202020204" pitchFamily="34" charset="0"/>
+              <a:cs typeface="Arial" panose="020B0604020202020204" pitchFamily="34" charset="0"/>
+            </a:endParaRPr>
           </a:p>
         </p:txBody>
       </p:sp>

--- a/pptx/ThesisProposal.pptx
+++ b/pptx/ThesisProposal.pptx
@@ -14,16 +14,17 @@
     <p:sldId id="280" r:id="rId8"/>
     <p:sldId id="256" r:id="rId9"/>
     <p:sldId id="281" r:id="rId10"/>
-    <p:sldId id="261" r:id="rId11"/>
-    <p:sldId id="270" r:id="rId12"/>
-    <p:sldId id="262" r:id="rId13"/>
-    <p:sldId id="271" r:id="rId14"/>
-    <p:sldId id="265" r:id="rId15"/>
-    <p:sldId id="266" r:id="rId16"/>
-    <p:sldId id="267" r:id="rId17"/>
-    <p:sldId id="269" r:id="rId18"/>
-    <p:sldId id="273" r:id="rId19"/>
-    <p:sldId id="276" r:id="rId20"/>
+    <p:sldId id="282" r:id="rId11"/>
+    <p:sldId id="261" r:id="rId12"/>
+    <p:sldId id="270" r:id="rId13"/>
+    <p:sldId id="262" r:id="rId14"/>
+    <p:sldId id="271" r:id="rId15"/>
+    <p:sldId id="265" r:id="rId16"/>
+    <p:sldId id="266" r:id="rId17"/>
+    <p:sldId id="267" r:id="rId18"/>
+    <p:sldId id="269" r:id="rId19"/>
+    <p:sldId id="273" r:id="rId20"/>
+    <p:sldId id="276" r:id="rId21"/>
   </p:sldIdLst>
   <p:sldSz cx="12192000" cy="6858000"/>
   <p:notesSz cx="6858000" cy="9144000"/>
@@ -3146,7 +3147,7 @@
                 <a:latin typeface="Arial" panose="020B0604020202020204" pitchFamily="34" charset="0"/>
                 <a:cs typeface="Arial" panose="020B0604020202020204" pitchFamily="34" charset="0"/>
               </a:rPr>
-              <a:t>STATEMENT OF THE PROBLEM</a:t>
+              <a:t>BACKGROUND OF THE STUDY</a:t>
             </a:r>
             <a:endParaRPr lang="en-US" b="1" dirty="0">
               <a:latin typeface="Arial" panose="020B0604020202020204" pitchFamily="34" charset="0"/>
@@ -3187,102 +3188,99 @@
         </p:style>
         <p:txBody>
           <a:bodyPr>
-            <a:normAutofit/>
+            <a:normAutofit fontScale="92500"/>
           </a:bodyPr>
           <a:lstStyle/>
           <a:p>
-            <a:pPr marL="0" indent="0" algn="just">
-              <a:buNone/>
-            </a:pPr>
-            <a:r>
-              <a:rPr lang="en-US" sz="2200" dirty="0" smtClean="0">
-                <a:latin typeface="Arial" panose="020B0604020202020204" pitchFamily="34" charset="0"/>
-                <a:cs typeface="Arial" panose="020B0604020202020204" pitchFamily="34" charset="0"/>
-              </a:rPr>
-              <a:t>	</a:t>
-            </a:r>
-          </a:p>
-          <a:p>
-            <a:pPr marL="0" indent="0" algn="just">
-              <a:buNone/>
-            </a:pPr>
-            <a:r>
-              <a:rPr lang="en-US" sz="2200" dirty="0" smtClean="0">
-                <a:latin typeface="Arial" panose="020B0604020202020204" pitchFamily="34" charset="0"/>
-                <a:cs typeface="Arial" panose="020B0604020202020204" pitchFamily="34" charset="0"/>
-              </a:rPr>
-              <a:t>	</a:t>
-            </a:r>
-            <a:r>
-              <a:rPr lang="en-US" dirty="0" smtClean="0">
-                <a:latin typeface="Arial" panose="020B0604020202020204" pitchFamily="34" charset="0"/>
-                <a:cs typeface="Arial" panose="020B0604020202020204" pitchFamily="34" charset="0"/>
-              </a:rPr>
-              <a:t>The </a:t>
-            </a:r>
-            <a:r>
-              <a:rPr lang="en-US" dirty="0">
-                <a:latin typeface="Arial" panose="020B0604020202020204" pitchFamily="34" charset="0"/>
-                <a:cs typeface="Arial" panose="020B0604020202020204" pitchFamily="34" charset="0"/>
-              </a:rPr>
-              <a:t>study aims to design, develop and evaluate the system which will help to recognize Inappropriate Expressions from a document. The people who are in knowledgeable in English language are the respondents in this study. In addition to this, the researchers aim to seek answer to this problem</a:t>
-            </a:r>
-            <a:r>
-              <a:rPr lang="en-US" dirty="0" smtClean="0">
-                <a:latin typeface="Arial" panose="020B0604020202020204" pitchFamily="34" charset="0"/>
-                <a:cs typeface="Arial" panose="020B0604020202020204" pitchFamily="34" charset="0"/>
-              </a:rPr>
-              <a:t>:</a:t>
-            </a:r>
-            <a:endParaRPr lang="en-US" dirty="0">
-              <a:latin typeface="Arial" panose="020B0604020202020204" pitchFamily="34" charset="0"/>
-              <a:cs typeface="Arial" panose="020B0604020202020204" pitchFamily="34" charset="0"/>
-            </a:endParaRPr>
-          </a:p>
-          <a:p>
-            <a:pPr marL="457200" indent="-457200" algn="just">
-              <a:buFont typeface="+mj-lt"/>
-              <a:buAutoNum type="arabicPeriod"/>
-            </a:pPr>
-            <a:r>
-              <a:rPr lang="en-US" dirty="0">
-                <a:latin typeface="Arial" panose="020B0604020202020204" pitchFamily="34" charset="0"/>
-                <a:cs typeface="Arial" panose="020B0604020202020204" pitchFamily="34" charset="0"/>
-              </a:rPr>
-              <a:t>Is there a significant difference in the performance analysis of Recognition of Inappropriate Expression between the expert and the system in terms of</a:t>
-            </a:r>
-            <a:r>
-              <a:rPr lang="en-US" dirty="0" smtClean="0">
-                <a:latin typeface="Arial" panose="020B0604020202020204" pitchFamily="34" charset="0"/>
-                <a:cs typeface="Arial" panose="020B0604020202020204" pitchFamily="34" charset="0"/>
-              </a:rPr>
-              <a:t>:</a:t>
-            </a:r>
-          </a:p>
-          <a:p>
-            <a:pPr marL="914400" lvl="1" indent="-457200">
-              <a:buFont typeface="+mj-lt"/>
-              <a:buAutoNum type="alphaLcParenR"/>
-            </a:pPr>
-            <a:r>
-              <a:rPr lang="en-US" sz="2800" dirty="0" smtClean="0">
-                <a:latin typeface="Arial" panose="020B0604020202020204" pitchFamily="34" charset="0"/>
-                <a:cs typeface="Arial" panose="020B0604020202020204" pitchFamily="34" charset="0"/>
-              </a:rPr>
-              <a:t>Recognition of Inappropriate Expressions</a:t>
-            </a:r>
-          </a:p>
-          <a:p>
-            <a:pPr marL="914400" lvl="1" indent="-457200">
-              <a:buFont typeface="+mj-lt"/>
-              <a:buAutoNum type="alphaLcParenR"/>
-            </a:pPr>
-            <a:r>
-              <a:rPr lang="en-US" sz="2800" dirty="0" smtClean="0">
-                <a:latin typeface="Arial" panose="020B0604020202020204" pitchFamily="34" charset="0"/>
-                <a:cs typeface="Arial" panose="020B0604020202020204" pitchFamily="34" charset="0"/>
-              </a:rPr>
-              <a:t>Recognition of Appropriate Expressions</a:t>
+            <a:pPr algn="just"/>
+            <a:r>
+              <a:rPr lang="en-US" dirty="0"/>
+              <a:t>Detection of Harassment on Web </a:t>
+            </a:r>
+            <a:r>
+              <a:rPr lang="en-US" dirty="0" smtClean="0"/>
+              <a:t>2.0 uses a </a:t>
+            </a:r>
+            <a:r>
+              <a:rPr lang="en-US" dirty="0"/>
+              <a:t>baseline text mining system (using bag of words approach) </a:t>
+            </a:r>
+            <a:r>
+              <a:rPr lang="en-US" dirty="0" smtClean="0"/>
+              <a:t> and utilizes </a:t>
+            </a:r>
+            <a:r>
+              <a:rPr lang="en-US" dirty="0"/>
+              <a:t>sentiment and contextual </a:t>
+            </a:r>
+            <a:r>
+              <a:rPr lang="en-US" dirty="0" smtClean="0"/>
+              <a:t>features using Support Vectors. It is somewhat limited based</a:t>
+            </a:r>
+          </a:p>
+          <a:p>
+            <a:pPr algn="just"/>
+            <a:r>
+              <a:rPr lang="en-US" dirty="0"/>
+              <a:t>Detecting Offensive Language in Social Media to Protect Adolescent Online </a:t>
+            </a:r>
+            <a:r>
+              <a:rPr lang="en-US" dirty="0" smtClean="0"/>
+              <a:t>Safety uses Lexical Syntactic Features and Derives the Offensive Value based on those features.</a:t>
+            </a:r>
+          </a:p>
+          <a:p>
+            <a:pPr algn="just"/>
+            <a:r>
+              <a:rPr lang="en-US" dirty="0"/>
+              <a:t>Detecting Offensive Tweets via Topical Feature </a:t>
+            </a:r>
+            <a:r>
+              <a:rPr lang="en-US" dirty="0" smtClean="0"/>
+              <a:t>Discovery </a:t>
+            </a:r>
+            <a:r>
+              <a:rPr lang="en-US" dirty="0"/>
+              <a:t>via statistical topic </a:t>
+            </a:r>
+            <a:r>
+              <a:rPr lang="en-US" dirty="0" smtClean="0"/>
+              <a:t>modeling based on tweets with </a:t>
+            </a:r>
+            <a:r>
+              <a:rPr lang="en-US" dirty="0"/>
+              <a:t>a seed </a:t>
+            </a:r>
+            <a:r>
+              <a:rPr lang="en-US" dirty="0" smtClean="0"/>
+              <a:t>words, which will be limited on the word itself .</a:t>
+            </a:r>
+          </a:p>
+          <a:p>
+            <a:pPr algn="just"/>
+            <a:r>
+              <a:rPr lang="en-US" dirty="0"/>
+              <a:t>Filtering Offensive Language in Online Communities using Grammatical </a:t>
+            </a:r>
+            <a:r>
+              <a:rPr lang="en-US" dirty="0" smtClean="0"/>
+              <a:t>Relations uses Part-of-speech tags and collection of offensive words. </a:t>
+            </a:r>
+            <a:r>
+              <a:rPr lang="en-US" dirty="0"/>
+              <a:t>W</a:t>
+            </a:r>
+            <a:r>
+              <a:rPr lang="en-US" dirty="0" smtClean="0"/>
+              <a:t>ords that are not </a:t>
+            </a:r>
+            <a:r>
+              <a:rPr lang="en-US" dirty="0"/>
+              <a:t>in the lexicon are considered </a:t>
+            </a:r>
+            <a:r>
+              <a:rPr lang="en-US" dirty="0" smtClean="0"/>
+              <a:t>inoffensive, which is limited implementation.</a:t>
             </a:r>
           </a:p>
         </p:txBody>
@@ -3330,7 +3328,7 @@
       </p:sp>
       <p:sp>
         <p:nvSpPr>
-          <p:cNvPr id="8" name="TextBox 7"/>
+          <p:cNvPr id="6" name="TextBox 5"/>
           <p:cNvSpPr txBox="1"/>
           <p:nvPr/>
         </p:nvSpPr>
@@ -3539,7 +3537,7 @@
     </p:spTree>
     <p:extLst>
       <p:ext uri="{BB962C8B-B14F-4D97-AF65-F5344CB8AC3E}">
-        <p14:creationId xmlns:p14="http://schemas.microsoft.com/office/powerpoint/2010/main" val="1381412573"/>
+        <p14:creationId xmlns:p14="http://schemas.microsoft.com/office/powerpoint/2010/main" val="2359297736"/>
       </p:ext>
     </p:extLst>
   </p:cSld>
@@ -3665,7 +3663,7 @@
               <a:buNone/>
             </a:pPr>
             <a:r>
-              <a:rPr lang="en-US" dirty="0" smtClean="0">
+              <a:rPr lang="en-US" sz="2200" dirty="0" smtClean="0">
                 <a:latin typeface="Arial" panose="020B0604020202020204" pitchFamily="34" charset="0"/>
                 <a:cs typeface="Arial" panose="020B0604020202020204" pitchFamily="34" charset="0"/>
               </a:rPr>
@@ -3676,28 +3674,50 @@
             <a:pPr marL="0" indent="0" algn="just">
               <a:buNone/>
             </a:pPr>
+            <a:r>
+              <a:rPr lang="en-US" sz="2200" dirty="0" smtClean="0">
+                <a:latin typeface="Arial" panose="020B0604020202020204" pitchFamily="34" charset="0"/>
+                <a:cs typeface="Arial" panose="020B0604020202020204" pitchFamily="34" charset="0"/>
+              </a:rPr>
+              <a:t>	</a:t>
+            </a:r>
+            <a:r>
+              <a:rPr lang="en-US" dirty="0" smtClean="0">
+                <a:latin typeface="Arial" panose="020B0604020202020204" pitchFamily="34" charset="0"/>
+                <a:cs typeface="Arial" panose="020B0604020202020204" pitchFamily="34" charset="0"/>
+              </a:rPr>
+              <a:t>The </a:t>
+            </a:r>
+            <a:r>
+              <a:rPr lang="en-US" dirty="0">
+                <a:latin typeface="Arial" panose="020B0604020202020204" pitchFamily="34" charset="0"/>
+                <a:cs typeface="Arial" panose="020B0604020202020204" pitchFamily="34" charset="0"/>
+              </a:rPr>
+              <a:t>study aims to design, develop and evaluate the system which will help to recognize Inappropriate Expressions from a document. The people who are in knowledgeable in English language are the respondents in this study. In addition to this, the researchers aim to seek answer to this problem</a:t>
+            </a:r>
+            <a:r>
+              <a:rPr lang="en-US" dirty="0" smtClean="0">
+                <a:latin typeface="Arial" panose="020B0604020202020204" pitchFamily="34" charset="0"/>
+                <a:cs typeface="Arial" panose="020B0604020202020204" pitchFamily="34" charset="0"/>
+              </a:rPr>
+              <a:t>:</a:t>
+            </a:r>
             <a:endParaRPr lang="en-US" dirty="0">
               <a:latin typeface="Arial" panose="020B0604020202020204" pitchFamily="34" charset="0"/>
               <a:cs typeface="Arial" panose="020B0604020202020204" pitchFamily="34" charset="0"/>
             </a:endParaRPr>
           </a:p>
           <a:p>
-            <a:pPr marL="0" indent="0" algn="just">
-              <a:buNone/>
+            <a:pPr marL="457200" indent="-457200" algn="just">
+              <a:buFont typeface="+mj-lt"/>
+              <a:buAutoNum type="arabicPeriod"/>
             </a:pPr>
             <a:r>
-              <a:rPr lang="en-US" dirty="0" smtClean="0">
-                <a:latin typeface="Arial" panose="020B0604020202020204" pitchFamily="34" charset="0"/>
-                <a:cs typeface="Arial" panose="020B0604020202020204" pitchFamily="34" charset="0"/>
-              </a:rPr>
-              <a:t>2. Is </a:t>
-            </a:r>
-            <a:r>
               <a:rPr lang="en-US" dirty="0">
                 <a:latin typeface="Arial" panose="020B0604020202020204" pitchFamily="34" charset="0"/>
                 <a:cs typeface="Arial" panose="020B0604020202020204" pitchFamily="34" charset="0"/>
               </a:rPr>
-              <a:t>there a significant difference in the performance analysis of Recognition of Inappropriate Expressions of system when modeled between different training sets of Inappropriate Expressions in terms of</a:t>
+              <a:t>Is there a significant difference in the performance analysis of Recognition of Inappropriate Expression between the expert and the system in terms of</a:t>
             </a:r>
             <a:r>
               <a:rPr lang="en-US" dirty="0" smtClean="0">
@@ -3717,14 +3737,7 @@
                 <a:latin typeface="Arial" panose="020B0604020202020204" pitchFamily="34" charset="0"/>
                 <a:cs typeface="Arial" panose="020B0604020202020204" pitchFamily="34" charset="0"/>
               </a:rPr>
-              <a:t>Recognition </a:t>
-            </a:r>
-            <a:r>
-              <a:rPr lang="en-US" sz="2800" dirty="0">
-                <a:latin typeface="Arial" panose="020B0604020202020204" pitchFamily="34" charset="0"/>
-                <a:cs typeface="Arial" panose="020B0604020202020204" pitchFamily="34" charset="0"/>
-              </a:rPr>
-              <a:t>of Inappropriate Expressions</a:t>
+              <a:t>Recognition of Inappropriate Expressions</a:t>
             </a:r>
           </a:p>
           <a:p>
@@ -3733,7 +3746,7 @@
               <a:buAutoNum type="alphaLcParenR"/>
             </a:pPr>
             <a:r>
-              <a:rPr lang="en-US" sz="2800" dirty="0">
+              <a:rPr lang="en-US" sz="2800" dirty="0" smtClean="0">
                 <a:latin typeface="Arial" panose="020B0604020202020204" pitchFamily="34" charset="0"/>
                 <a:cs typeface="Arial" panose="020B0604020202020204" pitchFamily="34" charset="0"/>
               </a:rPr>
@@ -3994,7 +4007,7 @@
     </p:spTree>
     <p:extLst>
       <p:ext uri="{BB962C8B-B14F-4D97-AF65-F5344CB8AC3E}">
-        <p14:creationId xmlns:p14="http://schemas.microsoft.com/office/powerpoint/2010/main" val="2693944564"/>
+        <p14:creationId xmlns:p14="http://schemas.microsoft.com/office/powerpoint/2010/main" val="1381412573"/>
       </p:ext>
     </p:extLst>
   </p:cSld>
@@ -4071,7 +4084,7 @@
                 <a:latin typeface="Arial" panose="020B0604020202020204" pitchFamily="34" charset="0"/>
                 <a:cs typeface="Arial" panose="020B0604020202020204" pitchFamily="34" charset="0"/>
               </a:rPr>
-              <a:t>HYPOTHESIS</a:t>
+              <a:t>STATEMENT OF THE PROBLEM</a:t>
             </a:r>
             <a:endParaRPr lang="en-US" b="1" dirty="0">
               <a:latin typeface="Arial" panose="020B0604020202020204" pitchFamily="34" charset="0"/>
@@ -4111,60 +4124,48 @@
           </a:fontRef>
         </p:style>
         <p:txBody>
-          <a:bodyPr/>
+          <a:bodyPr>
+            <a:normAutofit/>
+          </a:bodyPr>
           <a:lstStyle/>
           <a:p>
             <a:pPr marL="0" indent="0" algn="just">
               <a:buNone/>
             </a:pPr>
-            <a:endParaRPr lang="en-US" dirty="0" smtClean="0">
-              <a:latin typeface="Arial" panose="020B0604020202020204" pitchFamily="34" charset="0"/>
-              <a:cs typeface="Arial" panose="020B0604020202020204" pitchFamily="34" charset="0"/>
-            </a:endParaRPr>
+            <a:r>
+              <a:rPr lang="en-US" dirty="0" smtClean="0">
+                <a:latin typeface="Arial" panose="020B0604020202020204" pitchFamily="34" charset="0"/>
+                <a:cs typeface="Arial" panose="020B0604020202020204" pitchFamily="34" charset="0"/>
+              </a:rPr>
+              <a:t>	</a:t>
+            </a:r>
           </a:p>
           <a:p>
             <a:pPr marL="0" indent="0" algn="just">
               <a:buNone/>
             </a:pPr>
-            <a:r>
-              <a:rPr lang="en-US" dirty="0" smtClean="0">
-                <a:latin typeface="Arial" panose="020B0604020202020204" pitchFamily="34" charset="0"/>
-                <a:cs typeface="Arial" panose="020B0604020202020204" pitchFamily="34" charset="0"/>
-              </a:rPr>
-              <a:t>In </a:t>
-            </a:r>
-            <a:r>
-              <a:rPr lang="en-US" dirty="0">
-                <a:latin typeface="Arial" panose="020B0604020202020204" pitchFamily="34" charset="0"/>
-                <a:cs typeface="Arial" panose="020B0604020202020204" pitchFamily="34" charset="0"/>
-              </a:rPr>
-              <a:t>this research, the researchers are guided by the following hypothesis</a:t>
-            </a:r>
-            <a:r>
-              <a:rPr lang="en-US" dirty="0" smtClean="0">
-                <a:latin typeface="Arial" panose="020B0604020202020204" pitchFamily="34" charset="0"/>
-                <a:cs typeface="Arial" panose="020B0604020202020204" pitchFamily="34" charset="0"/>
-              </a:rPr>
-              <a:t>:</a:t>
-            </a:r>
+            <a:endParaRPr lang="en-US" dirty="0">
+              <a:latin typeface="Arial" panose="020B0604020202020204" pitchFamily="34" charset="0"/>
+              <a:cs typeface="Arial" panose="020B0604020202020204" pitchFamily="34" charset="0"/>
+            </a:endParaRPr>
           </a:p>
           <a:p>
             <a:pPr marL="0" indent="0" algn="just">
               <a:buNone/>
             </a:pPr>
-            <a:endParaRPr lang="en-US" dirty="0" smtClean="0">
-              <a:latin typeface="Arial" panose="020B0604020202020204" pitchFamily="34" charset="0"/>
-              <a:cs typeface="Arial" panose="020B0604020202020204" pitchFamily="34" charset="0"/>
-            </a:endParaRPr>
-          </a:p>
-          <a:p>
-            <a:pPr algn="just"/>
+            <a:r>
+              <a:rPr lang="en-US" dirty="0" smtClean="0">
+                <a:latin typeface="Arial" panose="020B0604020202020204" pitchFamily="34" charset="0"/>
+                <a:cs typeface="Arial" panose="020B0604020202020204" pitchFamily="34" charset="0"/>
+              </a:rPr>
+              <a:t>2. Is </a:t>
+            </a:r>
             <a:r>
               <a:rPr lang="en-US" dirty="0">
                 <a:latin typeface="Arial" panose="020B0604020202020204" pitchFamily="34" charset="0"/>
                 <a:cs typeface="Arial" panose="020B0604020202020204" pitchFamily="34" charset="0"/>
               </a:rPr>
-              <a:t>The Inappropriate Expressions Recognition has no significant difference in terms of effectiveness between the system and the expert</a:t>
+              <a:t>there a significant difference in the performance analysis of Recognition of Inappropriate Expressions of system when modeled between different training sets of Inappropriate Expressions in terms of</a:t>
             </a:r>
             <a:r>
               <a:rPr lang="en-US" dirty="0" smtClean="0">
@@ -4175,7 +4176,10 @@
             </a:r>
           </a:p>
           <a:p>
-            <a:pPr lvl="1" algn="just"/>
+            <a:pPr marL="914400" lvl="1" indent="-457200">
+              <a:buFont typeface="+mj-lt"/>
+              <a:buAutoNum type="alphaLcParenR"/>
+            </a:pPr>
             <a:r>
               <a:rPr lang="en-US" sz="2800" dirty="0" smtClean="0">
                 <a:latin typeface="Arial" panose="020B0604020202020204" pitchFamily="34" charset="0"/>
@@ -4188,42 +4192,21 @@
                 <a:latin typeface="Arial" panose="020B0604020202020204" pitchFamily="34" charset="0"/>
                 <a:cs typeface="Arial" panose="020B0604020202020204" pitchFamily="34" charset="0"/>
               </a:rPr>
-              <a:t>of Inappropriate expressions.</a:t>
-            </a:r>
-          </a:p>
-          <a:p>
-            <a:pPr lvl="1" algn="just"/>
-            <a:r>
-              <a:rPr lang="en-US" sz="2800" dirty="0" smtClean="0">
-                <a:latin typeface="Arial" panose="020B0604020202020204" pitchFamily="34" charset="0"/>
-                <a:cs typeface="Arial" panose="020B0604020202020204" pitchFamily="34" charset="0"/>
-              </a:rPr>
-              <a:t>Recognition </a:t>
-            </a:r>
+              <a:t>of Inappropriate Expressions</a:t>
+            </a:r>
+          </a:p>
+          <a:p>
+            <a:pPr marL="914400" lvl="1" indent="-457200">
+              <a:buFont typeface="+mj-lt"/>
+              <a:buAutoNum type="alphaLcParenR"/>
+            </a:pPr>
             <a:r>
               <a:rPr lang="en-US" sz="2800" dirty="0">
                 <a:latin typeface="Arial" panose="020B0604020202020204" pitchFamily="34" charset="0"/>
                 <a:cs typeface="Arial" panose="020B0604020202020204" pitchFamily="34" charset="0"/>
               </a:rPr>
-              <a:t>of Appropriate expressions</a:t>
-            </a:r>
-            <a:r>
-              <a:rPr lang="en-US" sz="2800" dirty="0" smtClean="0">
-                <a:latin typeface="Arial" panose="020B0604020202020204" pitchFamily="34" charset="0"/>
-                <a:cs typeface="Arial" panose="020B0604020202020204" pitchFamily="34" charset="0"/>
-              </a:rPr>
-              <a:t>.</a:t>
-            </a:r>
-            <a:endParaRPr lang="en-US" sz="2800" dirty="0">
-              <a:latin typeface="Arial" panose="020B0604020202020204" pitchFamily="34" charset="0"/>
-              <a:cs typeface="Arial" panose="020B0604020202020204" pitchFamily="34" charset="0"/>
-            </a:endParaRPr>
-          </a:p>
-          <a:p>
-            <a:pPr marL="0" indent="0">
-              <a:buNone/>
-            </a:pPr>
-            <a:endParaRPr lang="en-US" dirty="0"/>
+              <a:t>Recognition of Appropriate Expressions</a:t>
+            </a:r>
           </a:p>
         </p:txBody>
       </p:sp>
@@ -4479,7 +4462,7 @@
     </p:spTree>
     <p:extLst>
       <p:ext uri="{BB962C8B-B14F-4D97-AF65-F5344CB8AC3E}">
-        <p14:creationId xmlns:p14="http://schemas.microsoft.com/office/powerpoint/2010/main" val="2386945579"/>
+        <p14:creationId xmlns:p14="http://schemas.microsoft.com/office/powerpoint/2010/main" val="2693944564"/>
       </p:ext>
     </p:extLst>
   </p:cSld>
@@ -4611,6 +4594,32 @@
             <a:pPr marL="0" indent="0" algn="just">
               <a:buNone/>
             </a:pPr>
+            <a:r>
+              <a:rPr lang="en-US" dirty="0" smtClean="0">
+                <a:latin typeface="Arial" panose="020B0604020202020204" pitchFamily="34" charset="0"/>
+                <a:cs typeface="Arial" panose="020B0604020202020204" pitchFamily="34" charset="0"/>
+              </a:rPr>
+              <a:t>In </a:t>
+            </a:r>
+            <a:r>
+              <a:rPr lang="en-US" dirty="0">
+                <a:latin typeface="Arial" panose="020B0604020202020204" pitchFamily="34" charset="0"/>
+                <a:cs typeface="Arial" panose="020B0604020202020204" pitchFamily="34" charset="0"/>
+              </a:rPr>
+              <a:t>this research, the researchers are guided by the following hypothesis</a:t>
+            </a:r>
+            <a:r>
+              <a:rPr lang="en-US" dirty="0" smtClean="0">
+                <a:latin typeface="Arial" panose="020B0604020202020204" pitchFamily="34" charset="0"/>
+                <a:cs typeface="Arial" panose="020B0604020202020204" pitchFamily="34" charset="0"/>
+              </a:rPr>
+              <a:t>:</a:t>
+            </a:r>
+          </a:p>
+          <a:p>
+            <a:pPr marL="0" indent="0" algn="just">
+              <a:buNone/>
+            </a:pPr>
             <a:endParaRPr lang="en-US" dirty="0" smtClean="0">
               <a:latin typeface="Arial" panose="020B0604020202020204" pitchFamily="34" charset="0"/>
               <a:cs typeface="Arial" panose="020B0604020202020204" pitchFamily="34" charset="0"/>
@@ -4623,28 +4632,60 @@
                 <a:latin typeface="Arial" panose="020B0604020202020204" pitchFamily="34" charset="0"/>
                 <a:cs typeface="Arial" panose="020B0604020202020204" pitchFamily="34" charset="0"/>
               </a:rPr>
-              <a:t>The Inappropriate Expressions Recognition has a significant difference in terms of effectiveness when trained in different data sets of Inappropriate Expressions in terms of:</a:t>
+              <a:t>The Inappropriate Expressions Recognition has no significant difference in terms of effectiveness between the system and the expert</a:t>
+            </a:r>
+            <a:r>
+              <a:rPr lang="en-US" dirty="0" smtClean="0">
+                <a:latin typeface="Arial" panose="020B0604020202020204" pitchFamily="34" charset="0"/>
+                <a:cs typeface="Arial" panose="020B0604020202020204" pitchFamily="34" charset="0"/>
+              </a:rPr>
+              <a:t>:</a:t>
             </a:r>
           </a:p>
           <a:p>
             <a:pPr lvl="1" algn="just"/>
             <a:r>
+              <a:rPr lang="en-US" sz="2800" dirty="0" smtClean="0">
+                <a:latin typeface="Arial" panose="020B0604020202020204" pitchFamily="34" charset="0"/>
+                <a:cs typeface="Arial" panose="020B0604020202020204" pitchFamily="34" charset="0"/>
+              </a:rPr>
+              <a:t>Recognition </a:t>
+            </a:r>
+            <a:r>
               <a:rPr lang="en-US" sz="2800" dirty="0">
                 <a:latin typeface="Arial" panose="020B0604020202020204" pitchFamily="34" charset="0"/>
                 <a:cs typeface="Arial" panose="020B0604020202020204" pitchFamily="34" charset="0"/>
               </a:rPr>
-              <a:t>Recognition of Inappropriate expressions.</a:t>
+              <a:t>of Inappropriate expressions.</a:t>
             </a:r>
           </a:p>
           <a:p>
             <a:pPr lvl="1" algn="just"/>
             <a:r>
+              <a:rPr lang="en-US" sz="2800" dirty="0" smtClean="0">
+                <a:latin typeface="Arial" panose="020B0604020202020204" pitchFamily="34" charset="0"/>
+                <a:cs typeface="Arial" panose="020B0604020202020204" pitchFamily="34" charset="0"/>
+              </a:rPr>
+              <a:t>Recognition </a:t>
+            </a:r>
+            <a:r>
               <a:rPr lang="en-US" sz="2800" dirty="0">
                 <a:latin typeface="Arial" panose="020B0604020202020204" pitchFamily="34" charset="0"/>
                 <a:cs typeface="Arial" panose="020B0604020202020204" pitchFamily="34" charset="0"/>
               </a:rPr>
-              <a:t>Recognition of Appropriate expressions.</a:t>
-            </a:r>
+              <a:t>of Appropriate expressions</a:t>
+            </a:r>
+            <a:r>
+              <a:rPr lang="en-US" sz="2800" dirty="0" smtClean="0">
+                <a:latin typeface="Arial" panose="020B0604020202020204" pitchFamily="34" charset="0"/>
+                <a:cs typeface="Arial" panose="020B0604020202020204" pitchFamily="34" charset="0"/>
+              </a:rPr>
+              <a:t>.</a:t>
+            </a:r>
+            <a:endParaRPr lang="en-US" sz="2800" dirty="0">
+              <a:latin typeface="Arial" panose="020B0604020202020204" pitchFamily="34" charset="0"/>
+              <a:cs typeface="Arial" panose="020B0604020202020204" pitchFamily="34" charset="0"/>
+            </a:endParaRPr>
           </a:p>
           <a:p>
             <a:pPr marL="0" indent="0">
@@ -4906,7 +4947,7 @@
     </p:spTree>
     <p:extLst>
       <p:ext uri="{BB962C8B-B14F-4D97-AF65-F5344CB8AC3E}">
-        <p14:creationId xmlns:p14="http://schemas.microsoft.com/office/powerpoint/2010/main" val="137953146"/>
+        <p14:creationId xmlns:p14="http://schemas.microsoft.com/office/powerpoint/2010/main" val="2386945579"/>
       </p:ext>
     </p:extLst>
   </p:cSld>
@@ -4983,7 +5024,7 @@
                 <a:latin typeface="Arial" panose="020B0604020202020204" pitchFamily="34" charset="0"/>
                 <a:cs typeface="Arial" panose="020B0604020202020204" pitchFamily="34" charset="0"/>
               </a:rPr>
-              <a:t>RESEARCH METHOD USED</a:t>
+              <a:t>HYPOTHESIS</a:t>
             </a:r>
             <a:endParaRPr lang="en-US" b="1" dirty="0">
               <a:latin typeface="Arial" panose="020B0604020202020204" pitchFamily="34" charset="0"/>
@@ -5026,60 +5067,57 @@
           <a:bodyPr/>
           <a:lstStyle/>
           <a:p>
+            <a:pPr marL="0" indent="0" algn="just">
+              <a:buNone/>
+            </a:pPr>
+            <a:endParaRPr lang="en-US" dirty="0" smtClean="0">
+              <a:latin typeface="Arial" panose="020B0604020202020204" pitchFamily="34" charset="0"/>
+              <a:cs typeface="Arial" panose="020B0604020202020204" pitchFamily="34" charset="0"/>
+            </a:endParaRPr>
+          </a:p>
+          <a:p>
+            <a:pPr marL="0" indent="0" algn="just">
+              <a:buNone/>
+            </a:pPr>
+            <a:endParaRPr lang="en-US" dirty="0" smtClean="0">
+              <a:latin typeface="Arial" panose="020B0604020202020204" pitchFamily="34" charset="0"/>
+              <a:cs typeface="Arial" panose="020B0604020202020204" pitchFamily="34" charset="0"/>
+            </a:endParaRPr>
+          </a:p>
+          <a:p>
+            <a:pPr algn="just"/>
+            <a:r>
+              <a:rPr lang="en-US" dirty="0">
+                <a:latin typeface="Arial" panose="020B0604020202020204" pitchFamily="34" charset="0"/>
+                <a:cs typeface="Arial" panose="020B0604020202020204" pitchFamily="34" charset="0"/>
+              </a:rPr>
+              <a:t>The Inappropriate Expressions Recognition has a significant difference in terms of effectiveness when trained in different data sets of Inappropriate Expressions in terms of:</a:t>
+            </a:r>
+          </a:p>
+          <a:p>
+            <a:pPr lvl="1" algn="just"/>
+            <a:r>
+              <a:rPr lang="en-US" sz="2800" dirty="0">
+                <a:latin typeface="Arial" panose="020B0604020202020204" pitchFamily="34" charset="0"/>
+                <a:cs typeface="Arial" panose="020B0604020202020204" pitchFamily="34" charset="0"/>
+              </a:rPr>
+              <a:t>Recognition of Inappropriate expressions.</a:t>
+            </a:r>
+          </a:p>
+          <a:p>
+            <a:pPr lvl="1" algn="just"/>
+            <a:r>
+              <a:rPr lang="en-US" sz="2800" dirty="0">
+                <a:latin typeface="Arial" panose="020B0604020202020204" pitchFamily="34" charset="0"/>
+                <a:cs typeface="Arial" panose="020B0604020202020204" pitchFamily="34" charset="0"/>
+              </a:rPr>
+              <a:t>Recognition of Appropriate expressions.</a:t>
+            </a:r>
+          </a:p>
+          <a:p>
             <a:pPr marL="0" indent="0">
               <a:buNone/>
             </a:pPr>
-            <a:r>
-              <a:rPr lang="en-US" dirty="0" smtClean="0">
-                <a:latin typeface="Arial" panose="020B0604020202020204" pitchFamily="34" charset="0"/>
-                <a:cs typeface="Arial" panose="020B0604020202020204" pitchFamily="34" charset="0"/>
-              </a:rPr>
-              <a:t>	</a:t>
-            </a:r>
-          </a:p>
-          <a:p>
-            <a:pPr marL="0" indent="0">
-              <a:buNone/>
-            </a:pPr>
-            <a:endParaRPr lang="en-US" dirty="0">
-              <a:latin typeface="Arial" panose="020B0604020202020204" pitchFamily="34" charset="0"/>
-              <a:cs typeface="Arial" panose="020B0604020202020204" pitchFamily="34" charset="0"/>
-            </a:endParaRPr>
-          </a:p>
-          <a:p>
-            <a:pPr marL="0" indent="0" algn="just">
-              <a:buNone/>
-            </a:pPr>
-            <a:r>
-              <a:rPr lang="en-US" dirty="0" smtClean="0">
-                <a:latin typeface="Arial" panose="020B0604020202020204" pitchFamily="34" charset="0"/>
-                <a:cs typeface="Arial" panose="020B0604020202020204" pitchFamily="34" charset="0"/>
-              </a:rPr>
-              <a:t>	The </a:t>
-            </a:r>
-            <a:r>
-              <a:rPr lang="en-US" dirty="0">
-                <a:latin typeface="Arial" panose="020B0604020202020204" pitchFamily="34" charset="0"/>
-                <a:cs typeface="Arial" panose="020B0604020202020204" pitchFamily="34" charset="0"/>
-              </a:rPr>
-              <a:t>method used by the researchers in developing the study is </a:t>
-            </a:r>
-            <a:r>
-              <a:rPr lang="en-US" sz="3600" dirty="0">
-                <a:latin typeface="Arial" panose="020B0604020202020204" pitchFamily="34" charset="0"/>
-                <a:cs typeface="Arial" panose="020B0604020202020204" pitchFamily="34" charset="0"/>
-              </a:rPr>
-              <a:t>quasi-experimental method of research </a:t>
-            </a:r>
-            <a:r>
-              <a:rPr lang="en-US" dirty="0">
-                <a:latin typeface="Arial" panose="020B0604020202020204" pitchFamily="34" charset="0"/>
-                <a:cs typeface="Arial" panose="020B0604020202020204" pitchFamily="34" charset="0"/>
-              </a:rPr>
-              <a:t>that describes and analyzes the relation of the Bootstrapping Machine Learning as opposed to its relation to performance of Inappropriate Expressions. The researchers of this study conducted a pre-test and post-test about the implementation of the system. In this method, researches and studies were used to come up with the expected result.</a:t>
-            </a:r>
-          </a:p>
-          <a:p>
             <a:endParaRPr lang="en-US" dirty="0"/>
           </a:p>
         </p:txBody>
@@ -5336,7 +5374,7 @@
     </p:spTree>
     <p:extLst>
       <p:ext uri="{BB962C8B-B14F-4D97-AF65-F5344CB8AC3E}">
-        <p14:creationId xmlns:p14="http://schemas.microsoft.com/office/powerpoint/2010/main" val="630845069"/>
+        <p14:creationId xmlns:p14="http://schemas.microsoft.com/office/powerpoint/2010/main" val="137953146"/>
       </p:ext>
     </p:extLst>
   </p:cSld>
@@ -5413,6 +5451,436 @@
                 <a:latin typeface="Arial" panose="020B0604020202020204" pitchFamily="34" charset="0"/>
                 <a:cs typeface="Arial" panose="020B0604020202020204" pitchFamily="34" charset="0"/>
               </a:rPr>
+              <a:t>RESEARCH METHOD USED</a:t>
+            </a:r>
+            <a:endParaRPr lang="en-US" b="1" dirty="0">
+              <a:latin typeface="Arial" panose="020B0604020202020204" pitchFamily="34" charset="0"/>
+              <a:cs typeface="Arial" panose="020B0604020202020204" pitchFamily="34" charset="0"/>
+            </a:endParaRPr>
+          </a:p>
+        </p:txBody>
+      </p:sp>
+      <p:sp>
+        <p:nvSpPr>
+          <p:cNvPr id="3" name="Content Placeholder 2"/>
+          <p:cNvSpPr>
+            <a:spLocks noGrp="1"/>
+          </p:cNvSpPr>
+          <p:nvPr>
+            <p:ph idx="1"/>
+          </p:nvPr>
+        </p:nvSpPr>
+        <p:spPr>
+          <a:xfrm>
+            <a:off x="0" y="1325562"/>
+            <a:ext cx="9079606" cy="5532437"/>
+          </a:xfrm>
+        </p:spPr>
+        <p:style>
+          <a:lnRef idx="2">
+            <a:schemeClr val="dk1"/>
+          </a:lnRef>
+          <a:fillRef idx="1">
+            <a:schemeClr val="lt1"/>
+          </a:fillRef>
+          <a:effectRef idx="0">
+            <a:schemeClr val="dk1"/>
+          </a:effectRef>
+          <a:fontRef idx="minor">
+            <a:schemeClr val="dk1"/>
+          </a:fontRef>
+        </p:style>
+        <p:txBody>
+          <a:bodyPr/>
+          <a:lstStyle/>
+          <a:p>
+            <a:pPr marL="0" indent="0">
+              <a:buNone/>
+            </a:pPr>
+            <a:r>
+              <a:rPr lang="en-US" dirty="0" smtClean="0">
+                <a:latin typeface="Arial" panose="020B0604020202020204" pitchFamily="34" charset="0"/>
+                <a:cs typeface="Arial" panose="020B0604020202020204" pitchFamily="34" charset="0"/>
+              </a:rPr>
+              <a:t>	</a:t>
+            </a:r>
+          </a:p>
+          <a:p>
+            <a:pPr marL="0" indent="0">
+              <a:buNone/>
+            </a:pPr>
+            <a:endParaRPr lang="en-US" dirty="0">
+              <a:latin typeface="Arial" panose="020B0604020202020204" pitchFamily="34" charset="0"/>
+              <a:cs typeface="Arial" panose="020B0604020202020204" pitchFamily="34" charset="0"/>
+            </a:endParaRPr>
+          </a:p>
+          <a:p>
+            <a:pPr marL="0" indent="0" algn="just">
+              <a:buNone/>
+            </a:pPr>
+            <a:r>
+              <a:rPr lang="en-US" dirty="0" smtClean="0">
+                <a:latin typeface="Arial" panose="020B0604020202020204" pitchFamily="34" charset="0"/>
+                <a:cs typeface="Arial" panose="020B0604020202020204" pitchFamily="34" charset="0"/>
+              </a:rPr>
+              <a:t>	The </a:t>
+            </a:r>
+            <a:r>
+              <a:rPr lang="en-US" dirty="0">
+                <a:latin typeface="Arial" panose="020B0604020202020204" pitchFamily="34" charset="0"/>
+                <a:cs typeface="Arial" panose="020B0604020202020204" pitchFamily="34" charset="0"/>
+              </a:rPr>
+              <a:t>method used by the researchers in developing the study is </a:t>
+            </a:r>
+            <a:r>
+              <a:rPr lang="en-US" sz="3600" dirty="0">
+                <a:latin typeface="Arial" panose="020B0604020202020204" pitchFamily="34" charset="0"/>
+                <a:cs typeface="Arial" panose="020B0604020202020204" pitchFamily="34" charset="0"/>
+              </a:rPr>
+              <a:t>quasi-experimental method of research </a:t>
+            </a:r>
+            <a:r>
+              <a:rPr lang="en-US" dirty="0">
+                <a:latin typeface="Arial" panose="020B0604020202020204" pitchFamily="34" charset="0"/>
+                <a:cs typeface="Arial" panose="020B0604020202020204" pitchFamily="34" charset="0"/>
+              </a:rPr>
+              <a:t>that describes and analyzes the relation of the Bootstrapping Machine Learning as opposed to its relation to performance of Inappropriate Expressions. The researchers of this study conducted a pre-test and post-test about the implementation of the system. In this method, researches and studies were used to come up with the expected result.</a:t>
+            </a:r>
+          </a:p>
+          <a:p>
+            <a:endParaRPr lang="en-US" dirty="0"/>
+          </a:p>
+        </p:txBody>
+      </p:sp>
+      <p:sp>
+        <p:nvSpPr>
+          <p:cNvPr id="4" name="TextBox 3"/>
+          <p:cNvSpPr txBox="1"/>
+          <p:nvPr/>
+        </p:nvSpPr>
+        <p:spPr>
+          <a:xfrm>
+            <a:off x="9079607" y="0"/>
+            <a:ext cx="3112394" cy="6858000"/>
+          </a:xfrm>
+          <a:prstGeom prst="rect">
+            <a:avLst/>
+          </a:prstGeom>
+        </p:spPr>
+        <p:style>
+          <a:lnRef idx="2">
+            <a:schemeClr val="dk1">
+              <a:shade val="50000"/>
+            </a:schemeClr>
+          </a:lnRef>
+          <a:fillRef idx="1">
+            <a:schemeClr val="dk1"/>
+          </a:fillRef>
+          <a:effectRef idx="0">
+            <a:schemeClr val="dk1"/>
+          </a:effectRef>
+          <a:fontRef idx="minor">
+            <a:schemeClr val="lt1"/>
+          </a:fontRef>
+        </p:style>
+        <p:txBody>
+          <a:bodyPr wrap="square" rtlCol="0">
+            <a:spAutoFit/>
+          </a:bodyPr>
+          <a:lstStyle/>
+          <a:p>
+            <a:endParaRPr lang="en-US" dirty="0"/>
+          </a:p>
+        </p:txBody>
+      </p:sp>
+      <p:sp>
+        <p:nvSpPr>
+          <p:cNvPr id="8" name="TextBox 7"/>
+          <p:cNvSpPr txBox="1"/>
+          <p:nvPr/>
+        </p:nvSpPr>
+        <p:spPr>
+          <a:xfrm>
+            <a:off x="9079607" y="30274"/>
+            <a:ext cx="3112393" cy="5262979"/>
+          </a:xfrm>
+          <a:prstGeom prst="rect">
+            <a:avLst/>
+          </a:prstGeom>
+        </p:spPr>
+        <p:style>
+          <a:lnRef idx="2">
+            <a:schemeClr val="dk1">
+              <a:shade val="50000"/>
+            </a:schemeClr>
+          </a:lnRef>
+          <a:fillRef idx="1">
+            <a:schemeClr val="dk1"/>
+          </a:fillRef>
+          <a:effectRef idx="0">
+            <a:schemeClr val="dk1"/>
+          </a:effectRef>
+          <a:fontRef idx="minor">
+            <a:schemeClr val="lt1"/>
+          </a:fontRef>
+        </p:style>
+        <p:txBody>
+          <a:bodyPr wrap="square" rtlCol="0">
+            <a:spAutoFit/>
+          </a:bodyPr>
+          <a:lstStyle/>
+          <a:p>
+            <a:endParaRPr lang="en-US" sz="1600" b="1" dirty="0" smtClean="0">
+              <a:latin typeface="Arial" panose="020B0604020202020204" pitchFamily="34" charset="0"/>
+              <a:cs typeface="Arial" panose="020B0604020202020204" pitchFamily="34" charset="0"/>
+            </a:endParaRPr>
+          </a:p>
+          <a:p>
+            <a:endParaRPr lang="en-US" sz="1600" b="1" dirty="0">
+              <a:latin typeface="Arial" panose="020B0604020202020204" pitchFamily="34" charset="0"/>
+              <a:cs typeface="Arial" panose="020B0604020202020204" pitchFamily="34" charset="0"/>
+            </a:endParaRPr>
+          </a:p>
+          <a:p>
+            <a:endParaRPr lang="en-US" sz="1600" b="1" dirty="0" smtClean="0">
+              <a:latin typeface="Arial" panose="020B0604020202020204" pitchFamily="34" charset="0"/>
+              <a:cs typeface="Arial" panose="020B0604020202020204" pitchFamily="34" charset="0"/>
+            </a:endParaRPr>
+          </a:p>
+          <a:p>
+            <a:endParaRPr lang="en-US" sz="1600" b="1" dirty="0">
+              <a:latin typeface="Arial" panose="020B0604020202020204" pitchFamily="34" charset="0"/>
+              <a:cs typeface="Arial" panose="020B0604020202020204" pitchFamily="34" charset="0"/>
+            </a:endParaRPr>
+          </a:p>
+          <a:p>
+            <a:endParaRPr lang="en-US" sz="1600" b="1" dirty="0" smtClean="0">
+              <a:latin typeface="Arial" panose="020B0604020202020204" pitchFamily="34" charset="0"/>
+              <a:cs typeface="Arial" panose="020B0604020202020204" pitchFamily="34" charset="0"/>
+            </a:endParaRPr>
+          </a:p>
+          <a:p>
+            <a:endParaRPr lang="en-US" sz="1600" b="1" dirty="0">
+              <a:latin typeface="Arial" panose="020B0604020202020204" pitchFamily="34" charset="0"/>
+              <a:cs typeface="Arial" panose="020B0604020202020204" pitchFamily="34" charset="0"/>
+            </a:endParaRPr>
+          </a:p>
+          <a:p>
+            <a:r>
+              <a:rPr lang="en-US" sz="1600" b="1" dirty="0" smtClean="0">
+                <a:latin typeface="Arial" panose="020B0604020202020204" pitchFamily="34" charset="0"/>
+                <a:cs typeface="Arial" panose="020B0604020202020204" pitchFamily="34" charset="0"/>
+                <a:hlinkClick r:id="rId2" action="ppaction://hlinksldjump"/>
+              </a:rPr>
+              <a:t>BACKGROUND OF THE STUDY</a:t>
+            </a:r>
+            <a:endParaRPr lang="en-US" sz="1600" b="1" dirty="0" smtClean="0">
+              <a:latin typeface="Arial" panose="020B0604020202020204" pitchFamily="34" charset="0"/>
+              <a:cs typeface="Arial" panose="020B0604020202020204" pitchFamily="34" charset="0"/>
+            </a:endParaRPr>
+          </a:p>
+          <a:p>
+            <a:endParaRPr lang="en-US" sz="1600" b="1" dirty="0">
+              <a:latin typeface="Arial" panose="020B0604020202020204" pitchFamily="34" charset="0"/>
+              <a:cs typeface="Arial" panose="020B0604020202020204" pitchFamily="34" charset="0"/>
+            </a:endParaRPr>
+          </a:p>
+          <a:p>
+            <a:r>
+              <a:rPr lang="en-US" sz="1600" b="1" dirty="0" smtClean="0">
+                <a:latin typeface="Arial" panose="020B0604020202020204" pitchFamily="34" charset="0"/>
+                <a:cs typeface="Arial" panose="020B0604020202020204" pitchFamily="34" charset="0"/>
+                <a:hlinkClick r:id="rId3" action="ppaction://hlinksldjump"/>
+              </a:rPr>
+              <a:t>STATEMENT OF THE PROBLEM</a:t>
+            </a:r>
+            <a:endParaRPr lang="en-US" sz="1600" b="1" dirty="0" smtClean="0">
+              <a:latin typeface="Arial" panose="020B0604020202020204" pitchFamily="34" charset="0"/>
+              <a:cs typeface="Arial" panose="020B0604020202020204" pitchFamily="34" charset="0"/>
+            </a:endParaRPr>
+          </a:p>
+          <a:p>
+            <a:endParaRPr lang="en-US" sz="1600" b="1" dirty="0">
+              <a:latin typeface="Arial" panose="020B0604020202020204" pitchFamily="34" charset="0"/>
+              <a:cs typeface="Arial" panose="020B0604020202020204" pitchFamily="34" charset="0"/>
+            </a:endParaRPr>
+          </a:p>
+          <a:p>
+            <a:r>
+              <a:rPr lang="en-US" sz="1600" b="1" dirty="0" smtClean="0">
+                <a:latin typeface="Arial" panose="020B0604020202020204" pitchFamily="34" charset="0"/>
+                <a:cs typeface="Arial" panose="020B0604020202020204" pitchFamily="34" charset="0"/>
+                <a:hlinkClick r:id="rId4" action="ppaction://hlinksldjump"/>
+              </a:rPr>
+              <a:t>HYPOTHESIS</a:t>
+            </a:r>
+            <a:endParaRPr lang="en-US" sz="1600" b="1" dirty="0" smtClean="0">
+              <a:latin typeface="Arial" panose="020B0604020202020204" pitchFamily="34" charset="0"/>
+              <a:cs typeface="Arial" panose="020B0604020202020204" pitchFamily="34" charset="0"/>
+            </a:endParaRPr>
+          </a:p>
+          <a:p>
+            <a:endParaRPr lang="en-US" sz="1600" b="1" dirty="0">
+              <a:latin typeface="Arial" panose="020B0604020202020204" pitchFamily="34" charset="0"/>
+              <a:cs typeface="Arial" panose="020B0604020202020204" pitchFamily="34" charset="0"/>
+            </a:endParaRPr>
+          </a:p>
+          <a:p>
+            <a:r>
+              <a:rPr lang="en-US" sz="1600" b="1" dirty="0" smtClean="0">
+                <a:latin typeface="Arial" panose="020B0604020202020204" pitchFamily="34" charset="0"/>
+                <a:cs typeface="Arial" panose="020B0604020202020204" pitchFamily="34" charset="0"/>
+                <a:hlinkClick r:id="rId5" action="ppaction://hlinksldjump"/>
+              </a:rPr>
+              <a:t>RESEARCH METHOD USED</a:t>
+            </a:r>
+            <a:endParaRPr lang="en-US" sz="1600" b="1" dirty="0" smtClean="0">
+              <a:latin typeface="Arial" panose="020B0604020202020204" pitchFamily="34" charset="0"/>
+              <a:cs typeface="Arial" panose="020B0604020202020204" pitchFamily="34" charset="0"/>
+            </a:endParaRPr>
+          </a:p>
+          <a:p>
+            <a:endParaRPr lang="en-US" sz="1600" b="1" dirty="0">
+              <a:latin typeface="Arial" panose="020B0604020202020204" pitchFamily="34" charset="0"/>
+              <a:cs typeface="Arial" panose="020B0604020202020204" pitchFamily="34" charset="0"/>
+            </a:endParaRPr>
+          </a:p>
+          <a:p>
+            <a:r>
+              <a:rPr lang="en-US" sz="1600" b="1" dirty="0" smtClean="0">
+                <a:latin typeface="Arial" panose="020B0604020202020204" pitchFamily="34" charset="0"/>
+                <a:cs typeface="Arial" panose="020B0604020202020204" pitchFamily="34" charset="0"/>
+                <a:hlinkClick r:id="rId6" action="ppaction://hlinksldjump"/>
+              </a:rPr>
+              <a:t>SYSTEM ARCHITECTURE</a:t>
+            </a:r>
+            <a:endParaRPr lang="en-US" sz="1600" b="1" dirty="0" smtClean="0">
+              <a:latin typeface="Arial" panose="020B0604020202020204" pitchFamily="34" charset="0"/>
+              <a:cs typeface="Arial" panose="020B0604020202020204" pitchFamily="34" charset="0"/>
+            </a:endParaRPr>
+          </a:p>
+          <a:p>
+            <a:endParaRPr lang="en-US" sz="1600" b="1" dirty="0">
+              <a:latin typeface="Arial" panose="020B0604020202020204" pitchFamily="34" charset="0"/>
+              <a:cs typeface="Arial" panose="020B0604020202020204" pitchFamily="34" charset="0"/>
+            </a:endParaRPr>
+          </a:p>
+          <a:p>
+            <a:r>
+              <a:rPr lang="en-US" sz="1600" b="1" dirty="0" smtClean="0">
+                <a:latin typeface="Arial" panose="020B0604020202020204" pitchFamily="34" charset="0"/>
+                <a:cs typeface="Arial" panose="020B0604020202020204" pitchFamily="34" charset="0"/>
+                <a:hlinkClick r:id="rId7" action="ppaction://hlinksldjump"/>
+              </a:rPr>
+              <a:t>EXPERIMENT PAPER</a:t>
+            </a:r>
+            <a:endParaRPr lang="en-US" sz="1600" b="1" dirty="0" smtClean="0">
+              <a:latin typeface="Arial" panose="020B0604020202020204" pitchFamily="34" charset="0"/>
+              <a:cs typeface="Arial" panose="020B0604020202020204" pitchFamily="34" charset="0"/>
+            </a:endParaRPr>
+          </a:p>
+          <a:p>
+            <a:endParaRPr lang="en-US" sz="1600" b="1" dirty="0">
+              <a:latin typeface="Arial" panose="020B0604020202020204" pitchFamily="34" charset="0"/>
+              <a:cs typeface="Arial" panose="020B0604020202020204" pitchFamily="34" charset="0"/>
+            </a:endParaRPr>
+          </a:p>
+          <a:p>
+            <a:r>
+              <a:rPr lang="en-US" sz="1600" b="1" dirty="0" smtClean="0">
+                <a:latin typeface="Arial" panose="020B0604020202020204" pitchFamily="34" charset="0"/>
+                <a:cs typeface="Arial" panose="020B0604020202020204" pitchFamily="34" charset="0"/>
+                <a:hlinkClick r:id="rId8" action="ppaction://hlinksldjump"/>
+              </a:rPr>
+              <a:t>STATISTICAL TREATMENT</a:t>
+            </a:r>
+            <a:endParaRPr lang="en-US" sz="1600" b="1" dirty="0">
+              <a:latin typeface="Arial" panose="020B0604020202020204" pitchFamily="34" charset="0"/>
+              <a:cs typeface="Arial" panose="020B0604020202020204" pitchFamily="34" charset="0"/>
+            </a:endParaRPr>
+          </a:p>
+        </p:txBody>
+      </p:sp>
+    </p:spTree>
+    <p:extLst>
+      <p:ext uri="{BB962C8B-B14F-4D97-AF65-F5344CB8AC3E}">
+        <p14:creationId xmlns:p14="http://schemas.microsoft.com/office/powerpoint/2010/main" val="630845069"/>
+      </p:ext>
+    </p:extLst>
+  </p:cSld>
+  <p:clrMapOvr>
+    <a:masterClrMapping/>
+  </p:clrMapOvr>
+  <p:transition spd="slow">
+    <p:push dir="u"/>
+  </p:transition>
+  <p:timing>
+    <p:tnLst>
+      <p:par>
+        <p:cTn id="1" dur="indefinite" restart="never" nodeType="tmRoot"/>
+      </p:par>
+    </p:tnLst>
+  </p:timing>
+</p:sld>
+</file>
+
+<file path=ppt/slides/slide16.xml><?xml version="1.0" encoding="utf-8"?>
+<p:sld xmlns:a="http://schemas.openxmlformats.org/drawingml/2006/main" xmlns:r="http://schemas.openxmlformats.org/officeDocument/2006/relationships" xmlns:p="http://schemas.openxmlformats.org/presentationml/2006/main">
+  <p:cSld>
+    <p:spTree>
+      <p:nvGrpSpPr>
+        <p:cNvPr id="1" name=""/>
+        <p:cNvGrpSpPr/>
+        <p:nvPr/>
+      </p:nvGrpSpPr>
+      <p:grpSpPr>
+        <a:xfrm>
+          <a:off x="0" y="0"/>
+          <a:ext cx="0" cy="0"/>
+          <a:chOff x="0" y="0"/>
+          <a:chExt cx="0" cy="0"/>
+        </a:xfrm>
+      </p:grpSpPr>
+      <p:sp>
+        <p:nvSpPr>
+          <p:cNvPr id="2" name="Title 1"/>
+          <p:cNvSpPr>
+            <a:spLocks noGrp="1"/>
+          </p:cNvSpPr>
+          <p:nvPr>
+            <p:ph type="title"/>
+          </p:nvPr>
+        </p:nvSpPr>
+        <p:spPr>
+          <a:xfrm>
+            <a:off x="0" y="0"/>
+            <a:ext cx="9079606" cy="1325563"/>
+          </a:xfrm>
+        </p:spPr>
+        <p:style>
+          <a:lnRef idx="2">
+            <a:schemeClr val="accent6"/>
+          </a:lnRef>
+          <a:fillRef idx="1">
+            <a:schemeClr val="lt1"/>
+          </a:fillRef>
+          <a:effectRef idx="0">
+            <a:schemeClr val="accent6"/>
+          </a:effectRef>
+          <a:fontRef idx="minor">
+            <a:schemeClr val="dk1"/>
+          </a:fontRef>
+        </p:style>
+        <p:txBody>
+          <a:bodyPr/>
+          <a:lstStyle/>
+          <a:p>
+            <a:pPr algn="ctr"/>
+            <a:r>
+              <a:rPr lang="en-US" b="1" dirty="0" smtClean="0">
+                <a:latin typeface="Arial" panose="020B0604020202020204" pitchFamily="34" charset="0"/>
+                <a:cs typeface="Arial" panose="020B0604020202020204" pitchFamily="34" charset="0"/>
+              </a:rPr>
               <a:t>SYSTEM ARCHITECTURE</a:t>
             </a:r>
             <a:endParaRPr lang="en-US" b="1" dirty="0">
@@ -5768,7 +6236,7 @@
 </p:sld>
 </file>
 
-<file path=ppt/slides/slide16.xml><?xml version="1.0" encoding="utf-8"?>
+<file path=ppt/slides/slide17.xml><?xml version="1.0" encoding="utf-8"?>
 <p:sld xmlns:a="http://schemas.openxmlformats.org/drawingml/2006/main" xmlns:r="http://schemas.openxmlformats.org/officeDocument/2006/relationships" xmlns:p="http://schemas.openxmlformats.org/presentationml/2006/main">
   <p:cSld>
     <p:spTree>
@@ -7464,7 +7932,7 @@
 </p:sld>
 </file>
 
-<file path=ppt/slides/slide17.xml><?xml version="1.0" encoding="utf-8"?>
+<file path=ppt/slides/slide18.xml><?xml version="1.0" encoding="utf-8"?>
 <p:sld xmlns:a="http://schemas.openxmlformats.org/drawingml/2006/main" xmlns:r="http://schemas.openxmlformats.org/officeDocument/2006/relationships" xmlns:p="http://schemas.openxmlformats.org/presentationml/2006/main">
   <p:cSld>
     <p:spTree>
@@ -9700,7 +10168,7 @@
 </p:sld>
 </file>
 
-<file path=ppt/slides/slide18.xml><?xml version="1.0" encoding="utf-8"?>
+<file path=ppt/slides/slide19.xml><?xml version="1.0" encoding="utf-8"?>
 <p:sld xmlns:a="http://schemas.openxmlformats.org/drawingml/2006/main" xmlns:r="http://schemas.openxmlformats.org/officeDocument/2006/relationships" xmlns:p="http://schemas.openxmlformats.org/presentationml/2006/main">
   <p:cSld>
     <p:spTree>
@@ -10291,79 +10759,6 @@
 </p:sld>
 </file>
 
-<file path=ppt/slides/slide19.xml><?xml version="1.0" encoding="utf-8"?>
-<p:sld xmlns:a="http://schemas.openxmlformats.org/drawingml/2006/main" xmlns:r="http://schemas.openxmlformats.org/officeDocument/2006/relationships" xmlns:p="http://schemas.openxmlformats.org/presentationml/2006/main">
-  <p:cSld>
-    <p:spTree>
-      <p:nvGrpSpPr>
-        <p:cNvPr id="1" name=""/>
-        <p:cNvGrpSpPr/>
-        <p:nvPr/>
-      </p:nvGrpSpPr>
-      <p:grpSpPr>
-        <a:xfrm>
-          <a:off x="0" y="0"/>
-          <a:ext cx="0" cy="0"/>
-          <a:chOff x="0" y="0"/>
-          <a:chExt cx="0" cy="0"/>
-        </a:xfrm>
-      </p:grpSpPr>
-      <p:sp>
-        <p:nvSpPr>
-          <p:cNvPr id="3" name="Content Placeholder 2"/>
-          <p:cNvSpPr>
-            <a:spLocks noGrp="1"/>
-          </p:cNvSpPr>
-          <p:nvPr>
-            <p:ph idx="1"/>
-          </p:nvPr>
-        </p:nvSpPr>
-        <p:spPr>
-          <a:xfrm>
-            <a:off x="941231" y="2237749"/>
-            <a:ext cx="10515600" cy="4351338"/>
-          </a:xfrm>
-        </p:spPr>
-        <p:txBody>
-          <a:bodyPr>
-            <a:normAutofit/>
-          </a:bodyPr>
-          <a:lstStyle/>
-          <a:p>
-            <a:pPr marL="0" indent="0" algn="ctr">
-              <a:buNone/>
-            </a:pPr>
-            <a:r>
-              <a:rPr lang="en-US" sz="16600" dirty="0" smtClean="0"/>
-              <a:t>END</a:t>
-            </a:r>
-            <a:endParaRPr lang="en-US" sz="16600" dirty="0"/>
-          </a:p>
-        </p:txBody>
-      </p:sp>
-    </p:spTree>
-    <p:extLst>
-      <p:ext uri="{BB962C8B-B14F-4D97-AF65-F5344CB8AC3E}">
-        <p14:creationId xmlns:p14="http://schemas.microsoft.com/office/powerpoint/2010/main" val="1246976011"/>
-      </p:ext>
-    </p:extLst>
-  </p:cSld>
-  <p:clrMapOvr>
-    <a:masterClrMapping/>
-  </p:clrMapOvr>
-  <p:transition spd="slow">
-    <p:push dir="u"/>
-  </p:transition>
-  <p:timing>
-    <p:tnLst>
-      <p:par>
-        <p:cTn id="1" dur="indefinite" restart="never" nodeType="tmRoot"/>
-      </p:par>
-    </p:tnLst>
-  </p:timing>
-</p:sld>
-</file>
-
 <file path=ppt/slides/slide2.xml><?xml version="1.0" encoding="utf-8"?>
 <p:sld xmlns:a="http://schemas.openxmlformats.org/drawingml/2006/main" xmlns:r="http://schemas.openxmlformats.org/officeDocument/2006/relationships" xmlns:p="http://schemas.openxmlformats.org/presentationml/2006/main">
   <p:cSld>
@@ -10428,6 +10823,79 @@
     <p:extLst>
       <p:ext uri="{BB962C8B-B14F-4D97-AF65-F5344CB8AC3E}">
         <p14:creationId xmlns:p14="http://schemas.microsoft.com/office/powerpoint/2010/main" val="471002475"/>
+      </p:ext>
+    </p:extLst>
+  </p:cSld>
+  <p:clrMapOvr>
+    <a:masterClrMapping/>
+  </p:clrMapOvr>
+  <p:transition spd="slow">
+    <p:push dir="u"/>
+  </p:transition>
+  <p:timing>
+    <p:tnLst>
+      <p:par>
+        <p:cTn id="1" dur="indefinite" restart="never" nodeType="tmRoot"/>
+      </p:par>
+    </p:tnLst>
+  </p:timing>
+</p:sld>
+</file>
+
+<file path=ppt/slides/slide20.xml><?xml version="1.0" encoding="utf-8"?>
+<p:sld xmlns:a="http://schemas.openxmlformats.org/drawingml/2006/main" xmlns:r="http://schemas.openxmlformats.org/officeDocument/2006/relationships" xmlns:p="http://schemas.openxmlformats.org/presentationml/2006/main">
+  <p:cSld>
+    <p:spTree>
+      <p:nvGrpSpPr>
+        <p:cNvPr id="1" name=""/>
+        <p:cNvGrpSpPr/>
+        <p:nvPr/>
+      </p:nvGrpSpPr>
+      <p:grpSpPr>
+        <a:xfrm>
+          <a:off x="0" y="0"/>
+          <a:ext cx="0" cy="0"/>
+          <a:chOff x="0" y="0"/>
+          <a:chExt cx="0" cy="0"/>
+        </a:xfrm>
+      </p:grpSpPr>
+      <p:sp>
+        <p:nvSpPr>
+          <p:cNvPr id="3" name="Content Placeholder 2"/>
+          <p:cNvSpPr>
+            <a:spLocks noGrp="1"/>
+          </p:cNvSpPr>
+          <p:nvPr>
+            <p:ph idx="1"/>
+          </p:nvPr>
+        </p:nvSpPr>
+        <p:spPr>
+          <a:xfrm>
+            <a:off x="941231" y="2237749"/>
+            <a:ext cx="10515600" cy="4351338"/>
+          </a:xfrm>
+        </p:spPr>
+        <p:txBody>
+          <a:bodyPr>
+            <a:normAutofit/>
+          </a:bodyPr>
+          <a:lstStyle/>
+          <a:p>
+            <a:pPr marL="0" indent="0" algn="ctr">
+              <a:buNone/>
+            </a:pPr>
+            <a:r>
+              <a:rPr lang="en-US" sz="16600" dirty="0" smtClean="0"/>
+              <a:t>END</a:t>
+            </a:r>
+            <a:endParaRPr lang="en-US" sz="16600" dirty="0"/>
+          </a:p>
+        </p:txBody>
+      </p:sp>
+    </p:spTree>
+    <p:extLst>
+      <p:ext uri="{BB962C8B-B14F-4D97-AF65-F5344CB8AC3E}">
+        <p14:creationId xmlns:p14="http://schemas.microsoft.com/office/powerpoint/2010/main" val="1246976011"/>
       </p:ext>
     </p:extLst>
   </p:cSld>
@@ -11784,100 +12252,69 @@
         </p:style>
         <p:txBody>
           <a:bodyPr>
-            <a:normAutofit fontScale="92500"/>
+            <a:normAutofit/>
           </a:bodyPr>
           <a:lstStyle/>
           <a:p>
             <a:pPr algn="just"/>
             <a:r>
+              <a:rPr lang="en-US" dirty="0" smtClean="0"/>
+              <a:t>Inappropriate Expressions becomes very interesting in the field of NLP Community.</a:t>
+            </a:r>
+          </a:p>
+          <a:p>
+            <a:pPr algn="just"/>
+            <a:r>
+              <a:rPr lang="en-US" dirty="0" smtClean="0"/>
+              <a:t>One of the problems </a:t>
+            </a:r>
+            <a:r>
               <a:rPr lang="en-US" dirty="0"/>
-              <a:t>Detection of Harassment on Web </a:t>
+              <a:t>that need to be solve in this study is the accuracy of the system because some of the researches related to the study has a low rate of accuracy.</a:t>
+            </a:r>
+          </a:p>
+          <a:p>
+            <a:pPr algn="just"/>
+            <a:r>
+              <a:rPr lang="en-US" dirty="0"/>
+              <a:t>S</a:t>
             </a:r>
             <a:r>
               <a:rPr lang="en-US" dirty="0" smtClean="0"/>
-              <a:t>2.0 uses a </a:t>
+              <a:t>emi-supervised </a:t>
             </a:r>
             <a:r>
               <a:rPr lang="en-US" dirty="0"/>
-              <a:t>baseline text mining system (using bag of words approach) </a:t>
+              <a:t>learning methods are proposed to effectively utilize a small scale of labeled data along with a larger amount of unlabeled data</a:t>
             </a:r>
             <a:r>
               <a:rPr lang="en-US" dirty="0" smtClean="0"/>
-              <a:t> and utilizes </a:t>
+              <a:t>.</a:t>
+            </a:r>
+          </a:p>
+          <a:p>
+            <a:pPr algn="just"/>
+            <a:r>
+              <a:rPr lang="en-US"/>
+              <a:t>S</a:t>
+            </a:r>
+            <a:r>
+              <a:rPr lang="en-US" smtClean="0"/>
+              <a:t>emi-supervised </a:t>
             </a:r>
             <a:r>
               <a:rPr lang="en-US" dirty="0"/>
-              <a:t>sentiment and contextual </a:t>
-            </a:r>
-            <a:r>
-              <a:rPr lang="en-US" dirty="0" smtClean="0"/>
-              <a:t>features using Support Vectors. It is somewhat limited based</a:t>
-            </a:r>
-          </a:p>
-          <a:p>
-            <a:pPr algn="just"/>
-            <a:r>
-              <a:rPr lang="en-US" dirty="0"/>
-              <a:t>Detecting Offensive Language in Social Media to Protect Adolescent Online </a:t>
-            </a:r>
-            <a:r>
-              <a:rPr lang="en-US" dirty="0" smtClean="0"/>
-              <a:t>Safety uses Lexical Syntactic Features and Derives the Offensive Value based on those features.</a:t>
-            </a:r>
-          </a:p>
-          <a:p>
-            <a:pPr algn="just"/>
-            <a:r>
-              <a:rPr lang="en-US" dirty="0"/>
-              <a:t>Detecting Offensive Tweets via Topical Feature </a:t>
-            </a:r>
-            <a:r>
-              <a:rPr lang="en-US" dirty="0" smtClean="0"/>
-              <a:t>Discovery </a:t>
-            </a:r>
-            <a:r>
-              <a:rPr lang="en-US" dirty="0"/>
-              <a:t>via statistical topic </a:t>
-            </a:r>
-            <a:r>
-              <a:rPr lang="en-US" dirty="0" smtClean="0"/>
-              <a:t>modeling based on tweets with </a:t>
-            </a:r>
-            <a:r>
-              <a:rPr lang="en-US" dirty="0"/>
-              <a:t>a seed </a:t>
-            </a:r>
-            <a:r>
-              <a:rPr lang="en-US" dirty="0" smtClean="0"/>
-              <a:t>words, which will be limited on the word itself .</a:t>
-            </a:r>
-          </a:p>
-          <a:p>
-            <a:pPr algn="just"/>
-            <a:r>
-              <a:rPr lang="en-US" dirty="0"/>
-              <a:t>Filtering Offensive Language in Online Communities using Grammatical </a:t>
-            </a:r>
-            <a:r>
-              <a:rPr lang="en-US" dirty="0" smtClean="0"/>
-              <a:t>Relations uses Part-of-speech tags and collection of offensive words. </a:t>
-            </a:r>
-            <a:r>
-              <a:rPr lang="en-US" dirty="0"/>
-              <a:t>W</a:t>
-            </a:r>
-            <a:r>
-              <a:rPr lang="en-US" dirty="0" smtClean="0"/>
-              <a:t>ords that are not </a:t>
-            </a:r>
-            <a:r>
-              <a:rPr lang="en-US" dirty="0"/>
-              <a:t>in the lexicon are considered </a:t>
-            </a:r>
-            <a:r>
-              <a:rPr lang="en-US" dirty="0" smtClean="0"/>
-              <a:t>inoffensive, which is limited implementation.</a:t>
-            </a:r>
+              <a:t>learning on imbalanced classification is </a:t>
+            </a:r>
+            <a:r>
+              <a:rPr lang="en-US"/>
+              <a:t>rather </a:t>
+            </a:r>
+            <a:r>
+              <a:rPr lang="en-US" smtClean="0"/>
+              <a:t>challenging.</a:t>
+            </a:r>
+            <a:endParaRPr lang="en-US" dirty="0" smtClean="0"/>
           </a:p>
         </p:txBody>
       </p:sp>

--- a/pptx/ThesisProposal.pptx
+++ b/pptx/ThesisProposal.pptx
@@ -12252,7 +12252,7 @@
         </p:style>
         <p:txBody>
           <a:bodyPr>
-            <a:normAutofit/>
+            <a:normAutofit fontScale="92500" lnSpcReduction="10000"/>
           </a:bodyPr>
           <a:lstStyle/>
           <a:p>
@@ -12295,24 +12295,47 @@
           <a:p>
             <a:pPr algn="just"/>
             <a:r>
+              <a:rPr lang="en-US" dirty="0"/>
+              <a:t>S</a:t>
+            </a:r>
+            <a:r>
+              <a:rPr lang="en-US" dirty="0" smtClean="0"/>
+              <a:t>emi-supervised </a:t>
+            </a:r>
+            <a:r>
+              <a:rPr lang="en-US" dirty="0"/>
+              <a:t>learning on imbalanced classification is rather </a:t>
+            </a:r>
+            <a:r>
+              <a:rPr lang="en-US" dirty="0" smtClean="0"/>
+              <a:t>challenging</a:t>
+            </a:r>
+            <a:r>
+              <a:rPr lang="en-US" dirty="0" smtClean="0"/>
+              <a:t>.</a:t>
+            </a:r>
+          </a:p>
+          <a:p>
+            <a:pPr algn="just"/>
+            <a:r>
+              <a:rPr lang="en-US" dirty="0" smtClean="0"/>
+              <a:t>Bootstrapping is not a sample size dependent resampling schema. </a:t>
+            </a:r>
+            <a:r>
+              <a:rPr lang="en-US" smtClean="0"/>
+              <a:t>Increasing </a:t>
+            </a:r>
+            <a:r>
+              <a:rPr lang="en-US" dirty="0"/>
+              <a:t>the number of samples cannot increase the amount of information in the original data, it can only reduce the effects of random sampling errors which can arise from a bootstrap </a:t>
+            </a:r>
+            <a:r>
               <a:rPr lang="en-US"/>
-              <a:t>S</a:t>
+              <a:t>procedure </a:t>
             </a:r>
             <a:r>
               <a:rPr lang="en-US" smtClean="0"/>
-              <a:t>emi-supervised </a:t>
-            </a:r>
-            <a:r>
-              <a:rPr lang="en-US" dirty="0"/>
-              <a:t>learning on imbalanced classification is </a:t>
-            </a:r>
-            <a:r>
-              <a:rPr lang="en-US"/>
-              <a:t>rather </a:t>
-            </a:r>
-            <a:r>
-              <a:rPr lang="en-US" smtClean="0"/>
-              <a:t>challenging.</a:t>
+              <a:t>itself.</a:t>
             </a:r>
             <a:endParaRPr lang="en-US" dirty="0" smtClean="0"/>
           </a:p>

--- a/pptx/ThesisProposal.pptx
+++ b/pptx/ThesisProposal.pptx
@@ -125,7 +125,7 @@
   </p:defaultTextStyle>
   <p:extLst>
     <p:ext uri="{EFAFB233-063F-42B5-8137-9DF3F51BA10A}">
-      <p15:sldGuideLst xmlns:p15="http://schemas.microsoft.com/office/powerpoint/2012/main"/>
+      <p15:sldGuideLst xmlns:p15="http://schemas.microsoft.com/office/powerpoint/2012/main" xmlns=""/>
     </p:ext>
   </p:extLst>
 </p:presentation>
@@ -262,7 +262,7 @@
           <a:p>
             <a:fld id="{25EFD301-3C56-434C-B528-DF1DBA052586}" type="datetimeFigureOut">
               <a:rPr lang="en-US" smtClean="0"/>
-              <a:t>10/4/2015</a:t>
+              <a:t>10/5/2015</a:t>
             </a:fld>
             <a:endParaRPr lang="en-US"/>
           </a:p>
@@ -435,7 +435,7 @@
           <a:p>
             <a:fld id="{25EFD301-3C56-434C-B528-DF1DBA052586}" type="datetimeFigureOut">
               <a:rPr lang="en-US" smtClean="0"/>
-              <a:t>10/4/2015</a:t>
+              <a:t>10/5/2015</a:t>
             </a:fld>
             <a:endParaRPr lang="en-US"/>
           </a:p>
@@ -618,7 +618,7 @@
           <a:p>
             <a:fld id="{25EFD301-3C56-434C-B528-DF1DBA052586}" type="datetimeFigureOut">
               <a:rPr lang="en-US" smtClean="0"/>
-              <a:t>10/4/2015</a:t>
+              <a:t>10/5/2015</a:t>
             </a:fld>
             <a:endParaRPr lang="en-US"/>
           </a:p>
@@ -791,7 +791,7 @@
           <a:p>
             <a:fld id="{25EFD301-3C56-434C-B528-DF1DBA052586}" type="datetimeFigureOut">
               <a:rPr lang="en-US" smtClean="0"/>
-              <a:t>10/4/2015</a:t>
+              <a:t>10/5/2015</a:t>
             </a:fld>
             <a:endParaRPr lang="en-US"/>
           </a:p>
@@ -1040,7 +1040,7 @@
           <a:p>
             <a:fld id="{25EFD301-3C56-434C-B528-DF1DBA052586}" type="datetimeFigureOut">
               <a:rPr lang="en-US" smtClean="0"/>
-              <a:t>10/4/2015</a:t>
+              <a:t>10/5/2015</a:t>
             </a:fld>
             <a:endParaRPr lang="en-US"/>
           </a:p>
@@ -1275,7 +1275,7 @@
           <a:p>
             <a:fld id="{25EFD301-3C56-434C-B528-DF1DBA052586}" type="datetimeFigureOut">
               <a:rPr lang="en-US" smtClean="0"/>
-              <a:t>10/4/2015</a:t>
+              <a:t>10/5/2015</a:t>
             </a:fld>
             <a:endParaRPr lang="en-US"/>
           </a:p>
@@ -1645,7 +1645,7 @@
           <a:p>
             <a:fld id="{25EFD301-3C56-434C-B528-DF1DBA052586}" type="datetimeFigureOut">
               <a:rPr lang="en-US" smtClean="0"/>
-              <a:t>10/4/2015</a:t>
+              <a:t>10/5/2015</a:t>
             </a:fld>
             <a:endParaRPr lang="en-US"/>
           </a:p>
@@ -1766,7 +1766,7 @@
           <a:p>
             <a:fld id="{25EFD301-3C56-434C-B528-DF1DBA052586}" type="datetimeFigureOut">
               <a:rPr lang="en-US" smtClean="0"/>
-              <a:t>10/4/2015</a:t>
+              <a:t>10/5/2015</a:t>
             </a:fld>
             <a:endParaRPr lang="en-US"/>
           </a:p>
@@ -1864,7 +1864,7 @@
           <a:p>
             <a:fld id="{25EFD301-3C56-434C-B528-DF1DBA052586}" type="datetimeFigureOut">
               <a:rPr lang="en-US" smtClean="0"/>
-              <a:t>10/4/2015</a:t>
+              <a:t>10/5/2015</a:t>
             </a:fld>
             <a:endParaRPr lang="en-US"/>
           </a:p>
@@ -2144,7 +2144,7 @@
           <a:p>
             <a:fld id="{25EFD301-3C56-434C-B528-DF1DBA052586}" type="datetimeFigureOut">
               <a:rPr lang="en-US" smtClean="0"/>
-              <a:t>10/4/2015</a:t>
+              <a:t>10/5/2015</a:t>
             </a:fld>
             <a:endParaRPr lang="en-US"/>
           </a:p>
@@ -2400,7 +2400,7 @@
           <a:p>
             <a:fld id="{25EFD301-3C56-434C-B528-DF1DBA052586}" type="datetimeFigureOut">
               <a:rPr lang="en-US" smtClean="0"/>
-              <a:t>10/4/2015</a:t>
+              <a:t>10/5/2015</a:t>
             </a:fld>
             <a:endParaRPr lang="en-US"/>
           </a:p>
@@ -2616,7 +2616,7 @@
           <a:p>
             <a:fld id="{25EFD301-3C56-434C-B528-DF1DBA052586}" type="datetimeFigureOut">
               <a:rPr lang="en-US" smtClean="0"/>
-              <a:t>10/4/2015</a:t>
+              <a:t>10/5/2015</a:t>
             </a:fld>
             <a:endParaRPr lang="en-US"/>
           </a:p>
@@ -3188,7 +3188,7 @@
         </p:style>
         <p:txBody>
           <a:bodyPr>
-            <a:normAutofit fontScale="92500"/>
+            <a:normAutofit fontScale="92500" lnSpcReduction="10000"/>
           </a:bodyPr>
           <a:lstStyle/>
           <a:p>
@@ -3215,8 +3215,21 @@
             </a:r>
             <a:r>
               <a:rPr lang="en-US" dirty="0" smtClean="0"/>
-              <a:t>features using Support Vectors. It is somewhat limited based</a:t>
-            </a:r>
+              <a:t>features using Support Vectors. It is somewhat </a:t>
+            </a:r>
+            <a:r>
+              <a:rPr lang="en-US" dirty="0" smtClean="0"/>
+              <a:t>limited due to the bag of words approach does not model </a:t>
+            </a:r>
+            <a:r>
+              <a:rPr lang="en-US" smtClean="0"/>
+              <a:t>the context</a:t>
+            </a:r>
+            <a:r>
+              <a:rPr lang="en-US" dirty="0" smtClean="0"/>
+              <a:t>.</a:t>
+            </a:r>
+            <a:endParaRPr lang="en-US" dirty="0" smtClean="0"/>
           </a:p>
           <a:p>
             <a:pPr algn="just"/>
@@ -10323,7 +10336,7 @@
                         <m:fPr>
                           <m:ctrlPr>
                             <a:rPr lang="en-US" sz="3200" i="1">
-                              <a:latin typeface="Cambria Math" panose="02040503050406030204" pitchFamily="18" charset="0"/>
+                              <a:latin typeface="Cambria Math"/>
                             </a:rPr>
                           </m:ctrlPr>
                         </m:fPr>
@@ -12308,11 +12321,7 @@
             </a:r>
             <a:r>
               <a:rPr lang="en-US" dirty="0" smtClean="0"/>
-              <a:t>challenging</a:t>
-            </a:r>
-            <a:r>
-              <a:rPr lang="en-US" dirty="0" smtClean="0"/>
-              <a:t>.</a:t>
+              <a:t>challenging.</a:t>
             </a:r>
           </a:p>
           <a:p>
@@ -12868,7 +12877,7 @@
   <a:extraClrSchemeLst/>
   <a:extLst>
     <a:ext uri="{05A4C25C-085E-4340-85A3-A5531E510DB2}">
-      <thm15:themeFamily xmlns:thm15="http://schemas.microsoft.com/office/thememl/2012/main" name="Office Theme" id="{62F939B6-93AF-4DB8-9C6B-D6C7DFDC589F}" vid="{4A3C46E8-61CC-4603-A589-7422A47A8E4A}"/>
+      <thm15:themeFamily xmlns:thm15="http://schemas.microsoft.com/office/thememl/2012/main" xmlns="" name="Office Theme" id="{62F939B6-93AF-4DB8-9C6B-D6C7DFDC589F}" vid="{4A3C46E8-61CC-4603-A589-7422A47A8E4A}"/>
     </a:ext>
   </a:extLst>
 </a:theme>

--- a/pptx/ThesisProposal.pptx
+++ b/pptx/ThesisProposal.pptx
@@ -8,23 +8,26 @@
     <p:sldId id="272" r:id="rId2"/>
     <p:sldId id="274" r:id="rId3"/>
     <p:sldId id="275" r:id="rId4"/>
-    <p:sldId id="277" r:id="rId5"/>
-    <p:sldId id="278" r:id="rId6"/>
-    <p:sldId id="279" r:id="rId7"/>
-    <p:sldId id="280" r:id="rId8"/>
-    <p:sldId id="256" r:id="rId9"/>
-    <p:sldId id="281" r:id="rId10"/>
-    <p:sldId id="282" r:id="rId11"/>
-    <p:sldId id="261" r:id="rId12"/>
-    <p:sldId id="270" r:id="rId13"/>
-    <p:sldId id="262" r:id="rId14"/>
-    <p:sldId id="271" r:id="rId15"/>
-    <p:sldId id="265" r:id="rId16"/>
-    <p:sldId id="266" r:id="rId17"/>
-    <p:sldId id="267" r:id="rId18"/>
-    <p:sldId id="269" r:id="rId19"/>
-    <p:sldId id="273" r:id="rId20"/>
-    <p:sldId id="276" r:id="rId21"/>
+    <p:sldId id="283" r:id="rId5"/>
+    <p:sldId id="277" r:id="rId6"/>
+    <p:sldId id="278" r:id="rId7"/>
+    <p:sldId id="279" r:id="rId8"/>
+    <p:sldId id="284" r:id="rId9"/>
+    <p:sldId id="285" r:id="rId10"/>
+    <p:sldId id="280" r:id="rId11"/>
+    <p:sldId id="256" r:id="rId12"/>
+    <p:sldId id="281" r:id="rId13"/>
+    <p:sldId id="282" r:id="rId14"/>
+    <p:sldId id="261" r:id="rId15"/>
+    <p:sldId id="270" r:id="rId16"/>
+    <p:sldId id="262" r:id="rId17"/>
+    <p:sldId id="271" r:id="rId18"/>
+    <p:sldId id="265" r:id="rId19"/>
+    <p:sldId id="266" r:id="rId20"/>
+    <p:sldId id="267" r:id="rId21"/>
+    <p:sldId id="269" r:id="rId22"/>
+    <p:sldId id="273" r:id="rId23"/>
+    <p:sldId id="276" r:id="rId24"/>
   </p:sldIdLst>
   <p:sldSz cx="12192000" cy="6858000"/>
   <p:notesSz cx="6858000" cy="9144000"/>
@@ -125,7 +128,18 @@
   </p:defaultTextStyle>
   <p:extLst>
     <p:ext uri="{EFAFB233-063F-42B5-8137-9DF3F51BA10A}">
-      <p15:sldGuideLst xmlns:p15="http://schemas.microsoft.com/office/powerpoint/2012/main" xmlns=""/>
+      <p15:sldGuideLst xmlns:p15="http://schemas.microsoft.com/office/powerpoint/2012/main">
+        <p15:guide id="1" orient="horz" pos="2160">
+          <p15:clr>
+            <a:srgbClr val="A4A3A4"/>
+          </p15:clr>
+        </p15:guide>
+        <p15:guide id="2" pos="3840">
+          <p15:clr>
+            <a:srgbClr val="A4A3A4"/>
+          </p15:clr>
+        </p15:guide>
+      </p15:sldGuideLst>
     </p:ext>
   </p:extLst>
 </p:presentation>
@@ -262,7 +276,7 @@
           <a:p>
             <a:fld id="{25EFD301-3C56-434C-B528-DF1DBA052586}" type="datetimeFigureOut">
               <a:rPr lang="en-US" smtClean="0"/>
-              <a:t>10/5/2015</a:t>
+              <a:t>10/6/2015</a:t>
             </a:fld>
             <a:endParaRPr lang="en-US"/>
           </a:p>
@@ -435,7 +449,7 @@
           <a:p>
             <a:fld id="{25EFD301-3C56-434C-B528-DF1DBA052586}" type="datetimeFigureOut">
               <a:rPr lang="en-US" smtClean="0"/>
-              <a:t>10/5/2015</a:t>
+              <a:t>10/6/2015</a:t>
             </a:fld>
             <a:endParaRPr lang="en-US"/>
           </a:p>
@@ -618,7 +632,7 @@
           <a:p>
             <a:fld id="{25EFD301-3C56-434C-B528-DF1DBA052586}" type="datetimeFigureOut">
               <a:rPr lang="en-US" smtClean="0"/>
-              <a:t>10/5/2015</a:t>
+              <a:t>10/6/2015</a:t>
             </a:fld>
             <a:endParaRPr lang="en-US"/>
           </a:p>
@@ -791,7 +805,7 @@
           <a:p>
             <a:fld id="{25EFD301-3C56-434C-B528-DF1DBA052586}" type="datetimeFigureOut">
               <a:rPr lang="en-US" smtClean="0"/>
-              <a:t>10/5/2015</a:t>
+              <a:t>10/6/2015</a:t>
             </a:fld>
             <a:endParaRPr lang="en-US"/>
           </a:p>
@@ -1040,7 +1054,7 @@
           <a:p>
             <a:fld id="{25EFD301-3C56-434C-B528-DF1DBA052586}" type="datetimeFigureOut">
               <a:rPr lang="en-US" smtClean="0"/>
-              <a:t>10/5/2015</a:t>
+              <a:t>10/6/2015</a:t>
             </a:fld>
             <a:endParaRPr lang="en-US"/>
           </a:p>
@@ -1275,7 +1289,7 @@
           <a:p>
             <a:fld id="{25EFD301-3C56-434C-B528-DF1DBA052586}" type="datetimeFigureOut">
               <a:rPr lang="en-US" smtClean="0"/>
-              <a:t>10/5/2015</a:t>
+              <a:t>10/6/2015</a:t>
             </a:fld>
             <a:endParaRPr lang="en-US"/>
           </a:p>
@@ -1645,7 +1659,7 @@
           <a:p>
             <a:fld id="{25EFD301-3C56-434C-B528-DF1DBA052586}" type="datetimeFigureOut">
               <a:rPr lang="en-US" smtClean="0"/>
-              <a:t>10/5/2015</a:t>
+              <a:t>10/6/2015</a:t>
             </a:fld>
             <a:endParaRPr lang="en-US"/>
           </a:p>
@@ -1766,7 +1780,7 @@
           <a:p>
             <a:fld id="{25EFD301-3C56-434C-B528-DF1DBA052586}" type="datetimeFigureOut">
               <a:rPr lang="en-US" smtClean="0"/>
-              <a:t>10/5/2015</a:t>
+              <a:t>10/6/2015</a:t>
             </a:fld>
             <a:endParaRPr lang="en-US"/>
           </a:p>
@@ -1864,7 +1878,7 @@
           <a:p>
             <a:fld id="{25EFD301-3C56-434C-B528-DF1DBA052586}" type="datetimeFigureOut">
               <a:rPr lang="en-US" smtClean="0"/>
-              <a:t>10/5/2015</a:t>
+              <a:t>10/6/2015</a:t>
             </a:fld>
             <a:endParaRPr lang="en-US"/>
           </a:p>
@@ -2144,7 +2158,7 @@
           <a:p>
             <a:fld id="{25EFD301-3C56-434C-B528-DF1DBA052586}" type="datetimeFigureOut">
               <a:rPr lang="en-US" smtClean="0"/>
-              <a:t>10/5/2015</a:t>
+              <a:t>10/6/2015</a:t>
             </a:fld>
             <a:endParaRPr lang="en-US"/>
           </a:p>
@@ -2400,7 +2414,7 @@
           <a:p>
             <a:fld id="{25EFD301-3C56-434C-B528-DF1DBA052586}" type="datetimeFigureOut">
               <a:rPr lang="en-US" smtClean="0"/>
-              <a:t>10/5/2015</a:t>
+              <a:t>10/6/2015</a:t>
             </a:fld>
             <a:endParaRPr lang="en-US"/>
           </a:p>
@@ -2616,7 +2630,7 @@
           <a:p>
             <a:fld id="{25EFD301-3C56-434C-B528-DF1DBA052586}" type="datetimeFigureOut">
               <a:rPr lang="en-US" smtClean="0"/>
-              <a:t>10/5/2015</a:t>
+              <a:t>10/6/2015</a:t>
             </a:fld>
             <a:endParaRPr lang="en-US"/>
           </a:p>
@@ -3093,6 +3107,14 @@
 <file path=ppt/slides/slide10.xml><?xml version="1.0" encoding="utf-8"?>
 <p:sld xmlns:a="http://schemas.openxmlformats.org/drawingml/2006/main" xmlns:r="http://schemas.openxmlformats.org/officeDocument/2006/relationships" xmlns:p="http://schemas.openxmlformats.org/presentationml/2006/main">
   <p:cSld>
+    <p:bg>
+      <p:bgPr>
+        <a:solidFill>
+          <a:schemeClr val="tx1"/>
+        </a:solidFill>
+        <a:effectLst/>
+      </p:bgPr>
+    </p:bg>
     <p:spTree>
       <p:nvGrpSpPr>
         <p:cNvPr id="1" name=""/>
@@ -3117,440 +3139,48 @@
             <p:ph type="title"/>
           </p:nvPr>
         </p:nvSpPr>
-        <p:spPr>
-          <a:xfrm>
-            <a:off x="0" y="0"/>
-            <a:ext cx="9079606" cy="1325563"/>
-          </a:xfrm>
-        </p:spPr>
-        <p:style>
-          <a:lnRef idx="2">
-            <a:schemeClr val="accent6"/>
-          </a:lnRef>
-          <a:fillRef idx="1">
-            <a:schemeClr val="lt1"/>
-          </a:fillRef>
-          <a:effectRef idx="0">
-            <a:schemeClr val="accent6"/>
-          </a:effectRef>
-          <a:fontRef idx="minor">
-            <a:schemeClr val="dk1"/>
-          </a:fontRef>
-        </p:style>
+        <p:spPr/>
         <p:txBody>
           <a:bodyPr/>
           <a:lstStyle/>
           <a:p>
-            <a:pPr algn="ctr"/>
-            <a:r>
-              <a:rPr lang="en-US" b="1" dirty="0" smtClean="0">
-                <a:latin typeface="Arial" panose="020B0604020202020204" pitchFamily="34" charset="0"/>
-                <a:cs typeface="Arial" panose="020B0604020202020204" pitchFamily="34" charset="0"/>
-              </a:rPr>
-              <a:t>BACKGROUND OF THE STUDY</a:t>
-            </a:r>
-            <a:endParaRPr lang="en-US" b="1" dirty="0">
-              <a:latin typeface="Arial" panose="020B0604020202020204" pitchFamily="34" charset="0"/>
-              <a:cs typeface="Arial" panose="020B0604020202020204" pitchFamily="34" charset="0"/>
-            </a:endParaRPr>
+            <a:endParaRPr lang="en-US" dirty="0"/>
           </a:p>
         </p:txBody>
       </p:sp>
-      <p:sp>
-        <p:nvSpPr>
-          <p:cNvPr id="3" name="Content Placeholder 2"/>
-          <p:cNvSpPr>
-            <a:spLocks noGrp="1"/>
-          </p:cNvSpPr>
+      <p:pic>
+        <p:nvPicPr>
+          <p:cNvPr id="6" name="Content Placeholder 5"/>
+          <p:cNvPicPr>
+            <a:picLocks noGrp="1" noChangeAspect="1"/>
+          </p:cNvPicPr>
           <p:nvPr>
             <p:ph idx="1"/>
           </p:nvPr>
-        </p:nvSpPr>
+        </p:nvPicPr>
+        <p:blipFill>
+          <a:blip r:embed="rId2">
+            <a:extLst>
+              <a:ext uri="{28A0092B-C50C-407E-A947-70E740481C1C}">
+                <a14:useLocalDpi xmlns:a14="http://schemas.microsoft.com/office/drawing/2010/main" val="0"/>
+              </a:ext>
+            </a:extLst>
+          </a:blip>
+          <a:stretch>
+            <a:fillRect/>
+          </a:stretch>
+        </p:blipFill>
         <p:spPr>
           <a:xfrm>
-            <a:off x="0" y="1325562"/>
-            <a:ext cx="9079606" cy="5532437"/>
+            <a:off x="1199635" y="0"/>
+            <a:ext cx="9792729" cy="6858000"/>
           </a:xfrm>
         </p:spPr>
-        <p:style>
-          <a:lnRef idx="2">
-            <a:schemeClr val="dk1"/>
-          </a:lnRef>
-          <a:fillRef idx="1">
-            <a:schemeClr val="lt1"/>
-          </a:fillRef>
-          <a:effectRef idx="0">
-            <a:schemeClr val="dk1"/>
-          </a:effectRef>
-          <a:fontRef idx="minor">
-            <a:schemeClr val="dk1"/>
-          </a:fontRef>
-        </p:style>
-        <p:txBody>
-          <a:bodyPr>
-            <a:normAutofit fontScale="92500" lnSpcReduction="10000"/>
-          </a:bodyPr>
-          <a:lstStyle/>
-          <a:p>
-            <a:pPr algn="just"/>
-            <a:r>
-              <a:rPr lang="en-US" dirty="0"/>
-              <a:t>Detection of Harassment on Web </a:t>
-            </a:r>
-            <a:r>
-              <a:rPr lang="en-US" dirty="0" smtClean="0"/>
-              <a:t>2.0 uses a </a:t>
-            </a:r>
-            <a:r>
-              <a:rPr lang="en-US" dirty="0"/>
-              <a:t>baseline text mining system (using bag of words approach) </a:t>
-            </a:r>
-            <a:r>
-              <a:rPr lang="en-US" dirty="0" smtClean="0"/>
-              <a:t> and utilizes </a:t>
-            </a:r>
-            <a:r>
-              <a:rPr lang="en-US" dirty="0"/>
-              <a:t>sentiment and contextual </a:t>
-            </a:r>
-            <a:r>
-              <a:rPr lang="en-US" dirty="0" smtClean="0"/>
-              <a:t>features using Support Vectors. It is somewhat </a:t>
-            </a:r>
-            <a:r>
-              <a:rPr lang="en-US" dirty="0" smtClean="0"/>
-              <a:t>limited due to the bag of words approach does not model </a:t>
-            </a:r>
-            <a:r>
-              <a:rPr lang="en-US" smtClean="0"/>
-              <a:t>the context</a:t>
-            </a:r>
-            <a:r>
-              <a:rPr lang="en-US" dirty="0" smtClean="0"/>
-              <a:t>.</a:t>
-            </a:r>
-            <a:endParaRPr lang="en-US" dirty="0" smtClean="0"/>
-          </a:p>
-          <a:p>
-            <a:pPr algn="just"/>
-            <a:r>
-              <a:rPr lang="en-US" dirty="0"/>
-              <a:t>Detecting Offensive Language in Social Media to Protect Adolescent Online </a:t>
-            </a:r>
-            <a:r>
-              <a:rPr lang="en-US" dirty="0" smtClean="0"/>
-              <a:t>Safety uses Lexical Syntactic Features and Derives the Offensive Value based on those features.</a:t>
-            </a:r>
-          </a:p>
-          <a:p>
-            <a:pPr algn="just"/>
-            <a:r>
-              <a:rPr lang="en-US" dirty="0"/>
-              <a:t>Detecting Offensive Tweets via Topical Feature </a:t>
-            </a:r>
-            <a:r>
-              <a:rPr lang="en-US" dirty="0" smtClean="0"/>
-              <a:t>Discovery </a:t>
-            </a:r>
-            <a:r>
-              <a:rPr lang="en-US" dirty="0"/>
-              <a:t>via statistical topic </a:t>
-            </a:r>
-            <a:r>
-              <a:rPr lang="en-US" dirty="0" smtClean="0"/>
-              <a:t>modeling based on tweets with </a:t>
-            </a:r>
-            <a:r>
-              <a:rPr lang="en-US" dirty="0"/>
-              <a:t>a seed </a:t>
-            </a:r>
-            <a:r>
-              <a:rPr lang="en-US" dirty="0" smtClean="0"/>
-              <a:t>words, which will be limited on the word itself .</a:t>
-            </a:r>
-          </a:p>
-          <a:p>
-            <a:pPr algn="just"/>
-            <a:r>
-              <a:rPr lang="en-US" dirty="0"/>
-              <a:t>Filtering Offensive Language in Online Communities using Grammatical </a:t>
-            </a:r>
-            <a:r>
-              <a:rPr lang="en-US" dirty="0" smtClean="0"/>
-              <a:t>Relations uses Part-of-speech tags and collection of offensive words. </a:t>
-            </a:r>
-            <a:r>
-              <a:rPr lang="en-US" dirty="0"/>
-              <a:t>W</a:t>
-            </a:r>
-            <a:r>
-              <a:rPr lang="en-US" dirty="0" smtClean="0"/>
-              <a:t>ords that are not </a:t>
-            </a:r>
-            <a:r>
-              <a:rPr lang="en-US" dirty="0"/>
-              <a:t>in the lexicon are considered </a:t>
-            </a:r>
-            <a:r>
-              <a:rPr lang="en-US" dirty="0" smtClean="0"/>
-              <a:t>inoffensive, which is limited implementation.</a:t>
-            </a:r>
-          </a:p>
-        </p:txBody>
-      </p:sp>
-      <p:sp>
-        <p:nvSpPr>
-          <p:cNvPr id="4" name="TextBox 3"/>
-          <p:cNvSpPr txBox="1"/>
-          <p:nvPr/>
-        </p:nvSpPr>
-        <p:spPr>
-          <a:xfrm>
-            <a:off x="9079607" y="0"/>
-            <a:ext cx="3112394" cy="6858000"/>
-          </a:xfrm>
-          <a:prstGeom prst="rect">
-            <a:avLst/>
-          </a:prstGeom>
-        </p:spPr>
-        <p:style>
-          <a:lnRef idx="2">
-            <a:schemeClr val="dk1">
-              <a:shade val="50000"/>
-            </a:schemeClr>
-          </a:lnRef>
-          <a:fillRef idx="1">
-            <a:schemeClr val="dk1"/>
-          </a:fillRef>
-          <a:effectRef idx="0">
-            <a:schemeClr val="dk1"/>
-          </a:effectRef>
-          <a:fontRef idx="minor">
-            <a:schemeClr val="lt1"/>
-          </a:fontRef>
-        </p:style>
-        <p:txBody>
-          <a:bodyPr wrap="square" rtlCol="0">
-            <a:spAutoFit/>
-          </a:bodyPr>
-          <a:lstStyle/>
-          <a:p>
-            <a:endParaRPr lang="en-US" dirty="0"/>
-          </a:p>
-        </p:txBody>
-      </p:sp>
-      <p:sp>
-        <p:nvSpPr>
-          <p:cNvPr id="6" name="TextBox 5"/>
-          <p:cNvSpPr txBox="1"/>
-          <p:nvPr/>
-        </p:nvSpPr>
-        <p:spPr>
-          <a:xfrm>
-            <a:off x="9079607" y="30274"/>
-            <a:ext cx="3112393" cy="5262979"/>
-          </a:xfrm>
-          <a:prstGeom prst="rect">
-            <a:avLst/>
-          </a:prstGeom>
-        </p:spPr>
-        <p:style>
-          <a:lnRef idx="2">
-            <a:schemeClr val="dk1">
-              <a:shade val="50000"/>
-            </a:schemeClr>
-          </a:lnRef>
-          <a:fillRef idx="1">
-            <a:schemeClr val="dk1"/>
-          </a:fillRef>
-          <a:effectRef idx="0">
-            <a:schemeClr val="dk1"/>
-          </a:effectRef>
-          <a:fontRef idx="minor">
-            <a:schemeClr val="lt1"/>
-          </a:fontRef>
-        </p:style>
-        <p:txBody>
-          <a:bodyPr wrap="square" rtlCol="0">
-            <a:spAutoFit/>
-          </a:bodyPr>
-          <a:lstStyle/>
-          <a:p>
-            <a:endParaRPr lang="en-US" sz="1600" b="1" dirty="0" smtClean="0">
-              <a:latin typeface="Arial" panose="020B0604020202020204" pitchFamily="34" charset="0"/>
-              <a:cs typeface="Arial" panose="020B0604020202020204" pitchFamily="34" charset="0"/>
-            </a:endParaRPr>
-          </a:p>
-          <a:p>
-            <a:endParaRPr lang="en-US" sz="1600" b="1" dirty="0">
-              <a:latin typeface="Arial" panose="020B0604020202020204" pitchFamily="34" charset="0"/>
-              <a:cs typeface="Arial" panose="020B0604020202020204" pitchFamily="34" charset="0"/>
-            </a:endParaRPr>
-          </a:p>
-          <a:p>
-            <a:endParaRPr lang="en-US" sz="1600" b="1" dirty="0" smtClean="0">
-              <a:latin typeface="Arial" panose="020B0604020202020204" pitchFamily="34" charset="0"/>
-              <a:cs typeface="Arial" panose="020B0604020202020204" pitchFamily="34" charset="0"/>
-            </a:endParaRPr>
-          </a:p>
-          <a:p>
-            <a:endParaRPr lang="en-US" sz="1600" b="1" dirty="0">
-              <a:latin typeface="Arial" panose="020B0604020202020204" pitchFamily="34" charset="0"/>
-              <a:cs typeface="Arial" panose="020B0604020202020204" pitchFamily="34" charset="0"/>
-            </a:endParaRPr>
-          </a:p>
-          <a:p>
-            <a:endParaRPr lang="en-US" sz="1600" b="1" dirty="0" smtClean="0">
-              <a:latin typeface="Arial" panose="020B0604020202020204" pitchFamily="34" charset="0"/>
-              <a:cs typeface="Arial" panose="020B0604020202020204" pitchFamily="34" charset="0"/>
-            </a:endParaRPr>
-          </a:p>
-          <a:p>
-            <a:endParaRPr lang="en-US" sz="1600" b="1" dirty="0">
-              <a:latin typeface="Arial" panose="020B0604020202020204" pitchFamily="34" charset="0"/>
-              <a:cs typeface="Arial" panose="020B0604020202020204" pitchFamily="34" charset="0"/>
-            </a:endParaRPr>
-          </a:p>
-          <a:p>
-            <a:r>
-              <a:rPr lang="en-US" sz="1600" b="1" dirty="0" smtClean="0">
-                <a:latin typeface="Arial" panose="020B0604020202020204" pitchFamily="34" charset="0"/>
-                <a:cs typeface="Arial" panose="020B0604020202020204" pitchFamily="34" charset="0"/>
-                <a:hlinkClick r:id="rId2" action="ppaction://hlinksldjump"/>
-              </a:rPr>
-              <a:t>BACKGROUND OF THE STUDY</a:t>
-            </a:r>
-            <a:endParaRPr lang="en-US" sz="1600" b="1" dirty="0" smtClean="0">
-              <a:latin typeface="Arial" panose="020B0604020202020204" pitchFamily="34" charset="0"/>
-              <a:cs typeface="Arial" panose="020B0604020202020204" pitchFamily="34" charset="0"/>
-            </a:endParaRPr>
-          </a:p>
-          <a:p>
-            <a:endParaRPr lang="en-US" sz="1600" b="1" dirty="0">
-              <a:latin typeface="Arial" panose="020B0604020202020204" pitchFamily="34" charset="0"/>
-              <a:cs typeface="Arial" panose="020B0604020202020204" pitchFamily="34" charset="0"/>
-            </a:endParaRPr>
-          </a:p>
-          <a:p>
-            <a:r>
-              <a:rPr lang="en-US" sz="1600" b="1" dirty="0" smtClean="0">
-                <a:latin typeface="Arial" panose="020B0604020202020204" pitchFamily="34" charset="0"/>
-                <a:cs typeface="Arial" panose="020B0604020202020204" pitchFamily="34" charset="0"/>
-                <a:hlinkClick r:id="rId3" action="ppaction://hlinksldjump"/>
-              </a:rPr>
-              <a:t>STATEMENT OF THE PROBLEM</a:t>
-            </a:r>
-            <a:endParaRPr lang="en-US" sz="1600" b="1" dirty="0" smtClean="0">
-              <a:latin typeface="Arial" panose="020B0604020202020204" pitchFamily="34" charset="0"/>
-              <a:cs typeface="Arial" panose="020B0604020202020204" pitchFamily="34" charset="0"/>
-            </a:endParaRPr>
-          </a:p>
-          <a:p>
-            <a:endParaRPr lang="en-US" sz="1600" b="1" dirty="0">
-              <a:latin typeface="Arial" panose="020B0604020202020204" pitchFamily="34" charset="0"/>
-              <a:cs typeface="Arial" panose="020B0604020202020204" pitchFamily="34" charset="0"/>
-            </a:endParaRPr>
-          </a:p>
-          <a:p>
-            <a:r>
-              <a:rPr lang="en-US" sz="1600" b="1" dirty="0" smtClean="0">
-                <a:latin typeface="Arial" panose="020B0604020202020204" pitchFamily="34" charset="0"/>
-                <a:cs typeface="Arial" panose="020B0604020202020204" pitchFamily="34" charset="0"/>
-                <a:hlinkClick r:id="rId4" action="ppaction://hlinksldjump"/>
-              </a:rPr>
-              <a:t>HYPOTHESIS</a:t>
-            </a:r>
-            <a:endParaRPr lang="en-US" sz="1600" b="1" dirty="0" smtClean="0">
-              <a:latin typeface="Arial" panose="020B0604020202020204" pitchFamily="34" charset="0"/>
-              <a:cs typeface="Arial" panose="020B0604020202020204" pitchFamily="34" charset="0"/>
-            </a:endParaRPr>
-          </a:p>
-          <a:p>
-            <a:endParaRPr lang="en-US" sz="1600" b="1" dirty="0">
-              <a:latin typeface="Arial" panose="020B0604020202020204" pitchFamily="34" charset="0"/>
-              <a:cs typeface="Arial" panose="020B0604020202020204" pitchFamily="34" charset="0"/>
-            </a:endParaRPr>
-          </a:p>
-          <a:p>
-            <a:r>
-              <a:rPr lang="en-US" sz="1600" b="1" dirty="0" smtClean="0">
-                <a:latin typeface="Arial" panose="020B0604020202020204" pitchFamily="34" charset="0"/>
-                <a:cs typeface="Arial" panose="020B0604020202020204" pitchFamily="34" charset="0"/>
-                <a:hlinkClick r:id="rId5" action="ppaction://hlinksldjump"/>
-              </a:rPr>
-              <a:t>RESEARCH METHOD USED</a:t>
-            </a:r>
-            <a:endParaRPr lang="en-US" sz="1600" b="1" dirty="0" smtClean="0">
-              <a:latin typeface="Arial" panose="020B0604020202020204" pitchFamily="34" charset="0"/>
-              <a:cs typeface="Arial" panose="020B0604020202020204" pitchFamily="34" charset="0"/>
-            </a:endParaRPr>
-          </a:p>
-          <a:p>
-            <a:endParaRPr lang="en-US" sz="1600" b="1" dirty="0">
-              <a:latin typeface="Arial" panose="020B0604020202020204" pitchFamily="34" charset="0"/>
-              <a:cs typeface="Arial" panose="020B0604020202020204" pitchFamily="34" charset="0"/>
-            </a:endParaRPr>
-          </a:p>
-          <a:p>
-            <a:r>
-              <a:rPr lang="en-US" sz="1600" b="1" dirty="0" smtClean="0">
-                <a:latin typeface="Arial" panose="020B0604020202020204" pitchFamily="34" charset="0"/>
-                <a:cs typeface="Arial" panose="020B0604020202020204" pitchFamily="34" charset="0"/>
-                <a:hlinkClick r:id="rId6" action="ppaction://hlinksldjump"/>
-              </a:rPr>
-              <a:t>SYSTEM ARCHITECTURE</a:t>
-            </a:r>
-            <a:endParaRPr lang="en-US" sz="1600" b="1" dirty="0" smtClean="0">
-              <a:latin typeface="Arial" panose="020B0604020202020204" pitchFamily="34" charset="0"/>
-              <a:cs typeface="Arial" panose="020B0604020202020204" pitchFamily="34" charset="0"/>
-            </a:endParaRPr>
-          </a:p>
-          <a:p>
-            <a:endParaRPr lang="en-US" sz="1600" b="1" dirty="0">
-              <a:latin typeface="Arial" panose="020B0604020202020204" pitchFamily="34" charset="0"/>
-              <a:cs typeface="Arial" panose="020B0604020202020204" pitchFamily="34" charset="0"/>
-            </a:endParaRPr>
-          </a:p>
-          <a:p>
-            <a:r>
-              <a:rPr lang="en-US" sz="1600" b="1" dirty="0" smtClean="0">
-                <a:latin typeface="Arial" panose="020B0604020202020204" pitchFamily="34" charset="0"/>
-                <a:cs typeface="Arial" panose="020B0604020202020204" pitchFamily="34" charset="0"/>
-                <a:hlinkClick r:id="rId7" action="ppaction://hlinksldjump"/>
-              </a:rPr>
-              <a:t>EXPERIMENT PAPER</a:t>
-            </a:r>
-            <a:endParaRPr lang="en-US" sz="1600" b="1" dirty="0" smtClean="0">
-              <a:latin typeface="Arial" panose="020B0604020202020204" pitchFamily="34" charset="0"/>
-              <a:cs typeface="Arial" panose="020B0604020202020204" pitchFamily="34" charset="0"/>
-            </a:endParaRPr>
-          </a:p>
-          <a:p>
-            <a:endParaRPr lang="en-US" sz="1600" b="1" dirty="0">
-              <a:latin typeface="Arial" panose="020B0604020202020204" pitchFamily="34" charset="0"/>
-              <a:cs typeface="Arial" panose="020B0604020202020204" pitchFamily="34" charset="0"/>
-            </a:endParaRPr>
-          </a:p>
-          <a:p>
-            <a:r>
-              <a:rPr lang="en-US" sz="1600" b="1" dirty="0" smtClean="0">
-                <a:latin typeface="Arial" panose="020B0604020202020204" pitchFamily="34" charset="0"/>
-                <a:cs typeface="Arial" panose="020B0604020202020204" pitchFamily="34" charset="0"/>
-                <a:hlinkClick r:id="rId8" action="ppaction://hlinksldjump"/>
-              </a:rPr>
-              <a:t>STATISTICAL TREATMENT</a:t>
-            </a:r>
-            <a:endParaRPr lang="en-US" sz="1600" b="1" dirty="0">
-              <a:latin typeface="Arial" panose="020B0604020202020204" pitchFamily="34" charset="0"/>
-              <a:cs typeface="Arial" panose="020B0604020202020204" pitchFamily="34" charset="0"/>
-            </a:endParaRPr>
-          </a:p>
-        </p:txBody>
-      </p:sp>
+      </p:pic>
     </p:spTree>
     <p:extLst>
       <p:ext uri="{BB962C8B-B14F-4D97-AF65-F5344CB8AC3E}">
-        <p14:creationId xmlns:p14="http://schemas.microsoft.com/office/powerpoint/2010/main" val="2359297736"/>
+        <p14:creationId xmlns:p14="http://schemas.microsoft.com/office/powerpoint/2010/main" val="184141141"/>
       </p:ext>
     </p:extLst>
   </p:cSld>
@@ -3594,76 +3224,29 @@
             <a:spLocks noGrp="1"/>
           </p:cNvSpPr>
           <p:nvPr>
-            <p:ph type="title"/>
+            <p:ph type="ctrTitle"/>
           </p:nvPr>
         </p:nvSpPr>
         <p:spPr>
           <a:xfrm>
             <a:off x="0" y="0"/>
-            <a:ext cx="9079606" cy="1325563"/>
+            <a:ext cx="12192000" cy="2060620"/>
           </a:xfrm>
         </p:spPr>
         <p:style>
           <a:lnRef idx="2">
-            <a:schemeClr val="accent6"/>
+            <a:schemeClr val="dk1">
+              <a:shade val="50000"/>
+            </a:schemeClr>
           </a:lnRef>
           <a:fillRef idx="1">
-            <a:schemeClr val="lt1"/>
-          </a:fillRef>
-          <a:effectRef idx="0">
-            <a:schemeClr val="accent6"/>
-          </a:effectRef>
-          <a:fontRef idx="minor">
             <a:schemeClr val="dk1"/>
-          </a:fontRef>
-        </p:style>
-        <p:txBody>
-          <a:bodyPr/>
-          <a:lstStyle/>
-          <a:p>
-            <a:pPr algn="ctr"/>
-            <a:r>
-              <a:rPr lang="en-US" b="1" dirty="0" smtClean="0">
-                <a:latin typeface="Arial" panose="020B0604020202020204" pitchFamily="34" charset="0"/>
-                <a:cs typeface="Arial" panose="020B0604020202020204" pitchFamily="34" charset="0"/>
-              </a:rPr>
-              <a:t>STATEMENT OF THE PROBLEM</a:t>
-            </a:r>
-            <a:endParaRPr lang="en-US" b="1" dirty="0">
-              <a:latin typeface="Arial" panose="020B0604020202020204" pitchFamily="34" charset="0"/>
-              <a:cs typeface="Arial" panose="020B0604020202020204" pitchFamily="34" charset="0"/>
-            </a:endParaRPr>
-          </a:p>
-        </p:txBody>
-      </p:sp>
-      <p:sp>
-        <p:nvSpPr>
-          <p:cNvPr id="3" name="Content Placeholder 2"/>
-          <p:cNvSpPr>
-            <a:spLocks noGrp="1"/>
-          </p:cNvSpPr>
-          <p:nvPr>
-            <p:ph idx="1"/>
-          </p:nvPr>
-        </p:nvSpPr>
-        <p:spPr>
-          <a:xfrm>
-            <a:off x="0" y="1325562"/>
-            <a:ext cx="9079606" cy="5532437"/>
-          </a:xfrm>
-        </p:spPr>
-        <p:style>
-          <a:lnRef idx="2">
-            <a:schemeClr val="dk1"/>
-          </a:lnRef>
-          <a:fillRef idx="1">
-            <a:schemeClr val="lt1"/>
           </a:fillRef>
           <a:effectRef idx="0">
             <a:schemeClr val="dk1"/>
           </a:effectRef>
           <a:fontRef idx="minor">
-            <a:schemeClr val="dk1"/>
+            <a:schemeClr val="lt1"/>
           </a:fontRef>
         </p:style>
         <p:txBody>
@@ -3672,114 +3255,33 @@
           </a:bodyPr>
           <a:lstStyle/>
           <a:p>
-            <a:pPr marL="0" indent="0" algn="just">
-              <a:buNone/>
-            </a:pPr>
-            <a:r>
-              <a:rPr lang="en-US" sz="2200" dirty="0" smtClean="0">
-                <a:latin typeface="Arial" panose="020B0604020202020204" pitchFamily="34" charset="0"/>
-                <a:cs typeface="Arial" panose="020B0604020202020204" pitchFamily="34" charset="0"/>
-              </a:rPr>
-              <a:t>	</a:t>
-            </a:r>
-          </a:p>
-          <a:p>
-            <a:pPr marL="0" indent="0" algn="just">
-              <a:buNone/>
-            </a:pPr>
-            <a:r>
-              <a:rPr lang="en-US" sz="2200" dirty="0" smtClean="0">
-                <a:latin typeface="Arial" panose="020B0604020202020204" pitchFamily="34" charset="0"/>
-                <a:cs typeface="Arial" panose="020B0604020202020204" pitchFamily="34" charset="0"/>
-              </a:rPr>
-              <a:t>	</a:t>
-            </a:r>
-            <a:r>
-              <a:rPr lang="en-US" dirty="0" smtClean="0">
-                <a:latin typeface="Arial" panose="020B0604020202020204" pitchFamily="34" charset="0"/>
-                <a:cs typeface="Arial" panose="020B0604020202020204" pitchFamily="34" charset="0"/>
-              </a:rPr>
-              <a:t>The </a:t>
-            </a:r>
-            <a:r>
-              <a:rPr lang="en-US" dirty="0">
-                <a:latin typeface="Arial" panose="020B0604020202020204" pitchFamily="34" charset="0"/>
-                <a:cs typeface="Arial" panose="020B0604020202020204" pitchFamily="34" charset="0"/>
-              </a:rPr>
-              <a:t>study aims to design, develop and evaluate the system which will help to recognize Inappropriate Expressions from a document. The people who are in knowledgeable in English language are the respondents in this study. In addition to this, the researchers aim to seek answer to this problem</a:t>
-            </a:r>
-            <a:r>
-              <a:rPr lang="en-US" dirty="0" smtClean="0">
-                <a:latin typeface="Arial" panose="020B0604020202020204" pitchFamily="34" charset="0"/>
-                <a:cs typeface="Arial" panose="020B0604020202020204" pitchFamily="34" charset="0"/>
-              </a:rPr>
-              <a:t>:</a:t>
-            </a:r>
-            <a:endParaRPr lang="en-US" dirty="0">
-              <a:latin typeface="Arial" panose="020B0604020202020204" pitchFamily="34" charset="0"/>
-              <a:cs typeface="Arial" panose="020B0604020202020204" pitchFamily="34" charset="0"/>
-            </a:endParaRPr>
-          </a:p>
-          <a:p>
-            <a:pPr marL="457200" indent="-457200" algn="just">
-              <a:buFont typeface="+mj-lt"/>
-              <a:buAutoNum type="arabicPeriod"/>
-            </a:pPr>
-            <a:r>
-              <a:rPr lang="en-US" dirty="0">
-                <a:latin typeface="Arial" panose="020B0604020202020204" pitchFamily="34" charset="0"/>
-                <a:cs typeface="Arial" panose="020B0604020202020204" pitchFamily="34" charset="0"/>
-              </a:rPr>
-              <a:t>Is there a significant difference in the performance analysis of Recognition of Inappropriate Expression between the expert and the system in terms of</a:t>
-            </a:r>
-            <a:r>
-              <a:rPr lang="en-US" dirty="0" smtClean="0">
-                <a:latin typeface="Arial" panose="020B0604020202020204" pitchFamily="34" charset="0"/>
-                <a:cs typeface="Arial" panose="020B0604020202020204" pitchFamily="34" charset="0"/>
-              </a:rPr>
-              <a:t>:</a:t>
-            </a:r>
-          </a:p>
-          <a:p>
-            <a:pPr marL="914400" lvl="1" indent="-457200">
-              <a:buFont typeface="+mj-lt"/>
-              <a:buAutoNum type="alphaLcParenR"/>
-            </a:pPr>
-            <a:r>
-              <a:rPr lang="en-US" sz="2800" dirty="0" smtClean="0">
-                <a:latin typeface="Arial" panose="020B0604020202020204" pitchFamily="34" charset="0"/>
-                <a:cs typeface="Arial" panose="020B0604020202020204" pitchFamily="34" charset="0"/>
-              </a:rPr>
-              <a:t>Recognition of Inappropriate Expressions</a:t>
-            </a:r>
-          </a:p>
-          <a:p>
-            <a:pPr marL="914400" lvl="1" indent="-457200">
-              <a:buFont typeface="+mj-lt"/>
-              <a:buAutoNum type="alphaLcParenR"/>
-            </a:pPr>
-            <a:r>
-              <a:rPr lang="en-US" sz="2800" dirty="0" smtClean="0">
-                <a:latin typeface="Arial" panose="020B0604020202020204" pitchFamily="34" charset="0"/>
-                <a:cs typeface="Arial" panose="020B0604020202020204" pitchFamily="34" charset="0"/>
-              </a:rPr>
-              <a:t>Recognition of Appropriate Expressions</a:t>
-            </a:r>
+            <a:r>
+              <a:rPr lang="en-US" sz="4800" dirty="0" smtClean="0"/>
+              <a:t>Inappropriate Expressions Recognition using Bootstrapping as Semi-Supervised Learning</a:t>
+            </a:r>
+            <a:r>
+              <a:rPr lang="en-US" sz="3600" dirty="0" smtClean="0"/>
+              <a:t/>
+            </a:r>
+            <a:br>
+              <a:rPr lang="en-US" sz="3600" dirty="0" smtClean="0"/>
+            </a:br>
+            <a:endParaRPr lang="en-US" sz="3600" dirty="0"/>
           </a:p>
         </p:txBody>
       </p:sp>
       <p:sp>
         <p:nvSpPr>
-          <p:cNvPr id="4" name="TextBox 3"/>
-          <p:cNvSpPr txBox="1"/>
+          <p:cNvPr id="4" name="Isosceles Triangle 3"/>
+          <p:cNvSpPr/>
           <p:nvPr/>
         </p:nvSpPr>
         <p:spPr>
-          <a:xfrm>
-            <a:off x="9079607" y="0"/>
-            <a:ext cx="3112394" cy="6858000"/>
+          <a:xfrm rot="10800000">
+            <a:off x="9538950" y="1925393"/>
+            <a:ext cx="566670" cy="347729"/>
           </a:xfrm>
-          <a:prstGeom prst="rect">
+          <a:prstGeom prst="triangle">
             <a:avLst/>
           </a:prstGeom>
         </p:spPr>
@@ -3800,227 +3302,59 @@
           </a:fontRef>
         </p:style>
         <p:txBody>
-          <a:bodyPr wrap="square" rtlCol="0">
-            <a:spAutoFit/>
-          </a:bodyPr>
+          <a:bodyPr rtlCol="0" anchor="ctr"/>
           <a:lstStyle/>
           <a:p>
-            <a:endParaRPr lang="en-US" dirty="0"/>
+            <a:pPr algn="ctr"/>
+            <a:endParaRPr lang="en-US"/>
           </a:p>
         </p:txBody>
       </p:sp>
-      <p:sp>
-        <p:nvSpPr>
-          <p:cNvPr id="8" name="TextBox 7"/>
-          <p:cNvSpPr txBox="1"/>
+      <p:pic>
+        <p:nvPicPr>
+          <p:cNvPr id="1034" name="Picture 10" descr="http://107.170.40.46/wp-content/uploads/2014/03/Social-Media-Data.jpg"/>
+          <p:cNvPicPr>
+            <a:picLocks noChangeAspect="1" noChangeArrowheads="1"/>
+          </p:cNvPicPr>
           <p:nvPr/>
-        </p:nvSpPr>
-        <p:spPr>
+        </p:nvPicPr>
+        <p:blipFill>
+          <a:blip r:embed="rId2">
+            <a:extLst>
+              <a:ext uri="{28A0092B-C50C-407E-A947-70E740481C1C}">
+                <a14:useLocalDpi xmlns:a14="http://schemas.microsoft.com/office/drawing/2010/main" val="0"/>
+              </a:ext>
+            </a:extLst>
+          </a:blip>
+          <a:srcRect/>
+          <a:stretch>
+            <a:fillRect/>
+          </a:stretch>
+        </p:blipFill>
+        <p:spPr bwMode="auto">
           <a:xfrm>
-            <a:off x="9079607" y="30274"/>
-            <a:ext cx="3112393" cy="5262979"/>
+            <a:off x="0" y="2060620"/>
+            <a:ext cx="8494643" cy="4797380"/>
           </a:xfrm>
           <a:prstGeom prst="rect">
             <a:avLst/>
           </a:prstGeom>
+          <a:noFill/>
+          <a:extLst>
+            <a:ext uri="{909E8E84-426E-40DD-AFC4-6F175D3DCCD1}">
+              <a14:hiddenFill xmlns:a14="http://schemas.microsoft.com/office/drawing/2010/main">
+                <a:solidFill>
+                  <a:srgbClr val="FFFFFF"/>
+                </a:solidFill>
+              </a14:hiddenFill>
+            </a:ext>
+          </a:extLst>
         </p:spPr>
-        <p:style>
-          <a:lnRef idx="2">
-            <a:schemeClr val="dk1">
-              <a:shade val="50000"/>
-            </a:schemeClr>
-          </a:lnRef>
-          <a:fillRef idx="1">
-            <a:schemeClr val="dk1"/>
-          </a:fillRef>
-          <a:effectRef idx="0">
-            <a:schemeClr val="dk1"/>
-          </a:effectRef>
-          <a:fontRef idx="minor">
-            <a:schemeClr val="lt1"/>
-          </a:fontRef>
-        </p:style>
-        <p:txBody>
-          <a:bodyPr wrap="square" rtlCol="0">
-            <a:spAutoFit/>
-          </a:bodyPr>
-          <a:lstStyle/>
-          <a:p>
-            <a:endParaRPr lang="en-US" sz="1600" b="1" dirty="0" smtClean="0">
-              <a:latin typeface="Arial" panose="020B0604020202020204" pitchFamily="34" charset="0"/>
-              <a:cs typeface="Arial" panose="020B0604020202020204" pitchFamily="34" charset="0"/>
-            </a:endParaRPr>
-          </a:p>
-          <a:p>
-            <a:endParaRPr lang="en-US" sz="1600" b="1" dirty="0">
-              <a:latin typeface="Arial" panose="020B0604020202020204" pitchFamily="34" charset="0"/>
-              <a:cs typeface="Arial" panose="020B0604020202020204" pitchFamily="34" charset="0"/>
-            </a:endParaRPr>
-          </a:p>
-          <a:p>
-            <a:endParaRPr lang="en-US" sz="1600" b="1" dirty="0" smtClean="0">
-              <a:latin typeface="Arial" panose="020B0604020202020204" pitchFamily="34" charset="0"/>
-              <a:cs typeface="Arial" panose="020B0604020202020204" pitchFamily="34" charset="0"/>
-            </a:endParaRPr>
-          </a:p>
-          <a:p>
-            <a:endParaRPr lang="en-US" sz="1600" b="1" dirty="0">
-              <a:latin typeface="Arial" panose="020B0604020202020204" pitchFamily="34" charset="0"/>
-              <a:cs typeface="Arial" panose="020B0604020202020204" pitchFamily="34" charset="0"/>
-            </a:endParaRPr>
-          </a:p>
-          <a:p>
-            <a:endParaRPr lang="en-US" sz="1600" b="1" dirty="0" smtClean="0">
-              <a:latin typeface="Arial" panose="020B0604020202020204" pitchFamily="34" charset="0"/>
-              <a:cs typeface="Arial" panose="020B0604020202020204" pitchFamily="34" charset="0"/>
-            </a:endParaRPr>
-          </a:p>
-          <a:p>
-            <a:endParaRPr lang="en-US" sz="1600" b="1" dirty="0">
-              <a:latin typeface="Arial" panose="020B0604020202020204" pitchFamily="34" charset="0"/>
-              <a:cs typeface="Arial" panose="020B0604020202020204" pitchFamily="34" charset="0"/>
-            </a:endParaRPr>
-          </a:p>
-          <a:p>
-            <a:r>
-              <a:rPr lang="en-US" sz="1600" b="1" dirty="0" smtClean="0">
-                <a:latin typeface="Arial" panose="020B0604020202020204" pitchFamily="34" charset="0"/>
-                <a:cs typeface="Arial" panose="020B0604020202020204" pitchFamily="34" charset="0"/>
-                <a:hlinkClick r:id="rId2" action="ppaction://hlinksldjump"/>
-              </a:rPr>
-              <a:t>BACKGROUND OF THE STUDY</a:t>
-            </a:r>
-            <a:endParaRPr lang="en-US" sz="1600" b="1" dirty="0" smtClean="0">
-              <a:latin typeface="Arial" panose="020B0604020202020204" pitchFamily="34" charset="0"/>
-              <a:cs typeface="Arial" panose="020B0604020202020204" pitchFamily="34" charset="0"/>
-            </a:endParaRPr>
-          </a:p>
-          <a:p>
-            <a:endParaRPr lang="en-US" sz="1600" b="1" dirty="0">
-              <a:latin typeface="Arial" panose="020B0604020202020204" pitchFamily="34" charset="0"/>
-              <a:cs typeface="Arial" panose="020B0604020202020204" pitchFamily="34" charset="0"/>
-            </a:endParaRPr>
-          </a:p>
-          <a:p>
-            <a:r>
-              <a:rPr lang="en-US" sz="1600" b="1" dirty="0" smtClean="0">
-                <a:latin typeface="Arial" panose="020B0604020202020204" pitchFamily="34" charset="0"/>
-                <a:cs typeface="Arial" panose="020B0604020202020204" pitchFamily="34" charset="0"/>
-                <a:hlinkClick r:id="rId3" action="ppaction://hlinksldjump"/>
-              </a:rPr>
-              <a:t>STATEMENT OF THE PROBLEM</a:t>
-            </a:r>
-            <a:endParaRPr lang="en-US" sz="1600" b="1" dirty="0" smtClean="0">
-              <a:latin typeface="Arial" panose="020B0604020202020204" pitchFamily="34" charset="0"/>
-              <a:cs typeface="Arial" panose="020B0604020202020204" pitchFamily="34" charset="0"/>
-            </a:endParaRPr>
-          </a:p>
-          <a:p>
-            <a:endParaRPr lang="en-US" sz="1600" b="1" dirty="0">
-              <a:latin typeface="Arial" panose="020B0604020202020204" pitchFamily="34" charset="0"/>
-              <a:cs typeface="Arial" panose="020B0604020202020204" pitchFamily="34" charset="0"/>
-            </a:endParaRPr>
-          </a:p>
-          <a:p>
-            <a:r>
-              <a:rPr lang="en-US" sz="1600" b="1" dirty="0" smtClean="0">
-                <a:latin typeface="Arial" panose="020B0604020202020204" pitchFamily="34" charset="0"/>
-                <a:cs typeface="Arial" panose="020B0604020202020204" pitchFamily="34" charset="0"/>
-                <a:hlinkClick r:id="rId4" action="ppaction://hlinksldjump"/>
-              </a:rPr>
-              <a:t>HYPOTHESIS</a:t>
-            </a:r>
-            <a:endParaRPr lang="en-US" sz="1600" b="1" dirty="0" smtClean="0">
-              <a:latin typeface="Arial" panose="020B0604020202020204" pitchFamily="34" charset="0"/>
-              <a:cs typeface="Arial" panose="020B0604020202020204" pitchFamily="34" charset="0"/>
-            </a:endParaRPr>
-          </a:p>
-          <a:p>
-            <a:endParaRPr lang="en-US" sz="1600" b="1" dirty="0">
-              <a:latin typeface="Arial" panose="020B0604020202020204" pitchFamily="34" charset="0"/>
-              <a:cs typeface="Arial" panose="020B0604020202020204" pitchFamily="34" charset="0"/>
-            </a:endParaRPr>
-          </a:p>
-          <a:p>
-            <a:r>
-              <a:rPr lang="en-US" sz="1600" b="1" dirty="0" smtClean="0">
-                <a:latin typeface="Arial" panose="020B0604020202020204" pitchFamily="34" charset="0"/>
-                <a:cs typeface="Arial" panose="020B0604020202020204" pitchFamily="34" charset="0"/>
-                <a:hlinkClick r:id="rId5" action="ppaction://hlinksldjump"/>
-              </a:rPr>
-              <a:t>RESEARCH METHOD USED</a:t>
-            </a:r>
-            <a:endParaRPr lang="en-US" sz="1600" b="1" dirty="0" smtClean="0">
-              <a:latin typeface="Arial" panose="020B0604020202020204" pitchFamily="34" charset="0"/>
-              <a:cs typeface="Arial" panose="020B0604020202020204" pitchFamily="34" charset="0"/>
-            </a:endParaRPr>
-          </a:p>
-          <a:p>
-            <a:endParaRPr lang="en-US" sz="1600" b="1" dirty="0">
-              <a:latin typeface="Arial" panose="020B0604020202020204" pitchFamily="34" charset="0"/>
-              <a:cs typeface="Arial" panose="020B0604020202020204" pitchFamily="34" charset="0"/>
-            </a:endParaRPr>
-          </a:p>
-          <a:p>
-            <a:r>
-              <a:rPr lang="en-US" sz="1600" b="1" dirty="0" smtClean="0">
-                <a:latin typeface="Arial" panose="020B0604020202020204" pitchFamily="34" charset="0"/>
-                <a:cs typeface="Arial" panose="020B0604020202020204" pitchFamily="34" charset="0"/>
-                <a:hlinkClick r:id="rId6" action="ppaction://hlinksldjump"/>
-              </a:rPr>
-              <a:t>SYSTEM ARCHITECTURE</a:t>
-            </a:r>
-            <a:endParaRPr lang="en-US" sz="1600" b="1" dirty="0" smtClean="0">
-              <a:latin typeface="Arial" panose="020B0604020202020204" pitchFamily="34" charset="0"/>
-              <a:cs typeface="Arial" panose="020B0604020202020204" pitchFamily="34" charset="0"/>
-            </a:endParaRPr>
-          </a:p>
-          <a:p>
-            <a:endParaRPr lang="en-US" sz="1600" b="1" dirty="0">
-              <a:latin typeface="Arial" panose="020B0604020202020204" pitchFamily="34" charset="0"/>
-              <a:cs typeface="Arial" panose="020B0604020202020204" pitchFamily="34" charset="0"/>
-            </a:endParaRPr>
-          </a:p>
-          <a:p>
-            <a:r>
-              <a:rPr lang="en-US" sz="1600" b="1" dirty="0" smtClean="0">
-                <a:latin typeface="Arial" panose="020B0604020202020204" pitchFamily="34" charset="0"/>
-                <a:cs typeface="Arial" panose="020B0604020202020204" pitchFamily="34" charset="0"/>
-                <a:hlinkClick r:id="rId7" action="ppaction://hlinksldjump"/>
-              </a:rPr>
-              <a:t>EXPERIMENT PAPER</a:t>
-            </a:r>
-            <a:endParaRPr lang="en-US" sz="1600" b="1" dirty="0" smtClean="0">
-              <a:latin typeface="Arial" panose="020B0604020202020204" pitchFamily="34" charset="0"/>
-              <a:cs typeface="Arial" panose="020B0604020202020204" pitchFamily="34" charset="0"/>
-            </a:endParaRPr>
-          </a:p>
-          <a:p>
-            <a:endParaRPr lang="en-US" sz="1600" b="1" dirty="0">
-              <a:latin typeface="Arial" panose="020B0604020202020204" pitchFamily="34" charset="0"/>
-              <a:cs typeface="Arial" panose="020B0604020202020204" pitchFamily="34" charset="0"/>
-            </a:endParaRPr>
-          </a:p>
-          <a:p>
-            <a:r>
-              <a:rPr lang="en-US" sz="1600" b="1" dirty="0" smtClean="0">
-                <a:latin typeface="Arial" panose="020B0604020202020204" pitchFamily="34" charset="0"/>
-                <a:cs typeface="Arial" panose="020B0604020202020204" pitchFamily="34" charset="0"/>
-                <a:hlinkClick r:id="rId8" action="ppaction://hlinksldjump"/>
-              </a:rPr>
-              <a:t>STATISTICAL TREATMENT</a:t>
-            </a:r>
-            <a:endParaRPr lang="en-US" sz="1600" b="1" dirty="0">
-              <a:latin typeface="Arial" panose="020B0604020202020204" pitchFamily="34" charset="0"/>
-              <a:cs typeface="Arial" panose="020B0604020202020204" pitchFamily="34" charset="0"/>
-            </a:endParaRPr>
-          </a:p>
-        </p:txBody>
-      </p:sp>
+      </p:pic>
     </p:spTree>
     <p:extLst>
       <p:ext uri="{BB962C8B-B14F-4D97-AF65-F5344CB8AC3E}">
-        <p14:creationId xmlns:p14="http://schemas.microsoft.com/office/powerpoint/2010/main" val="1381412573"/>
+        <p14:creationId xmlns:p14="http://schemas.microsoft.com/office/powerpoint/2010/main" val="2396196207"/>
       </p:ext>
     </p:extLst>
   </p:cSld>
@@ -4097,7 +3431,7 @@
                 <a:latin typeface="Arial" panose="020B0604020202020204" pitchFamily="34" charset="0"/>
                 <a:cs typeface="Arial" panose="020B0604020202020204" pitchFamily="34" charset="0"/>
               </a:rPr>
-              <a:t>STATEMENT OF THE PROBLEM</a:t>
+              <a:t>BACKGROUND OF THE STUDY</a:t>
             </a:r>
             <a:endParaRPr lang="en-US" b="1" dirty="0">
               <a:latin typeface="Arial" panose="020B0604020202020204" pitchFamily="34" charset="0"/>
@@ -4138,88 +3472,88 @@
         </p:style>
         <p:txBody>
           <a:bodyPr>
-            <a:normAutofit/>
+            <a:normAutofit fontScale="92500" lnSpcReduction="10000"/>
           </a:bodyPr>
           <a:lstStyle/>
           <a:p>
-            <a:pPr marL="0" indent="0" algn="just">
-              <a:buNone/>
-            </a:pPr>
-            <a:r>
-              <a:rPr lang="en-US" dirty="0" smtClean="0">
-                <a:latin typeface="Arial" panose="020B0604020202020204" pitchFamily="34" charset="0"/>
-                <a:cs typeface="Arial" panose="020B0604020202020204" pitchFamily="34" charset="0"/>
-              </a:rPr>
-              <a:t>	</a:t>
-            </a:r>
-          </a:p>
-          <a:p>
-            <a:pPr marL="0" indent="0" algn="just">
-              <a:buNone/>
-            </a:pPr>
-            <a:endParaRPr lang="en-US" dirty="0">
-              <a:latin typeface="Arial" panose="020B0604020202020204" pitchFamily="34" charset="0"/>
-              <a:cs typeface="Arial" panose="020B0604020202020204" pitchFamily="34" charset="0"/>
-            </a:endParaRPr>
-          </a:p>
-          <a:p>
-            <a:pPr marL="0" indent="0" algn="just">
-              <a:buNone/>
-            </a:pPr>
-            <a:r>
-              <a:rPr lang="en-US" dirty="0" smtClean="0">
-                <a:latin typeface="Arial" panose="020B0604020202020204" pitchFamily="34" charset="0"/>
-                <a:cs typeface="Arial" panose="020B0604020202020204" pitchFamily="34" charset="0"/>
-              </a:rPr>
-              <a:t>2. Is </a:t>
-            </a:r>
-            <a:r>
-              <a:rPr lang="en-US" dirty="0">
-                <a:latin typeface="Arial" panose="020B0604020202020204" pitchFamily="34" charset="0"/>
-                <a:cs typeface="Arial" panose="020B0604020202020204" pitchFamily="34" charset="0"/>
-              </a:rPr>
-              <a:t>there a significant difference in the performance analysis of Recognition of Inappropriate Expressions of system when modeled between different training sets of Inappropriate Expressions in terms of</a:t>
-            </a:r>
-            <a:r>
-              <a:rPr lang="en-US" dirty="0" smtClean="0">
-                <a:latin typeface="Arial" panose="020B0604020202020204" pitchFamily="34" charset="0"/>
-                <a:cs typeface="Arial" panose="020B0604020202020204" pitchFamily="34" charset="0"/>
-              </a:rPr>
-              <a:t>:</a:t>
-            </a:r>
-          </a:p>
-          <a:p>
-            <a:pPr marL="914400" lvl="1" indent="-457200">
-              <a:buFont typeface="+mj-lt"/>
-              <a:buAutoNum type="alphaLcParenR"/>
-            </a:pPr>
-            <a:r>
-              <a:rPr lang="en-US" sz="2800" dirty="0" smtClean="0">
-                <a:latin typeface="Arial" panose="020B0604020202020204" pitchFamily="34" charset="0"/>
-                <a:cs typeface="Arial" panose="020B0604020202020204" pitchFamily="34" charset="0"/>
-              </a:rPr>
-              <a:t>Recognition </a:t>
-            </a:r>
-            <a:r>
-              <a:rPr lang="en-US" sz="2800" dirty="0">
-                <a:latin typeface="Arial" panose="020B0604020202020204" pitchFamily="34" charset="0"/>
-                <a:cs typeface="Arial" panose="020B0604020202020204" pitchFamily="34" charset="0"/>
-              </a:rPr>
-              <a:t>of Inappropriate Expressions</a:t>
-            </a:r>
-          </a:p>
-          <a:p>
-            <a:pPr marL="914400" lvl="1" indent="-457200">
-              <a:buFont typeface="+mj-lt"/>
-              <a:buAutoNum type="alphaLcParenR"/>
-            </a:pPr>
-            <a:r>
-              <a:rPr lang="en-US" sz="2800" dirty="0">
-                <a:latin typeface="Arial" panose="020B0604020202020204" pitchFamily="34" charset="0"/>
-                <a:cs typeface="Arial" panose="020B0604020202020204" pitchFamily="34" charset="0"/>
-              </a:rPr>
-              <a:t>Recognition of Appropriate Expressions</a:t>
-            </a:r>
+            <a:pPr algn="just"/>
+            <a:r>
+              <a:rPr lang="en-US" dirty="0" smtClean="0"/>
+              <a:t>Inappropriate Expressions becomes very interesting in the field of NLP Community.</a:t>
+            </a:r>
+          </a:p>
+          <a:p>
+            <a:pPr algn="just"/>
+            <a:r>
+              <a:rPr lang="en-US" dirty="0" smtClean="0"/>
+              <a:t>One of the problems </a:t>
+            </a:r>
+            <a:r>
+              <a:rPr lang="en-US" dirty="0"/>
+              <a:t>that need to be solve in this study is the accuracy of the system because some of the researches related to the study has a low rate of accuracy.</a:t>
+            </a:r>
+          </a:p>
+          <a:p>
+            <a:pPr algn="just"/>
+            <a:r>
+              <a:rPr lang="en-US" dirty="0"/>
+              <a:t>S</a:t>
+            </a:r>
+            <a:r>
+              <a:rPr lang="en-US" dirty="0" smtClean="0"/>
+              <a:t>emi-supervised </a:t>
+            </a:r>
+            <a:r>
+              <a:rPr lang="en-US" dirty="0"/>
+              <a:t>learning methods are proposed to effectively utilize a small scale of labeled data along with a larger amount of unlabeled data</a:t>
+            </a:r>
+            <a:r>
+              <a:rPr lang="en-US" dirty="0" smtClean="0"/>
+              <a:t>.</a:t>
+            </a:r>
+          </a:p>
+          <a:p>
+            <a:pPr algn="just"/>
+            <a:r>
+              <a:rPr lang="en-US" dirty="0"/>
+              <a:t>S</a:t>
+            </a:r>
+            <a:r>
+              <a:rPr lang="en-US" dirty="0" smtClean="0"/>
+              <a:t>emi-supervised </a:t>
+            </a:r>
+            <a:r>
+              <a:rPr lang="en-US" dirty="0"/>
+              <a:t>learning on imbalanced classification is rather </a:t>
+            </a:r>
+            <a:r>
+              <a:rPr lang="en-US" dirty="0" smtClean="0"/>
+              <a:t>challenging.</a:t>
+            </a:r>
+          </a:p>
+          <a:p>
+            <a:pPr algn="just"/>
+            <a:r>
+              <a:rPr lang="en-US" dirty="0" smtClean="0"/>
+              <a:t>Bootstrapping is not a sample size dependent resampling schema. </a:t>
+            </a:r>
+            <a:r>
+              <a:rPr lang="en-US" smtClean="0"/>
+              <a:t>Increasing </a:t>
+            </a:r>
+            <a:r>
+              <a:rPr lang="en-US" dirty="0"/>
+              <a:t>the number of samples cannot increase the amount of information in the original data, it can only reduce the effects of random sampling errors which can arise from a bootstrap </a:t>
+            </a:r>
+            <a:r>
+              <a:rPr lang="en-US"/>
+              <a:t>procedure </a:t>
+            </a:r>
+            <a:r>
+              <a:rPr lang="en-US" smtClean="0"/>
+              <a:t>itself.</a:t>
+            </a:r>
+            <a:endParaRPr lang="en-US" dirty="0" smtClean="0"/>
           </a:p>
         </p:txBody>
       </p:sp>
@@ -4266,7 +3600,7 @@
       </p:sp>
       <p:sp>
         <p:nvSpPr>
-          <p:cNvPr id="8" name="TextBox 7"/>
+          <p:cNvPr id="6" name="TextBox 5"/>
           <p:cNvSpPr txBox="1"/>
           <p:nvPr/>
         </p:nvSpPr>
@@ -4475,7 +3809,7 @@
     </p:spTree>
     <p:extLst>
       <p:ext uri="{BB962C8B-B14F-4D97-AF65-F5344CB8AC3E}">
-        <p14:creationId xmlns:p14="http://schemas.microsoft.com/office/powerpoint/2010/main" val="2693944564"/>
+        <p14:creationId xmlns:p14="http://schemas.microsoft.com/office/powerpoint/2010/main" val="1859999108"/>
       </p:ext>
     </p:extLst>
   </p:cSld>
@@ -4552,7 +3886,7 @@
                 <a:latin typeface="Arial" panose="020B0604020202020204" pitchFamily="34" charset="0"/>
                 <a:cs typeface="Arial" panose="020B0604020202020204" pitchFamily="34" charset="0"/>
               </a:rPr>
-              <a:t>HYPOTHESIS</a:t>
+              <a:t>BACKGROUND OF THE STUDY</a:t>
             </a:r>
             <a:endParaRPr lang="en-US" b="1" dirty="0">
               <a:latin typeface="Arial" panose="020B0604020202020204" pitchFamily="34" charset="0"/>
@@ -4592,119 +3926,106 @@
           </a:fontRef>
         </p:style>
         <p:txBody>
-          <a:bodyPr/>
+          <a:bodyPr>
+            <a:normAutofit fontScale="92500" lnSpcReduction="20000"/>
+          </a:bodyPr>
           <a:lstStyle/>
           <a:p>
-            <a:pPr marL="0" indent="0" algn="just">
-              <a:buNone/>
-            </a:pPr>
-            <a:endParaRPr lang="en-US" dirty="0" smtClean="0">
-              <a:latin typeface="Arial" panose="020B0604020202020204" pitchFamily="34" charset="0"/>
-              <a:cs typeface="Arial" panose="020B0604020202020204" pitchFamily="34" charset="0"/>
-            </a:endParaRPr>
-          </a:p>
-          <a:p>
-            <a:pPr marL="0" indent="0" algn="just">
-              <a:buNone/>
-            </a:pPr>
-            <a:r>
-              <a:rPr lang="en-US" dirty="0" smtClean="0">
-                <a:latin typeface="Arial" panose="020B0604020202020204" pitchFamily="34" charset="0"/>
-                <a:cs typeface="Arial" panose="020B0604020202020204" pitchFamily="34" charset="0"/>
-              </a:rPr>
-              <a:t>In </a:t>
-            </a:r>
-            <a:r>
-              <a:rPr lang="en-US" dirty="0">
-                <a:latin typeface="Arial" panose="020B0604020202020204" pitchFamily="34" charset="0"/>
-                <a:cs typeface="Arial" panose="020B0604020202020204" pitchFamily="34" charset="0"/>
-              </a:rPr>
-              <a:t>this research, the researchers are guided by the following hypothesis</a:t>
-            </a:r>
-            <a:r>
-              <a:rPr lang="en-US" dirty="0" smtClean="0">
-                <a:latin typeface="Arial" panose="020B0604020202020204" pitchFamily="34" charset="0"/>
-                <a:cs typeface="Arial" panose="020B0604020202020204" pitchFamily="34" charset="0"/>
-              </a:rPr>
-              <a:t>:</a:t>
-            </a:r>
-          </a:p>
-          <a:p>
-            <a:pPr marL="0" indent="0" algn="just">
-              <a:buNone/>
-            </a:pPr>
-            <a:endParaRPr lang="en-US" dirty="0" smtClean="0">
-              <a:latin typeface="Arial" panose="020B0604020202020204" pitchFamily="34" charset="0"/>
-              <a:cs typeface="Arial" panose="020B0604020202020204" pitchFamily="34" charset="0"/>
-            </a:endParaRPr>
-          </a:p>
-          <a:p>
             <a:pPr algn="just"/>
             <a:r>
-              <a:rPr lang="en-US" dirty="0">
-                <a:latin typeface="Arial" panose="020B0604020202020204" pitchFamily="34" charset="0"/>
-                <a:cs typeface="Arial" panose="020B0604020202020204" pitchFamily="34" charset="0"/>
-              </a:rPr>
-              <a:t>The Inappropriate Expressions Recognition has no significant difference in terms of effectiveness between the system and the expert</a:t>
-            </a:r>
-            <a:r>
-              <a:rPr lang="en-US" dirty="0" smtClean="0">
-                <a:latin typeface="Arial" panose="020B0604020202020204" pitchFamily="34" charset="0"/>
-                <a:cs typeface="Arial" panose="020B0604020202020204" pitchFamily="34" charset="0"/>
-              </a:rPr>
-              <a:t>:</a:t>
-            </a:r>
-          </a:p>
-          <a:p>
-            <a:pPr lvl="1" algn="just"/>
-            <a:r>
-              <a:rPr lang="en-US" sz="2800" dirty="0" smtClean="0">
-                <a:latin typeface="Arial" panose="020B0604020202020204" pitchFamily="34" charset="0"/>
-                <a:cs typeface="Arial" panose="020B0604020202020204" pitchFamily="34" charset="0"/>
-              </a:rPr>
-              <a:t>Recognition </a:t>
-            </a:r>
-            <a:r>
-              <a:rPr lang="en-US" sz="2800" dirty="0">
-                <a:latin typeface="Arial" panose="020B0604020202020204" pitchFamily="34" charset="0"/>
-                <a:cs typeface="Arial" panose="020B0604020202020204" pitchFamily="34" charset="0"/>
-              </a:rPr>
-              <a:t>of Inappropriate expressions.</a:t>
-            </a:r>
-          </a:p>
-          <a:p>
-            <a:pPr lvl="1" algn="just"/>
-            <a:r>
-              <a:rPr lang="en-US" sz="2800" dirty="0" smtClean="0">
-                <a:latin typeface="Arial" panose="020B0604020202020204" pitchFamily="34" charset="0"/>
-                <a:cs typeface="Arial" panose="020B0604020202020204" pitchFamily="34" charset="0"/>
-              </a:rPr>
-              <a:t>Recognition </a:t>
-            </a:r>
-            <a:r>
-              <a:rPr lang="en-US" sz="2800" dirty="0">
-                <a:latin typeface="Arial" panose="020B0604020202020204" pitchFamily="34" charset="0"/>
-                <a:cs typeface="Arial" panose="020B0604020202020204" pitchFamily="34" charset="0"/>
-              </a:rPr>
-              <a:t>of Appropriate expressions</a:t>
-            </a:r>
-            <a:r>
-              <a:rPr lang="en-US" sz="2800" dirty="0" smtClean="0">
-                <a:latin typeface="Arial" panose="020B0604020202020204" pitchFamily="34" charset="0"/>
-                <a:cs typeface="Arial" panose="020B0604020202020204" pitchFamily="34" charset="0"/>
-              </a:rPr>
-              <a:t>.</a:t>
-            </a:r>
-            <a:endParaRPr lang="en-US" sz="2800" dirty="0">
-              <a:latin typeface="Arial" panose="020B0604020202020204" pitchFamily="34" charset="0"/>
-              <a:cs typeface="Arial" panose="020B0604020202020204" pitchFamily="34" charset="0"/>
-            </a:endParaRPr>
-          </a:p>
-          <a:p>
-            <a:pPr marL="0" indent="0">
-              <a:buNone/>
-            </a:pPr>
-            <a:endParaRPr lang="en-US" dirty="0"/>
+              <a:rPr lang="en-US" dirty="0"/>
+              <a:t>Detection of Harassment on Web </a:t>
+            </a:r>
+            <a:r>
+              <a:rPr lang="en-US" dirty="0" smtClean="0"/>
+              <a:t>2.0 uses a </a:t>
+            </a:r>
+            <a:r>
+              <a:rPr lang="en-US" dirty="0"/>
+              <a:t>baseline text mining system (using bag of words approach) </a:t>
+            </a:r>
+            <a:r>
+              <a:rPr lang="en-US" dirty="0" smtClean="0"/>
+              <a:t> and utilizes </a:t>
+            </a:r>
+            <a:r>
+              <a:rPr lang="en-US" dirty="0"/>
+              <a:t>sentiment and contextual </a:t>
+            </a:r>
+            <a:r>
+              <a:rPr lang="en-US" dirty="0" smtClean="0"/>
+              <a:t>features using Support Vectors. It is somewhat limited due to the bag of words approach does not model the context.</a:t>
+            </a:r>
+          </a:p>
+          <a:p>
+            <a:pPr algn="just"/>
+            <a:r>
+              <a:rPr lang="en-US" dirty="0"/>
+              <a:t>Detecting Offensive Language in Social Media to Protect Adolescent Online </a:t>
+            </a:r>
+            <a:r>
+              <a:rPr lang="en-US" dirty="0" smtClean="0"/>
+              <a:t>Safety uses Lexical Syntactic Features and Derives the Offensive Value based on those features. It is has a limitation on Knowledge base due to it has no learning.</a:t>
+            </a:r>
+          </a:p>
+          <a:p>
+            <a:pPr algn="just"/>
+            <a:r>
+              <a:rPr lang="en-US" dirty="0"/>
+              <a:t>Detecting Offensive Tweets via Topical Feature </a:t>
+            </a:r>
+            <a:r>
+              <a:rPr lang="en-US" dirty="0" smtClean="0"/>
+              <a:t>Discovery </a:t>
+            </a:r>
+            <a:r>
+              <a:rPr lang="en-US" dirty="0"/>
+              <a:t>via statistical topic </a:t>
+            </a:r>
+            <a:r>
+              <a:rPr lang="en-US" dirty="0" smtClean="0"/>
+              <a:t>modeling based on tweets with </a:t>
+            </a:r>
+            <a:r>
+              <a:rPr lang="en-US" dirty="0"/>
+              <a:t>a seed </a:t>
+            </a:r>
+            <a:r>
+              <a:rPr lang="en-US" dirty="0" smtClean="0"/>
+              <a:t>words, which will be limited on the word itself and the </a:t>
+            </a:r>
+            <a:r>
+              <a:rPr lang="en-US" smtClean="0"/>
+              <a:t>topic related.</a:t>
+            </a:r>
+            <a:endParaRPr lang="en-US" dirty="0" smtClean="0"/>
+          </a:p>
+          <a:p>
+            <a:pPr algn="just"/>
+            <a:r>
+              <a:rPr lang="en-US" dirty="0"/>
+              <a:t>Filtering Offensive Language in Online Communities using Grammatical </a:t>
+            </a:r>
+            <a:r>
+              <a:rPr lang="en-US" dirty="0" smtClean="0"/>
+              <a:t>Relations uses Part-of-speech tags and collection of offensive words. </a:t>
+            </a:r>
+            <a:r>
+              <a:rPr lang="en-US" dirty="0"/>
+              <a:t>W</a:t>
+            </a:r>
+            <a:r>
+              <a:rPr lang="en-US" dirty="0" smtClean="0"/>
+              <a:t>ords that are not </a:t>
+            </a:r>
+            <a:r>
+              <a:rPr lang="en-US" dirty="0"/>
+              <a:t>in the lexicon are considered </a:t>
+            </a:r>
+            <a:r>
+              <a:rPr lang="en-US" dirty="0" smtClean="0"/>
+              <a:t>inoffensive, which is limited implementation.</a:t>
+            </a:r>
           </a:p>
         </p:txBody>
       </p:sp>
@@ -4751,7 +4072,7 @@
       </p:sp>
       <p:sp>
         <p:nvSpPr>
-          <p:cNvPr id="8" name="TextBox 7"/>
+          <p:cNvPr id="6" name="TextBox 5"/>
           <p:cNvSpPr txBox="1"/>
           <p:nvPr/>
         </p:nvSpPr>
@@ -4960,7 +4281,7 @@
     </p:spTree>
     <p:extLst>
       <p:ext uri="{BB962C8B-B14F-4D97-AF65-F5344CB8AC3E}">
-        <p14:creationId xmlns:p14="http://schemas.microsoft.com/office/powerpoint/2010/main" val="2386945579"/>
+        <p14:creationId xmlns:p14="http://schemas.microsoft.com/office/powerpoint/2010/main" val="2359297736"/>
       </p:ext>
     </p:extLst>
   </p:cSld>
@@ -5037,7 +4358,7 @@
                 <a:latin typeface="Arial" panose="020B0604020202020204" pitchFamily="34" charset="0"/>
                 <a:cs typeface="Arial" panose="020B0604020202020204" pitchFamily="34" charset="0"/>
               </a:rPr>
-              <a:t>HYPOTHESIS</a:t>
+              <a:t>STATEMENT OF THE PROBLEM</a:t>
             </a:r>
             <a:endParaRPr lang="en-US" b="1" dirty="0">
               <a:latin typeface="Arial" panose="020B0604020202020204" pitchFamily="34" charset="0"/>
@@ -5077,61 +4398,104 @@
           </a:fontRef>
         </p:style>
         <p:txBody>
-          <a:bodyPr/>
+          <a:bodyPr>
+            <a:normAutofit/>
+          </a:bodyPr>
           <a:lstStyle/>
           <a:p>
             <a:pPr marL="0" indent="0" algn="just">
               <a:buNone/>
             </a:pPr>
-            <a:endParaRPr lang="en-US" dirty="0" smtClean="0">
-              <a:latin typeface="Arial" panose="020B0604020202020204" pitchFamily="34" charset="0"/>
-              <a:cs typeface="Arial" panose="020B0604020202020204" pitchFamily="34" charset="0"/>
-            </a:endParaRPr>
+            <a:r>
+              <a:rPr lang="en-US" sz="2200" dirty="0" smtClean="0">
+                <a:latin typeface="Arial" panose="020B0604020202020204" pitchFamily="34" charset="0"/>
+                <a:cs typeface="Arial" panose="020B0604020202020204" pitchFamily="34" charset="0"/>
+              </a:rPr>
+              <a:t>	</a:t>
+            </a:r>
           </a:p>
           <a:p>
             <a:pPr marL="0" indent="0" algn="just">
               <a:buNone/>
             </a:pPr>
-            <a:endParaRPr lang="en-US" dirty="0" smtClean="0">
-              <a:latin typeface="Arial" panose="020B0604020202020204" pitchFamily="34" charset="0"/>
-              <a:cs typeface="Arial" panose="020B0604020202020204" pitchFamily="34" charset="0"/>
-            </a:endParaRPr>
-          </a:p>
-          <a:p>
-            <a:pPr algn="just"/>
+            <a:r>
+              <a:rPr lang="en-US" sz="2200" dirty="0" smtClean="0">
+                <a:latin typeface="Arial" panose="020B0604020202020204" pitchFamily="34" charset="0"/>
+                <a:cs typeface="Arial" panose="020B0604020202020204" pitchFamily="34" charset="0"/>
+              </a:rPr>
+              <a:t>	</a:t>
+            </a:r>
+            <a:r>
+              <a:rPr lang="en-US" dirty="0" smtClean="0">
+                <a:latin typeface="Arial" panose="020B0604020202020204" pitchFamily="34" charset="0"/>
+                <a:cs typeface="Arial" panose="020B0604020202020204" pitchFamily="34" charset="0"/>
+              </a:rPr>
+              <a:t>The </a:t>
+            </a:r>
             <a:r>
               <a:rPr lang="en-US" dirty="0">
                 <a:latin typeface="Arial" panose="020B0604020202020204" pitchFamily="34" charset="0"/>
                 <a:cs typeface="Arial" panose="020B0604020202020204" pitchFamily="34" charset="0"/>
               </a:rPr>
-              <a:t>The Inappropriate Expressions Recognition has a significant difference in terms of effectiveness when trained in different data sets of Inappropriate Expressions in terms of:</a:t>
-            </a:r>
-          </a:p>
-          <a:p>
-            <a:pPr lvl="1" algn="just"/>
-            <a:r>
-              <a:rPr lang="en-US" sz="2800" dirty="0">
-                <a:latin typeface="Arial" panose="020B0604020202020204" pitchFamily="34" charset="0"/>
-                <a:cs typeface="Arial" panose="020B0604020202020204" pitchFamily="34" charset="0"/>
-              </a:rPr>
-              <a:t>Recognition of Inappropriate expressions.</a:t>
-            </a:r>
-          </a:p>
-          <a:p>
-            <a:pPr lvl="1" algn="just"/>
-            <a:r>
-              <a:rPr lang="en-US" sz="2800" dirty="0">
-                <a:latin typeface="Arial" panose="020B0604020202020204" pitchFamily="34" charset="0"/>
-                <a:cs typeface="Arial" panose="020B0604020202020204" pitchFamily="34" charset="0"/>
-              </a:rPr>
-              <a:t>Recognition of Appropriate expressions.</a:t>
-            </a:r>
-          </a:p>
-          <a:p>
-            <a:pPr marL="0" indent="0">
-              <a:buNone/>
+              <a:t>study aims to design, develop and evaluate the system which will help to recognize Inappropriate Expressions from a document. The people who are in knowledgeable in English language are the respondents in this study. In addition to this, the researchers aim to seek answer to this problem</a:t>
+            </a:r>
+            <a:r>
+              <a:rPr lang="en-US" dirty="0" smtClean="0">
+                <a:latin typeface="Arial" panose="020B0604020202020204" pitchFamily="34" charset="0"/>
+                <a:cs typeface="Arial" panose="020B0604020202020204" pitchFamily="34" charset="0"/>
+              </a:rPr>
+              <a:t>:</a:t>
+            </a:r>
+            <a:endParaRPr lang="en-US" dirty="0">
+              <a:latin typeface="Arial" panose="020B0604020202020204" pitchFamily="34" charset="0"/>
+              <a:cs typeface="Arial" panose="020B0604020202020204" pitchFamily="34" charset="0"/>
+            </a:endParaRPr>
+          </a:p>
+          <a:p>
+            <a:pPr marL="457200" indent="-457200" algn="just">
+              <a:buFont typeface="+mj-lt"/>
+              <a:buAutoNum type="arabicPeriod"/>
             </a:pPr>
-            <a:endParaRPr lang="en-US" dirty="0"/>
+            <a:r>
+              <a:rPr lang="en-US" dirty="0">
+                <a:latin typeface="Arial" panose="020B0604020202020204" pitchFamily="34" charset="0"/>
+                <a:cs typeface="Arial" panose="020B0604020202020204" pitchFamily="34" charset="0"/>
+              </a:rPr>
+              <a:t>Is there a significant difference in the performance analysis of Recognition of Inappropriate Expression between the expert and the system in terms of</a:t>
+            </a:r>
+            <a:r>
+              <a:rPr lang="en-US" dirty="0" smtClean="0">
+                <a:latin typeface="Arial" panose="020B0604020202020204" pitchFamily="34" charset="0"/>
+                <a:cs typeface="Arial" panose="020B0604020202020204" pitchFamily="34" charset="0"/>
+              </a:rPr>
+              <a:t>:</a:t>
+            </a:r>
+          </a:p>
+          <a:p>
+            <a:pPr marL="914400" lvl="1" indent="-457200">
+              <a:buFont typeface="+mj-lt"/>
+              <a:buAutoNum type="alphaLcParenR"/>
+            </a:pPr>
+            <a:r>
+              <a:rPr lang="en-US" sz="2800" dirty="0" smtClean="0">
+                <a:latin typeface="Arial" panose="020B0604020202020204" pitchFamily="34" charset="0"/>
+                <a:cs typeface="Arial" panose="020B0604020202020204" pitchFamily="34" charset="0"/>
+              </a:rPr>
+              <a:t>Recognition of Inappropriate Expressions</a:t>
+            </a:r>
+          </a:p>
+          <a:p>
+            <a:pPr marL="914400" lvl="1" indent="-457200">
+              <a:buFont typeface="+mj-lt"/>
+              <a:buAutoNum type="alphaLcParenR"/>
+            </a:pPr>
+            <a:r>
+              <a:rPr lang="en-US" sz="2800" dirty="0" smtClean="0">
+                <a:latin typeface="Arial" panose="020B0604020202020204" pitchFamily="34" charset="0"/>
+                <a:cs typeface="Arial" panose="020B0604020202020204" pitchFamily="34" charset="0"/>
+              </a:rPr>
+              <a:t>Recognition of Appropriate Expressions</a:t>
+            </a:r>
           </a:p>
         </p:txBody>
       </p:sp>
@@ -5387,7 +4751,7 @@
     </p:spTree>
     <p:extLst>
       <p:ext uri="{BB962C8B-B14F-4D97-AF65-F5344CB8AC3E}">
-        <p14:creationId xmlns:p14="http://schemas.microsoft.com/office/powerpoint/2010/main" val="137953146"/>
+        <p14:creationId xmlns:p14="http://schemas.microsoft.com/office/powerpoint/2010/main" val="1381412573"/>
       </p:ext>
     </p:extLst>
   </p:cSld>
@@ -5464,7 +4828,7 @@
                 <a:latin typeface="Arial" panose="020B0604020202020204" pitchFamily="34" charset="0"/>
                 <a:cs typeface="Arial" panose="020B0604020202020204" pitchFamily="34" charset="0"/>
               </a:rPr>
-              <a:t>RESEARCH METHOD USED</a:t>
+              <a:t>STATEMENT OF THE PROBLEM</a:t>
             </a:r>
             <a:endParaRPr lang="en-US" b="1" dirty="0">
               <a:latin typeface="Arial" panose="020B0604020202020204" pitchFamily="34" charset="0"/>
@@ -5504,10 +4868,12 @@
           </a:fontRef>
         </p:style>
         <p:txBody>
-          <a:bodyPr/>
+          <a:bodyPr>
+            <a:normAutofit/>
+          </a:bodyPr>
           <a:lstStyle/>
           <a:p>
-            <a:pPr marL="0" indent="0">
+            <a:pPr marL="0" indent="0" algn="just">
               <a:buNone/>
             </a:pPr>
             <a:r>
@@ -5519,7 +4885,7 @@
             </a:r>
           </a:p>
           <a:p>
-            <a:pPr marL="0" indent="0">
+            <a:pPr marL="0" indent="0" algn="just">
               <a:buNone/>
             </a:pPr>
             <a:endParaRPr lang="en-US" dirty="0">
@@ -5536,32 +4902,55 @@
                 <a:latin typeface="Arial" panose="020B0604020202020204" pitchFamily="34" charset="0"/>
                 <a:cs typeface="Arial" panose="020B0604020202020204" pitchFamily="34" charset="0"/>
               </a:rPr>
-              <a:t>	The </a:t>
+              <a:t>2. Is </a:t>
             </a:r>
             <a:r>
               <a:rPr lang="en-US" dirty="0">
                 <a:latin typeface="Arial" panose="020B0604020202020204" pitchFamily="34" charset="0"/>
                 <a:cs typeface="Arial" panose="020B0604020202020204" pitchFamily="34" charset="0"/>
               </a:rPr>
-              <a:t>method used by the researchers in developing the study is </a:t>
-            </a:r>
-            <a:r>
-              <a:rPr lang="en-US" sz="3600" dirty="0">
-                <a:latin typeface="Arial" panose="020B0604020202020204" pitchFamily="34" charset="0"/>
-                <a:cs typeface="Arial" panose="020B0604020202020204" pitchFamily="34" charset="0"/>
-              </a:rPr>
-              <a:t>quasi-experimental method of research </a:t>
-            </a:r>
-            <a:r>
-              <a:rPr lang="en-US" dirty="0">
-                <a:latin typeface="Arial" panose="020B0604020202020204" pitchFamily="34" charset="0"/>
-                <a:cs typeface="Arial" panose="020B0604020202020204" pitchFamily="34" charset="0"/>
-              </a:rPr>
-              <a:t>that describes and analyzes the relation of the Bootstrapping Machine Learning as opposed to its relation to performance of Inappropriate Expressions. The researchers of this study conducted a pre-test and post-test about the implementation of the system. In this method, researches and studies were used to come up with the expected result.</a:t>
-            </a:r>
-          </a:p>
-          <a:p>
-            <a:endParaRPr lang="en-US" dirty="0"/>
+              <a:t>there a significant difference in the performance analysis of Recognition of Inappropriate Expressions of system when modeled between different training sets of Inappropriate Expressions in terms of</a:t>
+            </a:r>
+            <a:r>
+              <a:rPr lang="en-US" dirty="0" smtClean="0">
+                <a:latin typeface="Arial" panose="020B0604020202020204" pitchFamily="34" charset="0"/>
+                <a:cs typeface="Arial" panose="020B0604020202020204" pitchFamily="34" charset="0"/>
+              </a:rPr>
+              <a:t>:</a:t>
+            </a:r>
+          </a:p>
+          <a:p>
+            <a:pPr marL="914400" lvl="1" indent="-457200">
+              <a:buFont typeface="+mj-lt"/>
+              <a:buAutoNum type="alphaLcParenR"/>
+            </a:pPr>
+            <a:r>
+              <a:rPr lang="en-US" sz="2800" dirty="0" smtClean="0">
+                <a:latin typeface="Arial" panose="020B0604020202020204" pitchFamily="34" charset="0"/>
+                <a:cs typeface="Arial" panose="020B0604020202020204" pitchFamily="34" charset="0"/>
+              </a:rPr>
+              <a:t>Recognition </a:t>
+            </a:r>
+            <a:r>
+              <a:rPr lang="en-US" sz="2800" dirty="0">
+                <a:latin typeface="Arial" panose="020B0604020202020204" pitchFamily="34" charset="0"/>
+                <a:cs typeface="Arial" panose="020B0604020202020204" pitchFamily="34" charset="0"/>
+              </a:rPr>
+              <a:t>of Inappropriate Expressions</a:t>
+            </a:r>
+          </a:p>
+          <a:p>
+            <a:pPr marL="914400" lvl="1" indent="-457200">
+              <a:buFont typeface="+mj-lt"/>
+              <a:buAutoNum type="alphaLcParenR"/>
+            </a:pPr>
+            <a:r>
+              <a:rPr lang="en-US" sz="2800" dirty="0">
+                <a:latin typeface="Arial" panose="020B0604020202020204" pitchFamily="34" charset="0"/>
+                <a:cs typeface="Arial" panose="020B0604020202020204" pitchFamily="34" charset="0"/>
+              </a:rPr>
+              <a:t>Recognition of Appropriate Expressions</a:t>
+            </a:r>
           </a:p>
         </p:txBody>
       </p:sp>
@@ -5817,7 +5206,7 @@
     </p:spTree>
     <p:extLst>
       <p:ext uri="{BB962C8B-B14F-4D97-AF65-F5344CB8AC3E}">
-        <p14:creationId xmlns:p14="http://schemas.microsoft.com/office/powerpoint/2010/main" val="630845069"/>
+        <p14:creationId xmlns:p14="http://schemas.microsoft.com/office/powerpoint/2010/main" val="2693944564"/>
       </p:ext>
     </p:extLst>
   </p:cSld>
@@ -5894,6 +5283,1348 @@
                 <a:latin typeface="Arial" panose="020B0604020202020204" pitchFamily="34" charset="0"/>
                 <a:cs typeface="Arial" panose="020B0604020202020204" pitchFamily="34" charset="0"/>
               </a:rPr>
+              <a:t>HYPOTHESIS</a:t>
+            </a:r>
+            <a:endParaRPr lang="en-US" b="1" dirty="0">
+              <a:latin typeface="Arial" panose="020B0604020202020204" pitchFamily="34" charset="0"/>
+              <a:cs typeface="Arial" panose="020B0604020202020204" pitchFamily="34" charset="0"/>
+            </a:endParaRPr>
+          </a:p>
+        </p:txBody>
+      </p:sp>
+      <p:sp>
+        <p:nvSpPr>
+          <p:cNvPr id="3" name="Content Placeholder 2"/>
+          <p:cNvSpPr>
+            <a:spLocks noGrp="1"/>
+          </p:cNvSpPr>
+          <p:nvPr>
+            <p:ph idx="1"/>
+          </p:nvPr>
+        </p:nvSpPr>
+        <p:spPr>
+          <a:xfrm>
+            <a:off x="0" y="1325562"/>
+            <a:ext cx="9079606" cy="5532437"/>
+          </a:xfrm>
+        </p:spPr>
+        <p:style>
+          <a:lnRef idx="2">
+            <a:schemeClr val="dk1"/>
+          </a:lnRef>
+          <a:fillRef idx="1">
+            <a:schemeClr val="lt1"/>
+          </a:fillRef>
+          <a:effectRef idx="0">
+            <a:schemeClr val="dk1"/>
+          </a:effectRef>
+          <a:fontRef idx="minor">
+            <a:schemeClr val="dk1"/>
+          </a:fontRef>
+        </p:style>
+        <p:txBody>
+          <a:bodyPr/>
+          <a:lstStyle/>
+          <a:p>
+            <a:pPr marL="0" indent="0" algn="just">
+              <a:buNone/>
+            </a:pPr>
+            <a:endParaRPr lang="en-US" dirty="0" smtClean="0">
+              <a:latin typeface="Arial" panose="020B0604020202020204" pitchFamily="34" charset="0"/>
+              <a:cs typeface="Arial" panose="020B0604020202020204" pitchFamily="34" charset="0"/>
+            </a:endParaRPr>
+          </a:p>
+          <a:p>
+            <a:pPr marL="0" indent="0" algn="just">
+              <a:buNone/>
+            </a:pPr>
+            <a:r>
+              <a:rPr lang="en-US" dirty="0" smtClean="0">
+                <a:latin typeface="Arial" panose="020B0604020202020204" pitchFamily="34" charset="0"/>
+                <a:cs typeface="Arial" panose="020B0604020202020204" pitchFamily="34" charset="0"/>
+              </a:rPr>
+              <a:t>In </a:t>
+            </a:r>
+            <a:r>
+              <a:rPr lang="en-US" dirty="0">
+                <a:latin typeface="Arial" panose="020B0604020202020204" pitchFamily="34" charset="0"/>
+                <a:cs typeface="Arial" panose="020B0604020202020204" pitchFamily="34" charset="0"/>
+              </a:rPr>
+              <a:t>this research, the researchers are guided by the following hypothesis</a:t>
+            </a:r>
+            <a:r>
+              <a:rPr lang="en-US" dirty="0" smtClean="0">
+                <a:latin typeface="Arial" panose="020B0604020202020204" pitchFamily="34" charset="0"/>
+                <a:cs typeface="Arial" panose="020B0604020202020204" pitchFamily="34" charset="0"/>
+              </a:rPr>
+              <a:t>:</a:t>
+            </a:r>
+          </a:p>
+          <a:p>
+            <a:pPr marL="0" indent="0" algn="just">
+              <a:buNone/>
+            </a:pPr>
+            <a:endParaRPr lang="en-US" dirty="0" smtClean="0">
+              <a:latin typeface="Arial" panose="020B0604020202020204" pitchFamily="34" charset="0"/>
+              <a:cs typeface="Arial" panose="020B0604020202020204" pitchFamily="34" charset="0"/>
+            </a:endParaRPr>
+          </a:p>
+          <a:p>
+            <a:pPr algn="just"/>
+            <a:r>
+              <a:rPr lang="en-US" dirty="0">
+                <a:latin typeface="Arial" panose="020B0604020202020204" pitchFamily="34" charset="0"/>
+                <a:cs typeface="Arial" panose="020B0604020202020204" pitchFamily="34" charset="0"/>
+              </a:rPr>
+              <a:t>The Inappropriate Expressions Recognition has no significant difference in terms of effectiveness between the system and the expert</a:t>
+            </a:r>
+            <a:r>
+              <a:rPr lang="en-US" dirty="0" smtClean="0">
+                <a:latin typeface="Arial" panose="020B0604020202020204" pitchFamily="34" charset="0"/>
+                <a:cs typeface="Arial" panose="020B0604020202020204" pitchFamily="34" charset="0"/>
+              </a:rPr>
+              <a:t>:</a:t>
+            </a:r>
+          </a:p>
+          <a:p>
+            <a:pPr lvl="1" algn="just"/>
+            <a:r>
+              <a:rPr lang="en-US" sz="2800" dirty="0" smtClean="0">
+                <a:latin typeface="Arial" panose="020B0604020202020204" pitchFamily="34" charset="0"/>
+                <a:cs typeface="Arial" panose="020B0604020202020204" pitchFamily="34" charset="0"/>
+              </a:rPr>
+              <a:t>Recognition </a:t>
+            </a:r>
+            <a:r>
+              <a:rPr lang="en-US" sz="2800" dirty="0">
+                <a:latin typeface="Arial" panose="020B0604020202020204" pitchFamily="34" charset="0"/>
+                <a:cs typeface="Arial" panose="020B0604020202020204" pitchFamily="34" charset="0"/>
+              </a:rPr>
+              <a:t>of Inappropriate expressions.</a:t>
+            </a:r>
+          </a:p>
+          <a:p>
+            <a:pPr lvl="1" algn="just"/>
+            <a:r>
+              <a:rPr lang="en-US" sz="2800" dirty="0" smtClean="0">
+                <a:latin typeface="Arial" panose="020B0604020202020204" pitchFamily="34" charset="0"/>
+                <a:cs typeface="Arial" panose="020B0604020202020204" pitchFamily="34" charset="0"/>
+              </a:rPr>
+              <a:t>Recognition </a:t>
+            </a:r>
+            <a:r>
+              <a:rPr lang="en-US" sz="2800" dirty="0">
+                <a:latin typeface="Arial" panose="020B0604020202020204" pitchFamily="34" charset="0"/>
+                <a:cs typeface="Arial" panose="020B0604020202020204" pitchFamily="34" charset="0"/>
+              </a:rPr>
+              <a:t>of Appropriate expressions</a:t>
+            </a:r>
+            <a:r>
+              <a:rPr lang="en-US" sz="2800" dirty="0" smtClean="0">
+                <a:latin typeface="Arial" panose="020B0604020202020204" pitchFamily="34" charset="0"/>
+                <a:cs typeface="Arial" panose="020B0604020202020204" pitchFamily="34" charset="0"/>
+              </a:rPr>
+              <a:t>.</a:t>
+            </a:r>
+            <a:endParaRPr lang="en-US" sz="2800" dirty="0">
+              <a:latin typeface="Arial" panose="020B0604020202020204" pitchFamily="34" charset="0"/>
+              <a:cs typeface="Arial" panose="020B0604020202020204" pitchFamily="34" charset="0"/>
+            </a:endParaRPr>
+          </a:p>
+          <a:p>
+            <a:pPr marL="0" indent="0">
+              <a:buNone/>
+            </a:pPr>
+            <a:endParaRPr lang="en-US" dirty="0"/>
+          </a:p>
+        </p:txBody>
+      </p:sp>
+      <p:sp>
+        <p:nvSpPr>
+          <p:cNvPr id="4" name="TextBox 3"/>
+          <p:cNvSpPr txBox="1"/>
+          <p:nvPr/>
+        </p:nvSpPr>
+        <p:spPr>
+          <a:xfrm>
+            <a:off x="9079607" y="0"/>
+            <a:ext cx="3112394" cy="6858000"/>
+          </a:xfrm>
+          <a:prstGeom prst="rect">
+            <a:avLst/>
+          </a:prstGeom>
+        </p:spPr>
+        <p:style>
+          <a:lnRef idx="2">
+            <a:schemeClr val="dk1">
+              <a:shade val="50000"/>
+            </a:schemeClr>
+          </a:lnRef>
+          <a:fillRef idx="1">
+            <a:schemeClr val="dk1"/>
+          </a:fillRef>
+          <a:effectRef idx="0">
+            <a:schemeClr val="dk1"/>
+          </a:effectRef>
+          <a:fontRef idx="minor">
+            <a:schemeClr val="lt1"/>
+          </a:fontRef>
+        </p:style>
+        <p:txBody>
+          <a:bodyPr wrap="square" rtlCol="0">
+            <a:spAutoFit/>
+          </a:bodyPr>
+          <a:lstStyle/>
+          <a:p>
+            <a:endParaRPr lang="en-US" dirty="0"/>
+          </a:p>
+        </p:txBody>
+      </p:sp>
+      <p:sp>
+        <p:nvSpPr>
+          <p:cNvPr id="8" name="TextBox 7"/>
+          <p:cNvSpPr txBox="1"/>
+          <p:nvPr/>
+        </p:nvSpPr>
+        <p:spPr>
+          <a:xfrm>
+            <a:off x="9079607" y="30274"/>
+            <a:ext cx="3112393" cy="5262979"/>
+          </a:xfrm>
+          <a:prstGeom prst="rect">
+            <a:avLst/>
+          </a:prstGeom>
+        </p:spPr>
+        <p:style>
+          <a:lnRef idx="2">
+            <a:schemeClr val="dk1">
+              <a:shade val="50000"/>
+            </a:schemeClr>
+          </a:lnRef>
+          <a:fillRef idx="1">
+            <a:schemeClr val="dk1"/>
+          </a:fillRef>
+          <a:effectRef idx="0">
+            <a:schemeClr val="dk1"/>
+          </a:effectRef>
+          <a:fontRef idx="minor">
+            <a:schemeClr val="lt1"/>
+          </a:fontRef>
+        </p:style>
+        <p:txBody>
+          <a:bodyPr wrap="square" rtlCol="0">
+            <a:spAutoFit/>
+          </a:bodyPr>
+          <a:lstStyle/>
+          <a:p>
+            <a:endParaRPr lang="en-US" sz="1600" b="1" dirty="0" smtClean="0">
+              <a:latin typeface="Arial" panose="020B0604020202020204" pitchFamily="34" charset="0"/>
+              <a:cs typeface="Arial" panose="020B0604020202020204" pitchFamily="34" charset="0"/>
+            </a:endParaRPr>
+          </a:p>
+          <a:p>
+            <a:endParaRPr lang="en-US" sz="1600" b="1" dirty="0">
+              <a:latin typeface="Arial" panose="020B0604020202020204" pitchFamily="34" charset="0"/>
+              <a:cs typeface="Arial" panose="020B0604020202020204" pitchFamily="34" charset="0"/>
+            </a:endParaRPr>
+          </a:p>
+          <a:p>
+            <a:endParaRPr lang="en-US" sz="1600" b="1" dirty="0" smtClean="0">
+              <a:latin typeface="Arial" panose="020B0604020202020204" pitchFamily="34" charset="0"/>
+              <a:cs typeface="Arial" panose="020B0604020202020204" pitchFamily="34" charset="0"/>
+            </a:endParaRPr>
+          </a:p>
+          <a:p>
+            <a:endParaRPr lang="en-US" sz="1600" b="1" dirty="0">
+              <a:latin typeface="Arial" panose="020B0604020202020204" pitchFamily="34" charset="0"/>
+              <a:cs typeface="Arial" panose="020B0604020202020204" pitchFamily="34" charset="0"/>
+            </a:endParaRPr>
+          </a:p>
+          <a:p>
+            <a:endParaRPr lang="en-US" sz="1600" b="1" dirty="0" smtClean="0">
+              <a:latin typeface="Arial" panose="020B0604020202020204" pitchFamily="34" charset="0"/>
+              <a:cs typeface="Arial" panose="020B0604020202020204" pitchFamily="34" charset="0"/>
+            </a:endParaRPr>
+          </a:p>
+          <a:p>
+            <a:endParaRPr lang="en-US" sz="1600" b="1" dirty="0">
+              <a:latin typeface="Arial" panose="020B0604020202020204" pitchFamily="34" charset="0"/>
+              <a:cs typeface="Arial" panose="020B0604020202020204" pitchFamily="34" charset="0"/>
+            </a:endParaRPr>
+          </a:p>
+          <a:p>
+            <a:r>
+              <a:rPr lang="en-US" sz="1600" b="1" dirty="0" smtClean="0">
+                <a:latin typeface="Arial" panose="020B0604020202020204" pitchFamily="34" charset="0"/>
+                <a:cs typeface="Arial" panose="020B0604020202020204" pitchFamily="34" charset="0"/>
+                <a:hlinkClick r:id="rId2" action="ppaction://hlinksldjump"/>
+              </a:rPr>
+              <a:t>BACKGROUND OF THE STUDY</a:t>
+            </a:r>
+            <a:endParaRPr lang="en-US" sz="1600" b="1" dirty="0" smtClean="0">
+              <a:latin typeface="Arial" panose="020B0604020202020204" pitchFamily="34" charset="0"/>
+              <a:cs typeface="Arial" panose="020B0604020202020204" pitchFamily="34" charset="0"/>
+            </a:endParaRPr>
+          </a:p>
+          <a:p>
+            <a:endParaRPr lang="en-US" sz="1600" b="1" dirty="0">
+              <a:latin typeface="Arial" panose="020B0604020202020204" pitchFamily="34" charset="0"/>
+              <a:cs typeface="Arial" panose="020B0604020202020204" pitchFamily="34" charset="0"/>
+            </a:endParaRPr>
+          </a:p>
+          <a:p>
+            <a:r>
+              <a:rPr lang="en-US" sz="1600" b="1" dirty="0" smtClean="0">
+                <a:latin typeface="Arial" panose="020B0604020202020204" pitchFamily="34" charset="0"/>
+                <a:cs typeface="Arial" panose="020B0604020202020204" pitchFamily="34" charset="0"/>
+                <a:hlinkClick r:id="rId3" action="ppaction://hlinksldjump"/>
+              </a:rPr>
+              <a:t>STATEMENT OF THE PROBLEM</a:t>
+            </a:r>
+            <a:endParaRPr lang="en-US" sz="1600" b="1" dirty="0" smtClean="0">
+              <a:latin typeface="Arial" panose="020B0604020202020204" pitchFamily="34" charset="0"/>
+              <a:cs typeface="Arial" panose="020B0604020202020204" pitchFamily="34" charset="0"/>
+            </a:endParaRPr>
+          </a:p>
+          <a:p>
+            <a:endParaRPr lang="en-US" sz="1600" b="1" dirty="0">
+              <a:latin typeface="Arial" panose="020B0604020202020204" pitchFamily="34" charset="0"/>
+              <a:cs typeface="Arial" panose="020B0604020202020204" pitchFamily="34" charset="0"/>
+            </a:endParaRPr>
+          </a:p>
+          <a:p>
+            <a:r>
+              <a:rPr lang="en-US" sz="1600" b="1" dirty="0" smtClean="0">
+                <a:latin typeface="Arial" panose="020B0604020202020204" pitchFamily="34" charset="0"/>
+                <a:cs typeface="Arial" panose="020B0604020202020204" pitchFamily="34" charset="0"/>
+                <a:hlinkClick r:id="rId4" action="ppaction://hlinksldjump"/>
+              </a:rPr>
+              <a:t>HYPOTHESIS</a:t>
+            </a:r>
+            <a:endParaRPr lang="en-US" sz="1600" b="1" dirty="0" smtClean="0">
+              <a:latin typeface="Arial" panose="020B0604020202020204" pitchFamily="34" charset="0"/>
+              <a:cs typeface="Arial" panose="020B0604020202020204" pitchFamily="34" charset="0"/>
+            </a:endParaRPr>
+          </a:p>
+          <a:p>
+            <a:endParaRPr lang="en-US" sz="1600" b="1" dirty="0">
+              <a:latin typeface="Arial" panose="020B0604020202020204" pitchFamily="34" charset="0"/>
+              <a:cs typeface="Arial" panose="020B0604020202020204" pitchFamily="34" charset="0"/>
+            </a:endParaRPr>
+          </a:p>
+          <a:p>
+            <a:r>
+              <a:rPr lang="en-US" sz="1600" b="1" dirty="0" smtClean="0">
+                <a:latin typeface="Arial" panose="020B0604020202020204" pitchFamily="34" charset="0"/>
+                <a:cs typeface="Arial" panose="020B0604020202020204" pitchFamily="34" charset="0"/>
+                <a:hlinkClick r:id="rId5" action="ppaction://hlinksldjump"/>
+              </a:rPr>
+              <a:t>RESEARCH METHOD USED</a:t>
+            </a:r>
+            <a:endParaRPr lang="en-US" sz="1600" b="1" dirty="0" smtClean="0">
+              <a:latin typeface="Arial" panose="020B0604020202020204" pitchFamily="34" charset="0"/>
+              <a:cs typeface="Arial" panose="020B0604020202020204" pitchFamily="34" charset="0"/>
+            </a:endParaRPr>
+          </a:p>
+          <a:p>
+            <a:endParaRPr lang="en-US" sz="1600" b="1" dirty="0">
+              <a:latin typeface="Arial" panose="020B0604020202020204" pitchFamily="34" charset="0"/>
+              <a:cs typeface="Arial" panose="020B0604020202020204" pitchFamily="34" charset="0"/>
+            </a:endParaRPr>
+          </a:p>
+          <a:p>
+            <a:r>
+              <a:rPr lang="en-US" sz="1600" b="1" dirty="0" smtClean="0">
+                <a:latin typeface="Arial" panose="020B0604020202020204" pitchFamily="34" charset="0"/>
+                <a:cs typeface="Arial" panose="020B0604020202020204" pitchFamily="34" charset="0"/>
+                <a:hlinkClick r:id="rId6" action="ppaction://hlinksldjump"/>
+              </a:rPr>
+              <a:t>SYSTEM ARCHITECTURE</a:t>
+            </a:r>
+            <a:endParaRPr lang="en-US" sz="1600" b="1" dirty="0" smtClean="0">
+              <a:latin typeface="Arial" panose="020B0604020202020204" pitchFamily="34" charset="0"/>
+              <a:cs typeface="Arial" panose="020B0604020202020204" pitchFamily="34" charset="0"/>
+            </a:endParaRPr>
+          </a:p>
+          <a:p>
+            <a:endParaRPr lang="en-US" sz="1600" b="1" dirty="0">
+              <a:latin typeface="Arial" panose="020B0604020202020204" pitchFamily="34" charset="0"/>
+              <a:cs typeface="Arial" panose="020B0604020202020204" pitchFamily="34" charset="0"/>
+            </a:endParaRPr>
+          </a:p>
+          <a:p>
+            <a:r>
+              <a:rPr lang="en-US" sz="1600" b="1" dirty="0" smtClean="0">
+                <a:latin typeface="Arial" panose="020B0604020202020204" pitchFamily="34" charset="0"/>
+                <a:cs typeface="Arial" panose="020B0604020202020204" pitchFamily="34" charset="0"/>
+                <a:hlinkClick r:id="rId7" action="ppaction://hlinksldjump"/>
+              </a:rPr>
+              <a:t>EXPERIMENT PAPER</a:t>
+            </a:r>
+            <a:endParaRPr lang="en-US" sz="1600" b="1" dirty="0" smtClean="0">
+              <a:latin typeface="Arial" panose="020B0604020202020204" pitchFamily="34" charset="0"/>
+              <a:cs typeface="Arial" panose="020B0604020202020204" pitchFamily="34" charset="0"/>
+            </a:endParaRPr>
+          </a:p>
+          <a:p>
+            <a:endParaRPr lang="en-US" sz="1600" b="1" dirty="0">
+              <a:latin typeface="Arial" panose="020B0604020202020204" pitchFamily="34" charset="0"/>
+              <a:cs typeface="Arial" panose="020B0604020202020204" pitchFamily="34" charset="0"/>
+            </a:endParaRPr>
+          </a:p>
+          <a:p>
+            <a:r>
+              <a:rPr lang="en-US" sz="1600" b="1" dirty="0" smtClean="0">
+                <a:latin typeface="Arial" panose="020B0604020202020204" pitchFamily="34" charset="0"/>
+                <a:cs typeface="Arial" panose="020B0604020202020204" pitchFamily="34" charset="0"/>
+                <a:hlinkClick r:id="rId8" action="ppaction://hlinksldjump"/>
+              </a:rPr>
+              <a:t>STATISTICAL TREATMENT</a:t>
+            </a:r>
+            <a:endParaRPr lang="en-US" sz="1600" b="1" dirty="0">
+              <a:latin typeface="Arial" panose="020B0604020202020204" pitchFamily="34" charset="0"/>
+              <a:cs typeface="Arial" panose="020B0604020202020204" pitchFamily="34" charset="0"/>
+            </a:endParaRPr>
+          </a:p>
+        </p:txBody>
+      </p:sp>
+    </p:spTree>
+    <p:extLst>
+      <p:ext uri="{BB962C8B-B14F-4D97-AF65-F5344CB8AC3E}">
+        <p14:creationId xmlns:p14="http://schemas.microsoft.com/office/powerpoint/2010/main" val="2386945579"/>
+      </p:ext>
+    </p:extLst>
+  </p:cSld>
+  <p:clrMapOvr>
+    <a:masterClrMapping/>
+  </p:clrMapOvr>
+  <p:transition spd="slow">
+    <p:push dir="u"/>
+  </p:transition>
+  <p:timing>
+    <p:tnLst>
+      <p:par>
+        <p:cTn id="1" dur="indefinite" restart="never" nodeType="tmRoot"/>
+      </p:par>
+    </p:tnLst>
+  </p:timing>
+</p:sld>
+</file>
+
+<file path=ppt/slides/slide17.xml><?xml version="1.0" encoding="utf-8"?>
+<p:sld xmlns:a="http://schemas.openxmlformats.org/drawingml/2006/main" xmlns:r="http://schemas.openxmlformats.org/officeDocument/2006/relationships" xmlns:p="http://schemas.openxmlformats.org/presentationml/2006/main">
+  <p:cSld>
+    <p:spTree>
+      <p:nvGrpSpPr>
+        <p:cNvPr id="1" name=""/>
+        <p:cNvGrpSpPr/>
+        <p:nvPr/>
+      </p:nvGrpSpPr>
+      <p:grpSpPr>
+        <a:xfrm>
+          <a:off x="0" y="0"/>
+          <a:ext cx="0" cy="0"/>
+          <a:chOff x="0" y="0"/>
+          <a:chExt cx="0" cy="0"/>
+        </a:xfrm>
+      </p:grpSpPr>
+      <p:sp>
+        <p:nvSpPr>
+          <p:cNvPr id="2" name="Title 1"/>
+          <p:cNvSpPr>
+            <a:spLocks noGrp="1"/>
+          </p:cNvSpPr>
+          <p:nvPr>
+            <p:ph type="title"/>
+          </p:nvPr>
+        </p:nvSpPr>
+        <p:spPr>
+          <a:xfrm>
+            <a:off x="0" y="0"/>
+            <a:ext cx="9079606" cy="1325563"/>
+          </a:xfrm>
+        </p:spPr>
+        <p:style>
+          <a:lnRef idx="2">
+            <a:schemeClr val="accent6"/>
+          </a:lnRef>
+          <a:fillRef idx="1">
+            <a:schemeClr val="lt1"/>
+          </a:fillRef>
+          <a:effectRef idx="0">
+            <a:schemeClr val="accent6"/>
+          </a:effectRef>
+          <a:fontRef idx="minor">
+            <a:schemeClr val="dk1"/>
+          </a:fontRef>
+        </p:style>
+        <p:txBody>
+          <a:bodyPr/>
+          <a:lstStyle/>
+          <a:p>
+            <a:pPr algn="ctr"/>
+            <a:r>
+              <a:rPr lang="en-US" b="1" dirty="0" smtClean="0">
+                <a:latin typeface="Arial" panose="020B0604020202020204" pitchFamily="34" charset="0"/>
+                <a:cs typeface="Arial" panose="020B0604020202020204" pitchFamily="34" charset="0"/>
+              </a:rPr>
+              <a:t>HYPOTHESIS</a:t>
+            </a:r>
+            <a:endParaRPr lang="en-US" b="1" dirty="0">
+              <a:latin typeface="Arial" panose="020B0604020202020204" pitchFamily="34" charset="0"/>
+              <a:cs typeface="Arial" panose="020B0604020202020204" pitchFamily="34" charset="0"/>
+            </a:endParaRPr>
+          </a:p>
+        </p:txBody>
+      </p:sp>
+      <p:sp>
+        <p:nvSpPr>
+          <p:cNvPr id="3" name="Content Placeholder 2"/>
+          <p:cNvSpPr>
+            <a:spLocks noGrp="1"/>
+          </p:cNvSpPr>
+          <p:nvPr>
+            <p:ph idx="1"/>
+          </p:nvPr>
+        </p:nvSpPr>
+        <p:spPr>
+          <a:xfrm>
+            <a:off x="0" y="1325562"/>
+            <a:ext cx="9079606" cy="5532437"/>
+          </a:xfrm>
+        </p:spPr>
+        <p:style>
+          <a:lnRef idx="2">
+            <a:schemeClr val="dk1"/>
+          </a:lnRef>
+          <a:fillRef idx="1">
+            <a:schemeClr val="lt1"/>
+          </a:fillRef>
+          <a:effectRef idx="0">
+            <a:schemeClr val="dk1"/>
+          </a:effectRef>
+          <a:fontRef idx="minor">
+            <a:schemeClr val="dk1"/>
+          </a:fontRef>
+        </p:style>
+        <p:txBody>
+          <a:bodyPr/>
+          <a:lstStyle/>
+          <a:p>
+            <a:pPr marL="0" indent="0" algn="just">
+              <a:buNone/>
+            </a:pPr>
+            <a:endParaRPr lang="en-US" dirty="0" smtClean="0">
+              <a:latin typeface="Arial" panose="020B0604020202020204" pitchFamily="34" charset="0"/>
+              <a:cs typeface="Arial" panose="020B0604020202020204" pitchFamily="34" charset="0"/>
+            </a:endParaRPr>
+          </a:p>
+          <a:p>
+            <a:pPr marL="0" indent="0" algn="just">
+              <a:buNone/>
+            </a:pPr>
+            <a:endParaRPr lang="en-US" dirty="0" smtClean="0">
+              <a:latin typeface="Arial" panose="020B0604020202020204" pitchFamily="34" charset="0"/>
+              <a:cs typeface="Arial" panose="020B0604020202020204" pitchFamily="34" charset="0"/>
+            </a:endParaRPr>
+          </a:p>
+          <a:p>
+            <a:pPr algn="just"/>
+            <a:r>
+              <a:rPr lang="en-US" dirty="0">
+                <a:latin typeface="Arial" panose="020B0604020202020204" pitchFamily="34" charset="0"/>
+                <a:cs typeface="Arial" panose="020B0604020202020204" pitchFamily="34" charset="0"/>
+              </a:rPr>
+              <a:t>The Inappropriate Expressions Recognition has a significant difference in terms of effectiveness when trained in different data sets of Inappropriate Expressions in terms of:</a:t>
+            </a:r>
+          </a:p>
+          <a:p>
+            <a:pPr lvl="1" algn="just"/>
+            <a:r>
+              <a:rPr lang="en-US" sz="2800" dirty="0">
+                <a:latin typeface="Arial" panose="020B0604020202020204" pitchFamily="34" charset="0"/>
+                <a:cs typeface="Arial" panose="020B0604020202020204" pitchFamily="34" charset="0"/>
+              </a:rPr>
+              <a:t>Recognition of Inappropriate expressions.</a:t>
+            </a:r>
+          </a:p>
+          <a:p>
+            <a:pPr lvl="1" algn="just"/>
+            <a:r>
+              <a:rPr lang="en-US" sz="2800" dirty="0">
+                <a:latin typeface="Arial" panose="020B0604020202020204" pitchFamily="34" charset="0"/>
+                <a:cs typeface="Arial" panose="020B0604020202020204" pitchFamily="34" charset="0"/>
+              </a:rPr>
+              <a:t>Recognition of Appropriate expressions.</a:t>
+            </a:r>
+          </a:p>
+          <a:p>
+            <a:pPr marL="0" indent="0">
+              <a:buNone/>
+            </a:pPr>
+            <a:endParaRPr lang="en-US" dirty="0"/>
+          </a:p>
+        </p:txBody>
+      </p:sp>
+      <p:sp>
+        <p:nvSpPr>
+          <p:cNvPr id="4" name="TextBox 3"/>
+          <p:cNvSpPr txBox="1"/>
+          <p:nvPr/>
+        </p:nvSpPr>
+        <p:spPr>
+          <a:xfrm>
+            <a:off x="9079607" y="0"/>
+            <a:ext cx="3112394" cy="6858000"/>
+          </a:xfrm>
+          <a:prstGeom prst="rect">
+            <a:avLst/>
+          </a:prstGeom>
+        </p:spPr>
+        <p:style>
+          <a:lnRef idx="2">
+            <a:schemeClr val="dk1">
+              <a:shade val="50000"/>
+            </a:schemeClr>
+          </a:lnRef>
+          <a:fillRef idx="1">
+            <a:schemeClr val="dk1"/>
+          </a:fillRef>
+          <a:effectRef idx="0">
+            <a:schemeClr val="dk1"/>
+          </a:effectRef>
+          <a:fontRef idx="minor">
+            <a:schemeClr val="lt1"/>
+          </a:fontRef>
+        </p:style>
+        <p:txBody>
+          <a:bodyPr wrap="square" rtlCol="0">
+            <a:spAutoFit/>
+          </a:bodyPr>
+          <a:lstStyle/>
+          <a:p>
+            <a:endParaRPr lang="en-US" dirty="0"/>
+          </a:p>
+        </p:txBody>
+      </p:sp>
+      <p:sp>
+        <p:nvSpPr>
+          <p:cNvPr id="8" name="TextBox 7"/>
+          <p:cNvSpPr txBox="1"/>
+          <p:nvPr/>
+        </p:nvSpPr>
+        <p:spPr>
+          <a:xfrm>
+            <a:off x="9079607" y="30274"/>
+            <a:ext cx="3112393" cy="5262979"/>
+          </a:xfrm>
+          <a:prstGeom prst="rect">
+            <a:avLst/>
+          </a:prstGeom>
+        </p:spPr>
+        <p:style>
+          <a:lnRef idx="2">
+            <a:schemeClr val="dk1">
+              <a:shade val="50000"/>
+            </a:schemeClr>
+          </a:lnRef>
+          <a:fillRef idx="1">
+            <a:schemeClr val="dk1"/>
+          </a:fillRef>
+          <a:effectRef idx="0">
+            <a:schemeClr val="dk1"/>
+          </a:effectRef>
+          <a:fontRef idx="minor">
+            <a:schemeClr val="lt1"/>
+          </a:fontRef>
+        </p:style>
+        <p:txBody>
+          <a:bodyPr wrap="square" rtlCol="0">
+            <a:spAutoFit/>
+          </a:bodyPr>
+          <a:lstStyle/>
+          <a:p>
+            <a:endParaRPr lang="en-US" sz="1600" b="1" dirty="0" smtClean="0">
+              <a:latin typeface="Arial" panose="020B0604020202020204" pitchFamily="34" charset="0"/>
+              <a:cs typeface="Arial" panose="020B0604020202020204" pitchFamily="34" charset="0"/>
+            </a:endParaRPr>
+          </a:p>
+          <a:p>
+            <a:endParaRPr lang="en-US" sz="1600" b="1" dirty="0">
+              <a:latin typeface="Arial" panose="020B0604020202020204" pitchFamily="34" charset="0"/>
+              <a:cs typeface="Arial" panose="020B0604020202020204" pitchFamily="34" charset="0"/>
+            </a:endParaRPr>
+          </a:p>
+          <a:p>
+            <a:endParaRPr lang="en-US" sz="1600" b="1" dirty="0" smtClean="0">
+              <a:latin typeface="Arial" panose="020B0604020202020204" pitchFamily="34" charset="0"/>
+              <a:cs typeface="Arial" panose="020B0604020202020204" pitchFamily="34" charset="0"/>
+            </a:endParaRPr>
+          </a:p>
+          <a:p>
+            <a:endParaRPr lang="en-US" sz="1600" b="1" dirty="0">
+              <a:latin typeface="Arial" panose="020B0604020202020204" pitchFamily="34" charset="0"/>
+              <a:cs typeface="Arial" panose="020B0604020202020204" pitchFamily="34" charset="0"/>
+            </a:endParaRPr>
+          </a:p>
+          <a:p>
+            <a:endParaRPr lang="en-US" sz="1600" b="1" dirty="0" smtClean="0">
+              <a:latin typeface="Arial" panose="020B0604020202020204" pitchFamily="34" charset="0"/>
+              <a:cs typeface="Arial" panose="020B0604020202020204" pitchFamily="34" charset="0"/>
+            </a:endParaRPr>
+          </a:p>
+          <a:p>
+            <a:endParaRPr lang="en-US" sz="1600" b="1" dirty="0">
+              <a:latin typeface="Arial" panose="020B0604020202020204" pitchFamily="34" charset="0"/>
+              <a:cs typeface="Arial" panose="020B0604020202020204" pitchFamily="34" charset="0"/>
+            </a:endParaRPr>
+          </a:p>
+          <a:p>
+            <a:r>
+              <a:rPr lang="en-US" sz="1600" b="1" dirty="0" smtClean="0">
+                <a:latin typeface="Arial" panose="020B0604020202020204" pitchFamily="34" charset="0"/>
+                <a:cs typeface="Arial" panose="020B0604020202020204" pitchFamily="34" charset="0"/>
+                <a:hlinkClick r:id="rId2" action="ppaction://hlinksldjump"/>
+              </a:rPr>
+              <a:t>BACKGROUND OF THE STUDY</a:t>
+            </a:r>
+            <a:endParaRPr lang="en-US" sz="1600" b="1" dirty="0" smtClean="0">
+              <a:latin typeface="Arial" panose="020B0604020202020204" pitchFamily="34" charset="0"/>
+              <a:cs typeface="Arial" panose="020B0604020202020204" pitchFamily="34" charset="0"/>
+            </a:endParaRPr>
+          </a:p>
+          <a:p>
+            <a:endParaRPr lang="en-US" sz="1600" b="1" dirty="0">
+              <a:latin typeface="Arial" panose="020B0604020202020204" pitchFamily="34" charset="0"/>
+              <a:cs typeface="Arial" panose="020B0604020202020204" pitchFamily="34" charset="0"/>
+            </a:endParaRPr>
+          </a:p>
+          <a:p>
+            <a:r>
+              <a:rPr lang="en-US" sz="1600" b="1" dirty="0" smtClean="0">
+                <a:latin typeface="Arial" panose="020B0604020202020204" pitchFamily="34" charset="0"/>
+                <a:cs typeface="Arial" panose="020B0604020202020204" pitchFamily="34" charset="0"/>
+                <a:hlinkClick r:id="rId3" action="ppaction://hlinksldjump"/>
+              </a:rPr>
+              <a:t>STATEMENT OF THE PROBLEM</a:t>
+            </a:r>
+            <a:endParaRPr lang="en-US" sz="1600" b="1" dirty="0" smtClean="0">
+              <a:latin typeface="Arial" panose="020B0604020202020204" pitchFamily="34" charset="0"/>
+              <a:cs typeface="Arial" panose="020B0604020202020204" pitchFamily="34" charset="0"/>
+            </a:endParaRPr>
+          </a:p>
+          <a:p>
+            <a:endParaRPr lang="en-US" sz="1600" b="1" dirty="0">
+              <a:latin typeface="Arial" panose="020B0604020202020204" pitchFamily="34" charset="0"/>
+              <a:cs typeface="Arial" panose="020B0604020202020204" pitchFamily="34" charset="0"/>
+            </a:endParaRPr>
+          </a:p>
+          <a:p>
+            <a:r>
+              <a:rPr lang="en-US" sz="1600" b="1" dirty="0" smtClean="0">
+                <a:latin typeface="Arial" panose="020B0604020202020204" pitchFamily="34" charset="0"/>
+                <a:cs typeface="Arial" panose="020B0604020202020204" pitchFamily="34" charset="0"/>
+                <a:hlinkClick r:id="rId4" action="ppaction://hlinksldjump"/>
+              </a:rPr>
+              <a:t>HYPOTHESIS</a:t>
+            </a:r>
+            <a:endParaRPr lang="en-US" sz="1600" b="1" dirty="0" smtClean="0">
+              <a:latin typeface="Arial" panose="020B0604020202020204" pitchFamily="34" charset="0"/>
+              <a:cs typeface="Arial" panose="020B0604020202020204" pitchFamily="34" charset="0"/>
+            </a:endParaRPr>
+          </a:p>
+          <a:p>
+            <a:endParaRPr lang="en-US" sz="1600" b="1" dirty="0">
+              <a:latin typeface="Arial" panose="020B0604020202020204" pitchFamily="34" charset="0"/>
+              <a:cs typeface="Arial" panose="020B0604020202020204" pitchFamily="34" charset="0"/>
+            </a:endParaRPr>
+          </a:p>
+          <a:p>
+            <a:r>
+              <a:rPr lang="en-US" sz="1600" b="1" dirty="0" smtClean="0">
+                <a:latin typeface="Arial" panose="020B0604020202020204" pitchFamily="34" charset="0"/>
+                <a:cs typeface="Arial" panose="020B0604020202020204" pitchFamily="34" charset="0"/>
+                <a:hlinkClick r:id="rId5" action="ppaction://hlinksldjump"/>
+              </a:rPr>
+              <a:t>RESEARCH METHOD USED</a:t>
+            </a:r>
+            <a:endParaRPr lang="en-US" sz="1600" b="1" dirty="0" smtClean="0">
+              <a:latin typeface="Arial" panose="020B0604020202020204" pitchFamily="34" charset="0"/>
+              <a:cs typeface="Arial" panose="020B0604020202020204" pitchFamily="34" charset="0"/>
+            </a:endParaRPr>
+          </a:p>
+          <a:p>
+            <a:endParaRPr lang="en-US" sz="1600" b="1" dirty="0">
+              <a:latin typeface="Arial" panose="020B0604020202020204" pitchFamily="34" charset="0"/>
+              <a:cs typeface="Arial" panose="020B0604020202020204" pitchFamily="34" charset="0"/>
+            </a:endParaRPr>
+          </a:p>
+          <a:p>
+            <a:r>
+              <a:rPr lang="en-US" sz="1600" b="1" dirty="0" smtClean="0">
+                <a:latin typeface="Arial" panose="020B0604020202020204" pitchFamily="34" charset="0"/>
+                <a:cs typeface="Arial" panose="020B0604020202020204" pitchFamily="34" charset="0"/>
+                <a:hlinkClick r:id="rId6" action="ppaction://hlinksldjump"/>
+              </a:rPr>
+              <a:t>SYSTEM ARCHITECTURE</a:t>
+            </a:r>
+            <a:endParaRPr lang="en-US" sz="1600" b="1" dirty="0" smtClean="0">
+              <a:latin typeface="Arial" panose="020B0604020202020204" pitchFamily="34" charset="0"/>
+              <a:cs typeface="Arial" panose="020B0604020202020204" pitchFamily="34" charset="0"/>
+            </a:endParaRPr>
+          </a:p>
+          <a:p>
+            <a:endParaRPr lang="en-US" sz="1600" b="1" dirty="0">
+              <a:latin typeface="Arial" panose="020B0604020202020204" pitchFamily="34" charset="0"/>
+              <a:cs typeface="Arial" panose="020B0604020202020204" pitchFamily="34" charset="0"/>
+            </a:endParaRPr>
+          </a:p>
+          <a:p>
+            <a:r>
+              <a:rPr lang="en-US" sz="1600" b="1" dirty="0" smtClean="0">
+                <a:latin typeface="Arial" panose="020B0604020202020204" pitchFamily="34" charset="0"/>
+                <a:cs typeface="Arial" panose="020B0604020202020204" pitchFamily="34" charset="0"/>
+                <a:hlinkClick r:id="rId7" action="ppaction://hlinksldjump"/>
+              </a:rPr>
+              <a:t>EXPERIMENT PAPER</a:t>
+            </a:r>
+            <a:endParaRPr lang="en-US" sz="1600" b="1" dirty="0" smtClean="0">
+              <a:latin typeface="Arial" panose="020B0604020202020204" pitchFamily="34" charset="0"/>
+              <a:cs typeface="Arial" panose="020B0604020202020204" pitchFamily="34" charset="0"/>
+            </a:endParaRPr>
+          </a:p>
+          <a:p>
+            <a:endParaRPr lang="en-US" sz="1600" b="1" dirty="0">
+              <a:latin typeface="Arial" panose="020B0604020202020204" pitchFamily="34" charset="0"/>
+              <a:cs typeface="Arial" panose="020B0604020202020204" pitchFamily="34" charset="0"/>
+            </a:endParaRPr>
+          </a:p>
+          <a:p>
+            <a:r>
+              <a:rPr lang="en-US" sz="1600" b="1" dirty="0" smtClean="0">
+                <a:latin typeface="Arial" panose="020B0604020202020204" pitchFamily="34" charset="0"/>
+                <a:cs typeface="Arial" panose="020B0604020202020204" pitchFamily="34" charset="0"/>
+                <a:hlinkClick r:id="rId8" action="ppaction://hlinksldjump"/>
+              </a:rPr>
+              <a:t>STATISTICAL TREATMENT</a:t>
+            </a:r>
+            <a:endParaRPr lang="en-US" sz="1600" b="1" dirty="0">
+              <a:latin typeface="Arial" panose="020B0604020202020204" pitchFamily="34" charset="0"/>
+              <a:cs typeface="Arial" panose="020B0604020202020204" pitchFamily="34" charset="0"/>
+            </a:endParaRPr>
+          </a:p>
+        </p:txBody>
+      </p:sp>
+    </p:spTree>
+    <p:extLst>
+      <p:ext uri="{BB962C8B-B14F-4D97-AF65-F5344CB8AC3E}">
+        <p14:creationId xmlns:p14="http://schemas.microsoft.com/office/powerpoint/2010/main" val="137953146"/>
+      </p:ext>
+    </p:extLst>
+  </p:cSld>
+  <p:clrMapOvr>
+    <a:masterClrMapping/>
+  </p:clrMapOvr>
+  <p:transition spd="slow">
+    <p:push dir="u"/>
+  </p:transition>
+  <p:timing>
+    <p:tnLst>
+      <p:par>
+        <p:cTn id="1" dur="indefinite" restart="never" nodeType="tmRoot"/>
+      </p:par>
+    </p:tnLst>
+  </p:timing>
+</p:sld>
+</file>
+
+<file path=ppt/slides/slide18.xml><?xml version="1.0" encoding="utf-8"?>
+<p:sld xmlns:a="http://schemas.openxmlformats.org/drawingml/2006/main" xmlns:r="http://schemas.openxmlformats.org/officeDocument/2006/relationships" xmlns:p="http://schemas.openxmlformats.org/presentationml/2006/main">
+  <p:cSld>
+    <p:spTree>
+      <p:nvGrpSpPr>
+        <p:cNvPr id="1" name=""/>
+        <p:cNvGrpSpPr/>
+        <p:nvPr/>
+      </p:nvGrpSpPr>
+      <p:grpSpPr>
+        <a:xfrm>
+          <a:off x="0" y="0"/>
+          <a:ext cx="0" cy="0"/>
+          <a:chOff x="0" y="0"/>
+          <a:chExt cx="0" cy="0"/>
+        </a:xfrm>
+      </p:grpSpPr>
+      <p:sp>
+        <p:nvSpPr>
+          <p:cNvPr id="2" name="Title 1"/>
+          <p:cNvSpPr>
+            <a:spLocks noGrp="1"/>
+          </p:cNvSpPr>
+          <p:nvPr>
+            <p:ph type="title"/>
+          </p:nvPr>
+        </p:nvSpPr>
+        <p:spPr>
+          <a:xfrm>
+            <a:off x="0" y="0"/>
+            <a:ext cx="9079606" cy="1325563"/>
+          </a:xfrm>
+        </p:spPr>
+        <p:style>
+          <a:lnRef idx="2">
+            <a:schemeClr val="accent6"/>
+          </a:lnRef>
+          <a:fillRef idx="1">
+            <a:schemeClr val="lt1"/>
+          </a:fillRef>
+          <a:effectRef idx="0">
+            <a:schemeClr val="accent6"/>
+          </a:effectRef>
+          <a:fontRef idx="minor">
+            <a:schemeClr val="dk1"/>
+          </a:fontRef>
+        </p:style>
+        <p:txBody>
+          <a:bodyPr/>
+          <a:lstStyle/>
+          <a:p>
+            <a:pPr algn="ctr"/>
+            <a:r>
+              <a:rPr lang="en-US" b="1" dirty="0" smtClean="0">
+                <a:latin typeface="Arial" panose="020B0604020202020204" pitchFamily="34" charset="0"/>
+                <a:cs typeface="Arial" panose="020B0604020202020204" pitchFamily="34" charset="0"/>
+              </a:rPr>
+              <a:t>RESEARCH METHOD USED</a:t>
+            </a:r>
+            <a:endParaRPr lang="en-US" b="1" dirty="0">
+              <a:latin typeface="Arial" panose="020B0604020202020204" pitchFamily="34" charset="0"/>
+              <a:cs typeface="Arial" panose="020B0604020202020204" pitchFamily="34" charset="0"/>
+            </a:endParaRPr>
+          </a:p>
+        </p:txBody>
+      </p:sp>
+      <p:sp>
+        <p:nvSpPr>
+          <p:cNvPr id="3" name="Content Placeholder 2"/>
+          <p:cNvSpPr>
+            <a:spLocks noGrp="1"/>
+          </p:cNvSpPr>
+          <p:nvPr>
+            <p:ph idx="1"/>
+          </p:nvPr>
+        </p:nvSpPr>
+        <p:spPr>
+          <a:xfrm>
+            <a:off x="0" y="1325562"/>
+            <a:ext cx="9079606" cy="5532437"/>
+          </a:xfrm>
+        </p:spPr>
+        <p:style>
+          <a:lnRef idx="2">
+            <a:schemeClr val="dk1"/>
+          </a:lnRef>
+          <a:fillRef idx="1">
+            <a:schemeClr val="lt1"/>
+          </a:fillRef>
+          <a:effectRef idx="0">
+            <a:schemeClr val="dk1"/>
+          </a:effectRef>
+          <a:fontRef idx="minor">
+            <a:schemeClr val="dk1"/>
+          </a:fontRef>
+        </p:style>
+        <p:txBody>
+          <a:bodyPr/>
+          <a:lstStyle/>
+          <a:p>
+            <a:pPr marL="0" indent="0">
+              <a:buNone/>
+            </a:pPr>
+            <a:r>
+              <a:rPr lang="en-US" dirty="0" smtClean="0">
+                <a:latin typeface="Arial" panose="020B0604020202020204" pitchFamily="34" charset="0"/>
+                <a:cs typeface="Arial" panose="020B0604020202020204" pitchFamily="34" charset="0"/>
+              </a:rPr>
+              <a:t>	</a:t>
+            </a:r>
+          </a:p>
+          <a:p>
+            <a:pPr marL="0" indent="0">
+              <a:buNone/>
+            </a:pPr>
+            <a:endParaRPr lang="en-US" dirty="0">
+              <a:latin typeface="Arial" panose="020B0604020202020204" pitchFamily="34" charset="0"/>
+              <a:cs typeface="Arial" panose="020B0604020202020204" pitchFamily="34" charset="0"/>
+            </a:endParaRPr>
+          </a:p>
+          <a:p>
+            <a:pPr marL="0" indent="0" algn="just">
+              <a:buNone/>
+            </a:pPr>
+            <a:r>
+              <a:rPr lang="en-US" dirty="0" smtClean="0">
+                <a:latin typeface="Arial" panose="020B0604020202020204" pitchFamily="34" charset="0"/>
+                <a:cs typeface="Arial" panose="020B0604020202020204" pitchFamily="34" charset="0"/>
+              </a:rPr>
+              <a:t>	The </a:t>
+            </a:r>
+            <a:r>
+              <a:rPr lang="en-US" dirty="0">
+                <a:latin typeface="Arial" panose="020B0604020202020204" pitchFamily="34" charset="0"/>
+                <a:cs typeface="Arial" panose="020B0604020202020204" pitchFamily="34" charset="0"/>
+              </a:rPr>
+              <a:t>method used by the researchers in developing the study is </a:t>
+            </a:r>
+            <a:r>
+              <a:rPr lang="en-US" sz="3600" dirty="0">
+                <a:latin typeface="Arial" panose="020B0604020202020204" pitchFamily="34" charset="0"/>
+                <a:cs typeface="Arial" panose="020B0604020202020204" pitchFamily="34" charset="0"/>
+              </a:rPr>
+              <a:t>quasi-experimental method of research </a:t>
+            </a:r>
+            <a:r>
+              <a:rPr lang="en-US" dirty="0">
+                <a:latin typeface="Arial" panose="020B0604020202020204" pitchFamily="34" charset="0"/>
+                <a:cs typeface="Arial" panose="020B0604020202020204" pitchFamily="34" charset="0"/>
+              </a:rPr>
+              <a:t>that describes and analyzes the relation of the Bootstrapping Machine Learning as opposed to its relation to performance of Inappropriate Expressions. The researchers of this study conducted a pre-test and post-test about the implementation of the system. In this method, researches and studies were used to come up with the expected result.</a:t>
+            </a:r>
+          </a:p>
+          <a:p>
+            <a:endParaRPr lang="en-US" dirty="0"/>
+          </a:p>
+        </p:txBody>
+      </p:sp>
+      <p:sp>
+        <p:nvSpPr>
+          <p:cNvPr id="4" name="TextBox 3"/>
+          <p:cNvSpPr txBox="1"/>
+          <p:nvPr/>
+        </p:nvSpPr>
+        <p:spPr>
+          <a:xfrm>
+            <a:off x="9079607" y="0"/>
+            <a:ext cx="3112394" cy="6858000"/>
+          </a:xfrm>
+          <a:prstGeom prst="rect">
+            <a:avLst/>
+          </a:prstGeom>
+        </p:spPr>
+        <p:style>
+          <a:lnRef idx="2">
+            <a:schemeClr val="dk1">
+              <a:shade val="50000"/>
+            </a:schemeClr>
+          </a:lnRef>
+          <a:fillRef idx="1">
+            <a:schemeClr val="dk1"/>
+          </a:fillRef>
+          <a:effectRef idx="0">
+            <a:schemeClr val="dk1"/>
+          </a:effectRef>
+          <a:fontRef idx="minor">
+            <a:schemeClr val="lt1"/>
+          </a:fontRef>
+        </p:style>
+        <p:txBody>
+          <a:bodyPr wrap="square" rtlCol="0">
+            <a:spAutoFit/>
+          </a:bodyPr>
+          <a:lstStyle/>
+          <a:p>
+            <a:endParaRPr lang="en-US" dirty="0"/>
+          </a:p>
+        </p:txBody>
+      </p:sp>
+      <p:sp>
+        <p:nvSpPr>
+          <p:cNvPr id="8" name="TextBox 7"/>
+          <p:cNvSpPr txBox="1"/>
+          <p:nvPr/>
+        </p:nvSpPr>
+        <p:spPr>
+          <a:xfrm>
+            <a:off x="9079607" y="30274"/>
+            <a:ext cx="3112393" cy="5262979"/>
+          </a:xfrm>
+          <a:prstGeom prst="rect">
+            <a:avLst/>
+          </a:prstGeom>
+        </p:spPr>
+        <p:style>
+          <a:lnRef idx="2">
+            <a:schemeClr val="dk1">
+              <a:shade val="50000"/>
+            </a:schemeClr>
+          </a:lnRef>
+          <a:fillRef idx="1">
+            <a:schemeClr val="dk1"/>
+          </a:fillRef>
+          <a:effectRef idx="0">
+            <a:schemeClr val="dk1"/>
+          </a:effectRef>
+          <a:fontRef idx="minor">
+            <a:schemeClr val="lt1"/>
+          </a:fontRef>
+        </p:style>
+        <p:txBody>
+          <a:bodyPr wrap="square" rtlCol="0">
+            <a:spAutoFit/>
+          </a:bodyPr>
+          <a:lstStyle/>
+          <a:p>
+            <a:endParaRPr lang="en-US" sz="1600" b="1" dirty="0" smtClean="0">
+              <a:latin typeface="Arial" panose="020B0604020202020204" pitchFamily="34" charset="0"/>
+              <a:cs typeface="Arial" panose="020B0604020202020204" pitchFamily="34" charset="0"/>
+            </a:endParaRPr>
+          </a:p>
+          <a:p>
+            <a:endParaRPr lang="en-US" sz="1600" b="1" dirty="0">
+              <a:latin typeface="Arial" panose="020B0604020202020204" pitchFamily="34" charset="0"/>
+              <a:cs typeface="Arial" panose="020B0604020202020204" pitchFamily="34" charset="0"/>
+            </a:endParaRPr>
+          </a:p>
+          <a:p>
+            <a:endParaRPr lang="en-US" sz="1600" b="1" dirty="0" smtClean="0">
+              <a:latin typeface="Arial" panose="020B0604020202020204" pitchFamily="34" charset="0"/>
+              <a:cs typeface="Arial" panose="020B0604020202020204" pitchFamily="34" charset="0"/>
+            </a:endParaRPr>
+          </a:p>
+          <a:p>
+            <a:endParaRPr lang="en-US" sz="1600" b="1" dirty="0">
+              <a:latin typeface="Arial" panose="020B0604020202020204" pitchFamily="34" charset="0"/>
+              <a:cs typeface="Arial" panose="020B0604020202020204" pitchFamily="34" charset="0"/>
+            </a:endParaRPr>
+          </a:p>
+          <a:p>
+            <a:endParaRPr lang="en-US" sz="1600" b="1" dirty="0" smtClean="0">
+              <a:latin typeface="Arial" panose="020B0604020202020204" pitchFamily="34" charset="0"/>
+              <a:cs typeface="Arial" panose="020B0604020202020204" pitchFamily="34" charset="0"/>
+            </a:endParaRPr>
+          </a:p>
+          <a:p>
+            <a:endParaRPr lang="en-US" sz="1600" b="1" dirty="0">
+              <a:latin typeface="Arial" panose="020B0604020202020204" pitchFamily="34" charset="0"/>
+              <a:cs typeface="Arial" panose="020B0604020202020204" pitchFamily="34" charset="0"/>
+            </a:endParaRPr>
+          </a:p>
+          <a:p>
+            <a:r>
+              <a:rPr lang="en-US" sz="1600" b="1" dirty="0" smtClean="0">
+                <a:latin typeface="Arial" panose="020B0604020202020204" pitchFamily="34" charset="0"/>
+                <a:cs typeface="Arial" panose="020B0604020202020204" pitchFamily="34" charset="0"/>
+                <a:hlinkClick r:id="rId2" action="ppaction://hlinksldjump"/>
+              </a:rPr>
+              <a:t>BACKGROUND OF THE STUDY</a:t>
+            </a:r>
+            <a:endParaRPr lang="en-US" sz="1600" b="1" dirty="0" smtClean="0">
+              <a:latin typeface="Arial" panose="020B0604020202020204" pitchFamily="34" charset="0"/>
+              <a:cs typeface="Arial" panose="020B0604020202020204" pitchFamily="34" charset="0"/>
+            </a:endParaRPr>
+          </a:p>
+          <a:p>
+            <a:endParaRPr lang="en-US" sz="1600" b="1" dirty="0">
+              <a:latin typeface="Arial" panose="020B0604020202020204" pitchFamily="34" charset="0"/>
+              <a:cs typeface="Arial" panose="020B0604020202020204" pitchFamily="34" charset="0"/>
+            </a:endParaRPr>
+          </a:p>
+          <a:p>
+            <a:r>
+              <a:rPr lang="en-US" sz="1600" b="1" dirty="0" smtClean="0">
+                <a:latin typeface="Arial" panose="020B0604020202020204" pitchFamily="34" charset="0"/>
+                <a:cs typeface="Arial" panose="020B0604020202020204" pitchFamily="34" charset="0"/>
+                <a:hlinkClick r:id="rId3" action="ppaction://hlinksldjump"/>
+              </a:rPr>
+              <a:t>STATEMENT OF THE PROBLEM</a:t>
+            </a:r>
+            <a:endParaRPr lang="en-US" sz="1600" b="1" dirty="0" smtClean="0">
+              <a:latin typeface="Arial" panose="020B0604020202020204" pitchFamily="34" charset="0"/>
+              <a:cs typeface="Arial" panose="020B0604020202020204" pitchFamily="34" charset="0"/>
+            </a:endParaRPr>
+          </a:p>
+          <a:p>
+            <a:endParaRPr lang="en-US" sz="1600" b="1" dirty="0">
+              <a:latin typeface="Arial" panose="020B0604020202020204" pitchFamily="34" charset="0"/>
+              <a:cs typeface="Arial" panose="020B0604020202020204" pitchFamily="34" charset="0"/>
+            </a:endParaRPr>
+          </a:p>
+          <a:p>
+            <a:r>
+              <a:rPr lang="en-US" sz="1600" b="1" dirty="0" smtClean="0">
+                <a:latin typeface="Arial" panose="020B0604020202020204" pitchFamily="34" charset="0"/>
+                <a:cs typeface="Arial" panose="020B0604020202020204" pitchFamily="34" charset="0"/>
+                <a:hlinkClick r:id="rId4" action="ppaction://hlinksldjump"/>
+              </a:rPr>
+              <a:t>HYPOTHESIS</a:t>
+            </a:r>
+            <a:endParaRPr lang="en-US" sz="1600" b="1" dirty="0" smtClean="0">
+              <a:latin typeface="Arial" panose="020B0604020202020204" pitchFamily="34" charset="0"/>
+              <a:cs typeface="Arial" panose="020B0604020202020204" pitchFamily="34" charset="0"/>
+            </a:endParaRPr>
+          </a:p>
+          <a:p>
+            <a:endParaRPr lang="en-US" sz="1600" b="1" dirty="0">
+              <a:latin typeface="Arial" panose="020B0604020202020204" pitchFamily="34" charset="0"/>
+              <a:cs typeface="Arial" panose="020B0604020202020204" pitchFamily="34" charset="0"/>
+            </a:endParaRPr>
+          </a:p>
+          <a:p>
+            <a:r>
+              <a:rPr lang="en-US" sz="1600" b="1" dirty="0" smtClean="0">
+                <a:latin typeface="Arial" panose="020B0604020202020204" pitchFamily="34" charset="0"/>
+                <a:cs typeface="Arial" panose="020B0604020202020204" pitchFamily="34" charset="0"/>
+                <a:hlinkClick r:id="rId5" action="ppaction://hlinksldjump"/>
+              </a:rPr>
+              <a:t>RESEARCH METHOD USED</a:t>
+            </a:r>
+            <a:endParaRPr lang="en-US" sz="1600" b="1" dirty="0" smtClean="0">
+              <a:latin typeface="Arial" panose="020B0604020202020204" pitchFamily="34" charset="0"/>
+              <a:cs typeface="Arial" panose="020B0604020202020204" pitchFamily="34" charset="0"/>
+            </a:endParaRPr>
+          </a:p>
+          <a:p>
+            <a:endParaRPr lang="en-US" sz="1600" b="1" dirty="0">
+              <a:latin typeface="Arial" panose="020B0604020202020204" pitchFamily="34" charset="0"/>
+              <a:cs typeface="Arial" panose="020B0604020202020204" pitchFamily="34" charset="0"/>
+            </a:endParaRPr>
+          </a:p>
+          <a:p>
+            <a:r>
+              <a:rPr lang="en-US" sz="1600" b="1" dirty="0" smtClean="0">
+                <a:latin typeface="Arial" panose="020B0604020202020204" pitchFamily="34" charset="0"/>
+                <a:cs typeface="Arial" panose="020B0604020202020204" pitchFamily="34" charset="0"/>
+                <a:hlinkClick r:id="rId6" action="ppaction://hlinksldjump"/>
+              </a:rPr>
+              <a:t>SYSTEM ARCHITECTURE</a:t>
+            </a:r>
+            <a:endParaRPr lang="en-US" sz="1600" b="1" dirty="0" smtClean="0">
+              <a:latin typeface="Arial" panose="020B0604020202020204" pitchFamily="34" charset="0"/>
+              <a:cs typeface="Arial" panose="020B0604020202020204" pitchFamily="34" charset="0"/>
+            </a:endParaRPr>
+          </a:p>
+          <a:p>
+            <a:endParaRPr lang="en-US" sz="1600" b="1" dirty="0">
+              <a:latin typeface="Arial" panose="020B0604020202020204" pitchFamily="34" charset="0"/>
+              <a:cs typeface="Arial" panose="020B0604020202020204" pitchFamily="34" charset="0"/>
+            </a:endParaRPr>
+          </a:p>
+          <a:p>
+            <a:r>
+              <a:rPr lang="en-US" sz="1600" b="1" dirty="0" smtClean="0">
+                <a:latin typeface="Arial" panose="020B0604020202020204" pitchFamily="34" charset="0"/>
+                <a:cs typeface="Arial" panose="020B0604020202020204" pitchFamily="34" charset="0"/>
+                <a:hlinkClick r:id="rId7" action="ppaction://hlinksldjump"/>
+              </a:rPr>
+              <a:t>EXPERIMENT PAPER</a:t>
+            </a:r>
+            <a:endParaRPr lang="en-US" sz="1600" b="1" dirty="0" smtClean="0">
+              <a:latin typeface="Arial" panose="020B0604020202020204" pitchFamily="34" charset="0"/>
+              <a:cs typeface="Arial" panose="020B0604020202020204" pitchFamily="34" charset="0"/>
+            </a:endParaRPr>
+          </a:p>
+          <a:p>
+            <a:endParaRPr lang="en-US" sz="1600" b="1" dirty="0">
+              <a:latin typeface="Arial" panose="020B0604020202020204" pitchFamily="34" charset="0"/>
+              <a:cs typeface="Arial" panose="020B0604020202020204" pitchFamily="34" charset="0"/>
+            </a:endParaRPr>
+          </a:p>
+          <a:p>
+            <a:r>
+              <a:rPr lang="en-US" sz="1600" b="1" dirty="0" smtClean="0">
+                <a:latin typeface="Arial" panose="020B0604020202020204" pitchFamily="34" charset="0"/>
+                <a:cs typeface="Arial" panose="020B0604020202020204" pitchFamily="34" charset="0"/>
+                <a:hlinkClick r:id="rId8" action="ppaction://hlinksldjump"/>
+              </a:rPr>
+              <a:t>STATISTICAL TREATMENT</a:t>
+            </a:r>
+            <a:endParaRPr lang="en-US" sz="1600" b="1" dirty="0">
+              <a:latin typeface="Arial" panose="020B0604020202020204" pitchFamily="34" charset="0"/>
+              <a:cs typeface="Arial" panose="020B0604020202020204" pitchFamily="34" charset="0"/>
+            </a:endParaRPr>
+          </a:p>
+        </p:txBody>
+      </p:sp>
+    </p:spTree>
+    <p:extLst>
+      <p:ext uri="{BB962C8B-B14F-4D97-AF65-F5344CB8AC3E}">
+        <p14:creationId xmlns:p14="http://schemas.microsoft.com/office/powerpoint/2010/main" val="630845069"/>
+      </p:ext>
+    </p:extLst>
+  </p:cSld>
+  <p:clrMapOvr>
+    <a:masterClrMapping/>
+  </p:clrMapOvr>
+  <p:transition spd="slow">
+    <p:push dir="u"/>
+  </p:transition>
+  <p:timing>
+    <p:tnLst>
+      <p:par>
+        <p:cTn id="1" dur="indefinite" restart="never" nodeType="tmRoot"/>
+      </p:par>
+    </p:tnLst>
+  </p:timing>
+</p:sld>
+</file>
+
+<file path=ppt/slides/slide19.xml><?xml version="1.0" encoding="utf-8"?>
+<p:sld xmlns:a="http://schemas.openxmlformats.org/drawingml/2006/main" xmlns:r="http://schemas.openxmlformats.org/officeDocument/2006/relationships" xmlns:p="http://schemas.openxmlformats.org/presentationml/2006/main">
+  <p:cSld>
+    <p:spTree>
+      <p:nvGrpSpPr>
+        <p:cNvPr id="1" name=""/>
+        <p:cNvGrpSpPr/>
+        <p:nvPr/>
+      </p:nvGrpSpPr>
+      <p:grpSpPr>
+        <a:xfrm>
+          <a:off x="0" y="0"/>
+          <a:ext cx="0" cy="0"/>
+          <a:chOff x="0" y="0"/>
+          <a:chExt cx="0" cy="0"/>
+        </a:xfrm>
+      </p:grpSpPr>
+      <p:sp>
+        <p:nvSpPr>
+          <p:cNvPr id="2" name="Title 1"/>
+          <p:cNvSpPr>
+            <a:spLocks noGrp="1"/>
+          </p:cNvSpPr>
+          <p:nvPr>
+            <p:ph type="title"/>
+          </p:nvPr>
+        </p:nvSpPr>
+        <p:spPr>
+          <a:xfrm>
+            <a:off x="0" y="0"/>
+            <a:ext cx="9079606" cy="1325563"/>
+          </a:xfrm>
+        </p:spPr>
+        <p:style>
+          <a:lnRef idx="2">
+            <a:schemeClr val="accent6"/>
+          </a:lnRef>
+          <a:fillRef idx="1">
+            <a:schemeClr val="lt1"/>
+          </a:fillRef>
+          <a:effectRef idx="0">
+            <a:schemeClr val="accent6"/>
+          </a:effectRef>
+          <a:fontRef idx="minor">
+            <a:schemeClr val="dk1"/>
+          </a:fontRef>
+        </p:style>
+        <p:txBody>
+          <a:bodyPr/>
+          <a:lstStyle/>
+          <a:p>
+            <a:pPr algn="ctr"/>
+            <a:r>
+              <a:rPr lang="en-US" b="1" dirty="0" smtClean="0">
+                <a:latin typeface="Arial" panose="020B0604020202020204" pitchFamily="34" charset="0"/>
+                <a:cs typeface="Arial" panose="020B0604020202020204" pitchFamily="34" charset="0"/>
+              </a:rPr>
               <a:t>SYSTEM ARCHITECTURE</a:t>
             </a:r>
             <a:endParaRPr lang="en-US" b="1" dirty="0">
@@ -6249,7 +6980,90 @@
 </p:sld>
 </file>
 
-<file path=ppt/slides/slide17.xml><?xml version="1.0" encoding="utf-8"?>
+<file path=ppt/slides/slide2.xml><?xml version="1.0" encoding="utf-8"?>
+<p:sld xmlns:a="http://schemas.openxmlformats.org/drawingml/2006/main" xmlns:r="http://schemas.openxmlformats.org/officeDocument/2006/relationships" xmlns:p="http://schemas.openxmlformats.org/presentationml/2006/main">
+  <p:cSld>
+    <p:spTree>
+      <p:nvGrpSpPr>
+        <p:cNvPr id="1" name=""/>
+        <p:cNvGrpSpPr/>
+        <p:nvPr/>
+      </p:nvGrpSpPr>
+      <p:grpSpPr>
+        <a:xfrm>
+          <a:off x="0" y="0"/>
+          <a:ext cx="0" cy="0"/>
+          <a:chOff x="0" y="0"/>
+          <a:chExt cx="0" cy="0"/>
+        </a:xfrm>
+      </p:grpSpPr>
+      <p:pic>
+        <p:nvPicPr>
+          <p:cNvPr id="2050" name="Picture 2" descr="http://sherreymeyer.com/wp-content/uploads/2015/04/social-media-tree.png"/>
+          <p:cNvPicPr>
+            <a:picLocks noGrp="1" noChangeAspect="1" noChangeArrowheads="1"/>
+          </p:cNvPicPr>
+          <p:nvPr>
+            <p:ph idx="1"/>
+          </p:nvPr>
+        </p:nvPicPr>
+        <p:blipFill>
+          <a:blip r:embed="rId2">
+            <a:extLst>
+              <a:ext uri="{28A0092B-C50C-407E-A947-70E740481C1C}">
+                <a14:useLocalDpi xmlns:a14="http://schemas.microsoft.com/office/drawing/2010/main" val="0"/>
+              </a:ext>
+            </a:extLst>
+          </a:blip>
+          <a:srcRect/>
+          <a:stretch>
+            <a:fillRect/>
+          </a:stretch>
+        </p:blipFill>
+        <p:spPr bwMode="auto">
+          <a:xfrm>
+            <a:off x="2165799" y="331675"/>
+            <a:ext cx="7802449" cy="6241960"/>
+          </a:xfrm>
+          <a:prstGeom prst="rect">
+            <a:avLst/>
+          </a:prstGeom>
+          <a:noFill/>
+          <a:extLst>
+            <a:ext uri="{909E8E84-426E-40DD-AFC4-6F175D3DCCD1}">
+              <a14:hiddenFill xmlns:a14="http://schemas.microsoft.com/office/drawing/2010/main">
+                <a:solidFill>
+                  <a:srgbClr val="FFFFFF"/>
+                </a:solidFill>
+              </a14:hiddenFill>
+            </a:ext>
+          </a:extLst>
+        </p:spPr>
+      </p:pic>
+    </p:spTree>
+    <p:extLst>
+      <p:ext uri="{BB962C8B-B14F-4D97-AF65-F5344CB8AC3E}">
+        <p14:creationId xmlns:p14="http://schemas.microsoft.com/office/powerpoint/2010/main" val="471002475"/>
+      </p:ext>
+    </p:extLst>
+  </p:cSld>
+  <p:clrMapOvr>
+    <a:masterClrMapping/>
+  </p:clrMapOvr>
+  <p:transition spd="slow">
+    <p:push dir="u"/>
+  </p:transition>
+  <p:timing>
+    <p:tnLst>
+      <p:par>
+        <p:cTn id="1" dur="indefinite" restart="never" nodeType="tmRoot"/>
+      </p:par>
+    </p:tnLst>
+  </p:timing>
+</p:sld>
+</file>
+
+<file path=ppt/slides/slide20.xml><?xml version="1.0" encoding="utf-8"?>
 <p:sld xmlns:a="http://schemas.openxmlformats.org/drawingml/2006/main" xmlns:r="http://schemas.openxmlformats.org/officeDocument/2006/relationships" xmlns:p="http://schemas.openxmlformats.org/presentationml/2006/main">
   <p:cSld>
     <p:spTree>
@@ -7945,7 +8759,7 @@
 </p:sld>
 </file>
 
-<file path=ppt/slides/slide18.xml><?xml version="1.0" encoding="utf-8"?>
+<file path=ppt/slides/slide21.xml><?xml version="1.0" encoding="utf-8"?>
 <p:sld xmlns:a="http://schemas.openxmlformats.org/drawingml/2006/main" xmlns:r="http://schemas.openxmlformats.org/officeDocument/2006/relationships" xmlns:p="http://schemas.openxmlformats.org/presentationml/2006/main">
   <p:cSld>
     <p:spTree>
@@ -10181,7 +10995,7 @@
 </p:sld>
 </file>
 
-<file path=ppt/slides/slide19.xml><?xml version="1.0" encoding="utf-8"?>
+<file path=ppt/slides/slide22.xml><?xml version="1.0" encoding="utf-8"?>
 <p:sld xmlns:a="http://schemas.openxmlformats.org/drawingml/2006/main" xmlns:r="http://schemas.openxmlformats.org/officeDocument/2006/relationships" xmlns:p="http://schemas.openxmlformats.org/presentationml/2006/main">
   <p:cSld>
     <p:spTree>
@@ -10336,7 +11150,7 @@
                         <m:fPr>
                           <m:ctrlPr>
                             <a:rPr lang="en-US" sz="3200" i="1">
-                              <a:latin typeface="Cambria Math"/>
+                              <a:latin typeface="Cambria Math" panose="02040503050406030204" pitchFamily="18" charset="0"/>
                             </a:rPr>
                           </m:ctrlPr>
                         </m:fPr>
@@ -10772,90 +11586,7 @@
 </p:sld>
 </file>
 
-<file path=ppt/slides/slide2.xml><?xml version="1.0" encoding="utf-8"?>
-<p:sld xmlns:a="http://schemas.openxmlformats.org/drawingml/2006/main" xmlns:r="http://schemas.openxmlformats.org/officeDocument/2006/relationships" xmlns:p="http://schemas.openxmlformats.org/presentationml/2006/main">
-  <p:cSld>
-    <p:spTree>
-      <p:nvGrpSpPr>
-        <p:cNvPr id="1" name=""/>
-        <p:cNvGrpSpPr/>
-        <p:nvPr/>
-      </p:nvGrpSpPr>
-      <p:grpSpPr>
-        <a:xfrm>
-          <a:off x="0" y="0"/>
-          <a:ext cx="0" cy="0"/>
-          <a:chOff x="0" y="0"/>
-          <a:chExt cx="0" cy="0"/>
-        </a:xfrm>
-      </p:grpSpPr>
-      <p:pic>
-        <p:nvPicPr>
-          <p:cNvPr id="2050" name="Picture 2" descr="http://sherreymeyer.com/wp-content/uploads/2015/04/social-media-tree.png"/>
-          <p:cNvPicPr>
-            <a:picLocks noGrp="1" noChangeAspect="1" noChangeArrowheads="1"/>
-          </p:cNvPicPr>
-          <p:nvPr>
-            <p:ph idx="1"/>
-          </p:nvPr>
-        </p:nvPicPr>
-        <p:blipFill>
-          <a:blip r:embed="rId2">
-            <a:extLst>
-              <a:ext uri="{28A0092B-C50C-407E-A947-70E740481C1C}">
-                <a14:useLocalDpi xmlns:a14="http://schemas.microsoft.com/office/drawing/2010/main" val="0"/>
-              </a:ext>
-            </a:extLst>
-          </a:blip>
-          <a:srcRect/>
-          <a:stretch>
-            <a:fillRect/>
-          </a:stretch>
-        </p:blipFill>
-        <p:spPr bwMode="auto">
-          <a:xfrm>
-            <a:off x="2165799" y="331675"/>
-            <a:ext cx="7802449" cy="6241960"/>
-          </a:xfrm>
-          <a:prstGeom prst="rect">
-            <a:avLst/>
-          </a:prstGeom>
-          <a:noFill/>
-          <a:extLst>
-            <a:ext uri="{909E8E84-426E-40DD-AFC4-6F175D3DCCD1}">
-              <a14:hiddenFill xmlns:a14="http://schemas.microsoft.com/office/drawing/2010/main">
-                <a:solidFill>
-                  <a:srgbClr val="FFFFFF"/>
-                </a:solidFill>
-              </a14:hiddenFill>
-            </a:ext>
-          </a:extLst>
-        </p:spPr>
-      </p:pic>
-    </p:spTree>
-    <p:extLst>
-      <p:ext uri="{BB962C8B-B14F-4D97-AF65-F5344CB8AC3E}">
-        <p14:creationId xmlns:p14="http://schemas.microsoft.com/office/powerpoint/2010/main" val="471002475"/>
-      </p:ext>
-    </p:extLst>
-  </p:cSld>
-  <p:clrMapOvr>
-    <a:masterClrMapping/>
-  </p:clrMapOvr>
-  <p:transition spd="slow">
-    <p:push dir="u"/>
-  </p:transition>
-  <p:timing>
-    <p:tnLst>
-      <p:par>
-        <p:cTn id="1" dur="indefinite" restart="never" nodeType="tmRoot"/>
-      </p:par>
-    </p:tnLst>
-  </p:timing>
-</p:sld>
-</file>
-
-<file path=ppt/slides/slide20.xml><?xml version="1.0" encoding="utf-8"?>
+<file path=ppt/slides/slide23.xml><?xml version="1.0" encoding="utf-8"?>
 <p:sld xmlns:a="http://schemas.openxmlformats.org/drawingml/2006/main" xmlns:r="http://schemas.openxmlformats.org/officeDocument/2006/relationships" xmlns:p="http://schemas.openxmlformats.org/presentationml/2006/main">
   <p:cSld>
     <p:spTree>
@@ -11565,6 +12296,168 @@
           <a:chExt cx="0" cy="0"/>
         </a:xfrm>
       </p:grpSpPr>
+      <p:sp>
+        <p:nvSpPr>
+          <p:cNvPr id="2" name="Title 1"/>
+          <p:cNvSpPr>
+            <a:spLocks noGrp="1"/>
+          </p:cNvSpPr>
+          <p:nvPr>
+            <p:ph type="title"/>
+          </p:nvPr>
+        </p:nvSpPr>
+        <p:spPr>
+          <a:xfrm>
+            <a:off x="0" y="-12878"/>
+            <a:ext cx="12192000" cy="1690688"/>
+          </a:xfrm>
+        </p:spPr>
+        <p:style>
+          <a:lnRef idx="3">
+            <a:schemeClr val="lt1"/>
+          </a:lnRef>
+          <a:fillRef idx="1">
+            <a:schemeClr val="dk1"/>
+          </a:fillRef>
+          <a:effectRef idx="1">
+            <a:schemeClr val="dk1"/>
+          </a:effectRef>
+          <a:fontRef idx="minor">
+            <a:schemeClr val="lt1"/>
+          </a:fontRef>
+        </p:style>
+        <p:txBody>
+          <a:bodyPr/>
+          <a:lstStyle/>
+          <a:p>
+            <a:r>
+              <a:rPr lang="en-US" dirty="0" smtClean="0">
+                <a:latin typeface="Arial" panose="020B0604020202020204" pitchFamily="34" charset="0"/>
+                <a:cs typeface="Arial" panose="020B0604020202020204" pitchFamily="34" charset="0"/>
+              </a:rPr>
+              <a:t>Common Inappropriate Expressions(Uncensored)</a:t>
+            </a:r>
+            <a:endParaRPr lang="en-US" dirty="0">
+              <a:latin typeface="Arial" panose="020B0604020202020204" pitchFamily="34" charset="0"/>
+              <a:cs typeface="Arial" panose="020B0604020202020204" pitchFamily="34" charset="0"/>
+            </a:endParaRPr>
+          </a:p>
+        </p:txBody>
+      </p:sp>
+      <p:sp>
+        <p:nvSpPr>
+          <p:cNvPr id="3" name="Content Placeholder 2"/>
+          <p:cNvSpPr>
+            <a:spLocks noGrp="1"/>
+          </p:cNvSpPr>
+          <p:nvPr>
+            <p:ph idx="1"/>
+          </p:nvPr>
+        </p:nvSpPr>
+        <p:spPr>
+          <a:xfrm>
+            <a:off x="838200" y="2279561"/>
+            <a:ext cx="10515600" cy="3897402"/>
+          </a:xfrm>
+        </p:spPr>
+        <p:txBody>
+          <a:bodyPr/>
+          <a:lstStyle/>
+          <a:p>
+            <a:r>
+              <a:rPr lang="en-US" dirty="0" smtClean="0">
+                <a:latin typeface="Arial" panose="020B0604020202020204" pitchFamily="34" charset="0"/>
+                <a:cs typeface="Arial" panose="020B0604020202020204" pitchFamily="34" charset="0"/>
+              </a:rPr>
+              <a:t>Fuck</a:t>
+            </a:r>
+          </a:p>
+          <a:p>
+            <a:r>
+              <a:rPr lang="en-US" dirty="0" smtClean="0">
+                <a:latin typeface="Arial" panose="020B0604020202020204" pitchFamily="34" charset="0"/>
+                <a:cs typeface="Arial" panose="020B0604020202020204" pitchFamily="34" charset="0"/>
+              </a:rPr>
+              <a:t>Shit</a:t>
+            </a:r>
+            <a:endParaRPr lang="en-US" dirty="0">
+              <a:latin typeface="Arial" panose="020B0604020202020204" pitchFamily="34" charset="0"/>
+              <a:cs typeface="Arial" panose="020B0604020202020204" pitchFamily="34" charset="0"/>
+            </a:endParaRPr>
+          </a:p>
+          <a:p>
+            <a:r>
+              <a:rPr lang="en-US" dirty="0" smtClean="0">
+                <a:latin typeface="Arial" panose="020B0604020202020204" pitchFamily="34" charset="0"/>
+                <a:cs typeface="Arial" panose="020B0604020202020204" pitchFamily="34" charset="0"/>
+              </a:rPr>
+              <a:t>Bitch</a:t>
+            </a:r>
+          </a:p>
+          <a:p>
+            <a:r>
+              <a:rPr lang="en-US" dirty="0" smtClean="0">
+                <a:latin typeface="Arial" panose="020B0604020202020204" pitchFamily="34" charset="0"/>
+                <a:cs typeface="Arial" panose="020B0604020202020204" pitchFamily="34" charset="0"/>
+              </a:rPr>
+              <a:t>Slut</a:t>
+            </a:r>
+          </a:p>
+          <a:p>
+            <a:r>
+              <a:rPr lang="en-US" smtClean="0">
+                <a:latin typeface="Arial" panose="020B0604020202020204" pitchFamily="34" charset="0"/>
+                <a:cs typeface="Arial" panose="020B0604020202020204" pitchFamily="34" charset="0"/>
+              </a:rPr>
+              <a:t>Nigger</a:t>
+            </a:r>
+            <a:endParaRPr lang="en-US" dirty="0" smtClean="0">
+              <a:latin typeface="Arial" panose="020B0604020202020204" pitchFamily="34" charset="0"/>
+              <a:cs typeface="Arial" panose="020B0604020202020204" pitchFamily="34" charset="0"/>
+            </a:endParaRPr>
+          </a:p>
+        </p:txBody>
+      </p:sp>
+    </p:spTree>
+    <p:extLst>
+      <p:ext uri="{BB962C8B-B14F-4D97-AF65-F5344CB8AC3E}">
+        <p14:creationId xmlns:p14="http://schemas.microsoft.com/office/powerpoint/2010/main" val="818387123"/>
+      </p:ext>
+    </p:extLst>
+  </p:cSld>
+  <p:clrMapOvr>
+    <a:masterClrMapping/>
+  </p:clrMapOvr>
+  <p:transition spd="slow">
+    <p:push dir="u"/>
+  </p:transition>
+  <p:timing>
+    <p:tnLst>
+      <p:par>
+        <p:cTn id="1" dur="indefinite" restart="never" nodeType="tmRoot"/>
+      </p:par>
+    </p:tnLst>
+  </p:timing>
+</p:sld>
+</file>
+
+<file path=ppt/slides/slide5.xml><?xml version="1.0" encoding="utf-8"?>
+<p:sld xmlns:a="http://schemas.openxmlformats.org/drawingml/2006/main" xmlns:r="http://schemas.openxmlformats.org/officeDocument/2006/relationships" xmlns:p="http://schemas.openxmlformats.org/presentationml/2006/main">
+  <p:cSld>
+    <p:spTree>
+      <p:nvGrpSpPr>
+        <p:cNvPr id="1" name=""/>
+        <p:cNvGrpSpPr/>
+        <p:nvPr/>
+      </p:nvGrpSpPr>
+      <p:grpSpPr>
+        <a:xfrm>
+          <a:off x="0" y="0"/>
+          <a:ext cx="0" cy="0"/>
+          <a:chOff x="0" y="0"/>
+          <a:chExt cx="0" cy="0"/>
+        </a:xfrm>
+      </p:grpSpPr>
       <p:pic>
         <p:nvPicPr>
           <p:cNvPr id="4" name="Content Placeholder 3"/>
@@ -11617,7 +12510,7 @@
 </p:sld>
 </file>
 
-<file path=ppt/slides/slide5.xml><?xml version="1.0" encoding="utf-8"?>
+<file path=ppt/slides/slide6.xml><?xml version="1.0" encoding="utf-8"?>
 <p:sld xmlns:a="http://schemas.openxmlformats.org/drawingml/2006/main" xmlns:r="http://schemas.openxmlformats.org/officeDocument/2006/relationships" xmlns:p="http://schemas.openxmlformats.org/presentationml/2006/main">
   <p:cSld>
     <p:spTree>
@@ -11757,7 +12650,7 @@
 </p:sld>
 </file>
 
-<file path=ppt/slides/slide6.xml><?xml version="1.0" encoding="utf-8"?>
+<file path=ppt/slides/slide7.xml><?xml version="1.0" encoding="utf-8"?>
 <p:sld xmlns:a="http://schemas.openxmlformats.org/drawingml/2006/main" xmlns:r="http://schemas.openxmlformats.org/officeDocument/2006/relationships" xmlns:p="http://schemas.openxmlformats.org/presentationml/2006/main">
   <p:cSld>
     <p:spTree>
@@ -11897,7 +12790,7 @@
 </p:sld>
 </file>
 
-<file path=ppt/slides/slide7.xml><?xml version="1.0" encoding="utf-8"?>
+<file path=ppt/slides/slide8.xml><?xml version="1.0" encoding="utf-8"?>
 <p:sld xmlns:a="http://schemas.openxmlformats.org/drawingml/2006/main" xmlns:r="http://schemas.openxmlformats.org/officeDocument/2006/relationships" xmlns:p="http://schemas.openxmlformats.org/presentationml/2006/main">
   <p:cSld>
     <p:bg>
@@ -11937,13 +12830,13 @@
           <a:bodyPr/>
           <a:lstStyle/>
           <a:p>
-            <a:endParaRPr lang="en-US" dirty="0"/>
+            <a:endParaRPr lang="en-PH"/>
           </a:p>
         </p:txBody>
       </p:sp>
       <p:pic>
         <p:nvPicPr>
-          <p:cNvPr id="6" name="Content Placeholder 5"/>
+          <p:cNvPr id="4" name="Content Placeholder 3"/>
           <p:cNvPicPr>
             <a:picLocks noGrp="1" noChangeAspect="1"/>
           </p:cNvPicPr>
@@ -11965,189 +12858,15 @@
         </p:blipFill>
         <p:spPr>
           <a:xfrm>
-            <a:off x="1199635" y="0"/>
-            <a:ext cx="9792729" cy="6858000"/>
+            <a:off x="0" y="0"/>
+            <a:ext cx="11798658" cy="7120647"/>
           </a:xfrm>
         </p:spPr>
       </p:pic>
     </p:spTree>
     <p:extLst>
       <p:ext uri="{BB962C8B-B14F-4D97-AF65-F5344CB8AC3E}">
-        <p14:creationId xmlns:p14="http://schemas.microsoft.com/office/powerpoint/2010/main" val="184141141"/>
-      </p:ext>
-    </p:extLst>
-  </p:cSld>
-  <p:clrMapOvr>
-    <a:masterClrMapping/>
-  </p:clrMapOvr>
-  <p:transition spd="slow">
-    <p:push dir="u"/>
-  </p:transition>
-  <p:timing>
-    <p:tnLst>
-      <p:par>
-        <p:cTn id="1" dur="indefinite" restart="never" nodeType="tmRoot"/>
-      </p:par>
-    </p:tnLst>
-  </p:timing>
-</p:sld>
-</file>
-
-<file path=ppt/slides/slide8.xml><?xml version="1.0" encoding="utf-8"?>
-<p:sld xmlns:a="http://schemas.openxmlformats.org/drawingml/2006/main" xmlns:r="http://schemas.openxmlformats.org/officeDocument/2006/relationships" xmlns:p="http://schemas.openxmlformats.org/presentationml/2006/main">
-  <p:cSld>
-    <p:spTree>
-      <p:nvGrpSpPr>
-        <p:cNvPr id="1" name=""/>
-        <p:cNvGrpSpPr/>
-        <p:nvPr/>
-      </p:nvGrpSpPr>
-      <p:grpSpPr>
-        <a:xfrm>
-          <a:off x="0" y="0"/>
-          <a:ext cx="0" cy="0"/>
-          <a:chOff x="0" y="0"/>
-          <a:chExt cx="0" cy="0"/>
-        </a:xfrm>
-      </p:grpSpPr>
-      <p:sp>
-        <p:nvSpPr>
-          <p:cNvPr id="2" name="Title 1"/>
-          <p:cNvSpPr>
-            <a:spLocks noGrp="1"/>
-          </p:cNvSpPr>
-          <p:nvPr>
-            <p:ph type="ctrTitle"/>
-          </p:nvPr>
-        </p:nvSpPr>
-        <p:spPr>
-          <a:xfrm>
-            <a:off x="0" y="0"/>
-            <a:ext cx="12192000" cy="2060620"/>
-          </a:xfrm>
-        </p:spPr>
-        <p:style>
-          <a:lnRef idx="2">
-            <a:schemeClr val="dk1">
-              <a:shade val="50000"/>
-            </a:schemeClr>
-          </a:lnRef>
-          <a:fillRef idx="1">
-            <a:schemeClr val="dk1"/>
-          </a:fillRef>
-          <a:effectRef idx="0">
-            <a:schemeClr val="dk1"/>
-          </a:effectRef>
-          <a:fontRef idx="minor">
-            <a:schemeClr val="lt1"/>
-          </a:fontRef>
-        </p:style>
-        <p:txBody>
-          <a:bodyPr>
-            <a:normAutofit/>
-          </a:bodyPr>
-          <a:lstStyle/>
-          <a:p>
-            <a:r>
-              <a:rPr lang="en-US" sz="4800" dirty="0" smtClean="0"/>
-              <a:t>Inappropriate Expressions Recognition using Bootstrapping as Semi-Supervised Learning</a:t>
-            </a:r>
-            <a:r>
-              <a:rPr lang="en-US" sz="3600" dirty="0" smtClean="0"/>
-              <a:t/>
-            </a:r>
-            <a:br>
-              <a:rPr lang="en-US" sz="3600" dirty="0" smtClean="0"/>
-            </a:br>
-            <a:endParaRPr lang="en-US" sz="3600" dirty="0"/>
-          </a:p>
-        </p:txBody>
-      </p:sp>
-      <p:sp>
-        <p:nvSpPr>
-          <p:cNvPr id="4" name="Isosceles Triangle 3"/>
-          <p:cNvSpPr/>
-          <p:nvPr/>
-        </p:nvSpPr>
-        <p:spPr>
-          <a:xfrm rot="10800000">
-            <a:off x="9538950" y="1925393"/>
-            <a:ext cx="566670" cy="347729"/>
-          </a:xfrm>
-          <a:prstGeom prst="triangle">
-            <a:avLst/>
-          </a:prstGeom>
-        </p:spPr>
-        <p:style>
-          <a:lnRef idx="2">
-            <a:schemeClr val="dk1">
-              <a:shade val="50000"/>
-            </a:schemeClr>
-          </a:lnRef>
-          <a:fillRef idx="1">
-            <a:schemeClr val="dk1"/>
-          </a:fillRef>
-          <a:effectRef idx="0">
-            <a:schemeClr val="dk1"/>
-          </a:effectRef>
-          <a:fontRef idx="minor">
-            <a:schemeClr val="lt1"/>
-          </a:fontRef>
-        </p:style>
-        <p:txBody>
-          <a:bodyPr rtlCol="0" anchor="ctr"/>
-          <a:lstStyle/>
-          <a:p>
-            <a:pPr algn="ctr"/>
-            <a:endParaRPr lang="en-US"/>
-          </a:p>
-        </p:txBody>
-      </p:sp>
-      <p:pic>
-        <p:nvPicPr>
-          <p:cNvPr id="1034" name="Picture 10" descr="http://107.170.40.46/wp-content/uploads/2014/03/Social-Media-Data.jpg"/>
-          <p:cNvPicPr>
-            <a:picLocks noChangeAspect="1" noChangeArrowheads="1"/>
-          </p:cNvPicPr>
-          <p:nvPr/>
-        </p:nvPicPr>
-        <p:blipFill>
-          <a:blip r:embed="rId2">
-            <a:extLst>
-              <a:ext uri="{28A0092B-C50C-407E-A947-70E740481C1C}">
-                <a14:useLocalDpi xmlns:a14="http://schemas.microsoft.com/office/drawing/2010/main" val="0"/>
-              </a:ext>
-            </a:extLst>
-          </a:blip>
-          <a:srcRect/>
-          <a:stretch>
-            <a:fillRect/>
-          </a:stretch>
-        </p:blipFill>
-        <p:spPr bwMode="auto">
-          <a:xfrm>
-            <a:off x="0" y="2060620"/>
-            <a:ext cx="8494643" cy="4797380"/>
-          </a:xfrm>
-          <a:prstGeom prst="rect">
-            <a:avLst/>
-          </a:prstGeom>
-          <a:noFill/>
-          <a:extLst>
-            <a:ext uri="{909E8E84-426E-40DD-AFC4-6F175D3DCCD1}">
-              <a14:hiddenFill xmlns:a14="http://schemas.microsoft.com/office/drawing/2010/main">
-                <a:solidFill>
-                  <a:srgbClr val="FFFFFF"/>
-                </a:solidFill>
-              </a14:hiddenFill>
-            </a:ext>
-          </a:extLst>
-        </p:spPr>
-      </p:pic>
-    </p:spTree>
-    <p:extLst>
-      <p:ext uri="{BB962C8B-B14F-4D97-AF65-F5344CB8AC3E}">
-        <p14:creationId xmlns:p14="http://schemas.microsoft.com/office/powerpoint/2010/main" val="2396196207"/>
+        <p14:creationId xmlns:p14="http://schemas.microsoft.com/office/powerpoint/2010/main" val="984946969"/>
       </p:ext>
     </p:extLst>
   </p:cSld>
@@ -12170,6 +12889,14 @@
 <file path=ppt/slides/slide9.xml><?xml version="1.0" encoding="utf-8"?>
 <p:sld xmlns:a="http://schemas.openxmlformats.org/drawingml/2006/main" xmlns:r="http://schemas.openxmlformats.org/officeDocument/2006/relationships" xmlns:p="http://schemas.openxmlformats.org/presentationml/2006/main">
   <p:cSld>
+    <p:bg>
+      <p:bgPr>
+        <a:solidFill>
+          <a:schemeClr val="tx1"/>
+        </a:solidFill>
+        <a:effectLst/>
+      </p:bgPr>
+    </p:bg>
     <p:spTree>
       <p:nvGrpSpPr>
         <p:cNvPr id="1" name=""/>
@@ -12194,415 +12921,48 @@
             <p:ph type="title"/>
           </p:nvPr>
         </p:nvSpPr>
-        <p:spPr>
-          <a:xfrm>
-            <a:off x="0" y="0"/>
-            <a:ext cx="9079606" cy="1325563"/>
-          </a:xfrm>
-        </p:spPr>
-        <p:style>
-          <a:lnRef idx="2">
-            <a:schemeClr val="accent6"/>
-          </a:lnRef>
-          <a:fillRef idx="1">
-            <a:schemeClr val="lt1"/>
-          </a:fillRef>
-          <a:effectRef idx="0">
-            <a:schemeClr val="accent6"/>
-          </a:effectRef>
-          <a:fontRef idx="minor">
-            <a:schemeClr val="dk1"/>
-          </a:fontRef>
-        </p:style>
+        <p:spPr/>
         <p:txBody>
           <a:bodyPr/>
           <a:lstStyle/>
           <a:p>
-            <a:pPr algn="ctr"/>
-            <a:r>
-              <a:rPr lang="en-US" b="1" dirty="0" smtClean="0">
-                <a:latin typeface="Arial" panose="020B0604020202020204" pitchFamily="34" charset="0"/>
-                <a:cs typeface="Arial" panose="020B0604020202020204" pitchFamily="34" charset="0"/>
-              </a:rPr>
-              <a:t>BACKGROUND OF THE STUDY</a:t>
-            </a:r>
-            <a:endParaRPr lang="en-US" b="1" dirty="0">
-              <a:latin typeface="Arial" panose="020B0604020202020204" pitchFamily="34" charset="0"/>
-              <a:cs typeface="Arial" panose="020B0604020202020204" pitchFamily="34" charset="0"/>
-            </a:endParaRPr>
+            <a:endParaRPr lang="en-PH"/>
           </a:p>
         </p:txBody>
       </p:sp>
-      <p:sp>
-        <p:nvSpPr>
-          <p:cNvPr id="3" name="Content Placeholder 2"/>
-          <p:cNvSpPr>
-            <a:spLocks noGrp="1"/>
-          </p:cNvSpPr>
+      <p:pic>
+        <p:nvPicPr>
+          <p:cNvPr id="4" name="Content Placeholder 3"/>
+          <p:cNvPicPr>
+            <a:picLocks noGrp="1" noChangeAspect="1"/>
+          </p:cNvPicPr>
           <p:nvPr>
             <p:ph idx="1"/>
           </p:nvPr>
-        </p:nvSpPr>
+        </p:nvPicPr>
+        <p:blipFill>
+          <a:blip r:embed="rId2">
+            <a:extLst>
+              <a:ext uri="{28A0092B-C50C-407E-A947-70E740481C1C}">
+                <a14:useLocalDpi xmlns:a14="http://schemas.microsoft.com/office/drawing/2010/main" val="0"/>
+              </a:ext>
+            </a:extLst>
+          </a:blip>
+          <a:stretch>
+            <a:fillRect/>
+          </a:stretch>
+        </p:blipFill>
         <p:spPr>
           <a:xfrm>
-            <a:off x="0" y="1325562"/>
-            <a:ext cx="9079606" cy="5532437"/>
+            <a:off x="-1" y="0"/>
+            <a:ext cx="11802893" cy="7081736"/>
           </a:xfrm>
         </p:spPr>
-        <p:style>
-          <a:lnRef idx="2">
-            <a:schemeClr val="dk1"/>
-          </a:lnRef>
-          <a:fillRef idx="1">
-            <a:schemeClr val="lt1"/>
-          </a:fillRef>
-          <a:effectRef idx="0">
-            <a:schemeClr val="dk1"/>
-          </a:effectRef>
-          <a:fontRef idx="minor">
-            <a:schemeClr val="dk1"/>
-          </a:fontRef>
-        </p:style>
-        <p:txBody>
-          <a:bodyPr>
-            <a:normAutofit fontScale="92500" lnSpcReduction="10000"/>
-          </a:bodyPr>
-          <a:lstStyle/>
-          <a:p>
-            <a:pPr algn="just"/>
-            <a:r>
-              <a:rPr lang="en-US" dirty="0" smtClean="0"/>
-              <a:t>Inappropriate Expressions becomes very interesting in the field of NLP Community.</a:t>
-            </a:r>
-          </a:p>
-          <a:p>
-            <a:pPr algn="just"/>
-            <a:r>
-              <a:rPr lang="en-US" dirty="0" smtClean="0"/>
-              <a:t>One of the problems </a:t>
-            </a:r>
-            <a:r>
-              <a:rPr lang="en-US" dirty="0"/>
-              <a:t>that need to be solve in this study is the accuracy of the system because some of the researches related to the study has a low rate of accuracy.</a:t>
-            </a:r>
-          </a:p>
-          <a:p>
-            <a:pPr algn="just"/>
-            <a:r>
-              <a:rPr lang="en-US" dirty="0"/>
-              <a:t>S</a:t>
-            </a:r>
-            <a:r>
-              <a:rPr lang="en-US" dirty="0" smtClean="0"/>
-              <a:t>emi-supervised </a:t>
-            </a:r>
-            <a:r>
-              <a:rPr lang="en-US" dirty="0"/>
-              <a:t>learning methods are proposed to effectively utilize a small scale of labeled data along with a larger amount of unlabeled data</a:t>
-            </a:r>
-            <a:r>
-              <a:rPr lang="en-US" dirty="0" smtClean="0"/>
-              <a:t>.</a:t>
-            </a:r>
-          </a:p>
-          <a:p>
-            <a:pPr algn="just"/>
-            <a:r>
-              <a:rPr lang="en-US" dirty="0"/>
-              <a:t>S</a:t>
-            </a:r>
-            <a:r>
-              <a:rPr lang="en-US" dirty="0" smtClean="0"/>
-              <a:t>emi-supervised </a:t>
-            </a:r>
-            <a:r>
-              <a:rPr lang="en-US" dirty="0"/>
-              <a:t>learning on imbalanced classification is rather </a:t>
-            </a:r>
-            <a:r>
-              <a:rPr lang="en-US" dirty="0" smtClean="0"/>
-              <a:t>challenging.</a:t>
-            </a:r>
-          </a:p>
-          <a:p>
-            <a:pPr algn="just"/>
-            <a:r>
-              <a:rPr lang="en-US" dirty="0" smtClean="0"/>
-              <a:t>Bootstrapping is not a sample size dependent resampling schema. </a:t>
-            </a:r>
-            <a:r>
-              <a:rPr lang="en-US" smtClean="0"/>
-              <a:t>Increasing </a:t>
-            </a:r>
-            <a:r>
-              <a:rPr lang="en-US" dirty="0"/>
-              <a:t>the number of samples cannot increase the amount of information in the original data, it can only reduce the effects of random sampling errors which can arise from a bootstrap </a:t>
-            </a:r>
-            <a:r>
-              <a:rPr lang="en-US"/>
-              <a:t>procedure </a:t>
-            </a:r>
-            <a:r>
-              <a:rPr lang="en-US" smtClean="0"/>
-              <a:t>itself.</a:t>
-            </a:r>
-            <a:endParaRPr lang="en-US" dirty="0" smtClean="0"/>
-          </a:p>
-        </p:txBody>
-      </p:sp>
-      <p:sp>
-        <p:nvSpPr>
-          <p:cNvPr id="4" name="TextBox 3"/>
-          <p:cNvSpPr txBox="1"/>
-          <p:nvPr/>
-        </p:nvSpPr>
-        <p:spPr>
-          <a:xfrm>
-            <a:off x="9079607" y="0"/>
-            <a:ext cx="3112394" cy="6858000"/>
-          </a:xfrm>
-          <a:prstGeom prst="rect">
-            <a:avLst/>
-          </a:prstGeom>
-        </p:spPr>
-        <p:style>
-          <a:lnRef idx="2">
-            <a:schemeClr val="dk1">
-              <a:shade val="50000"/>
-            </a:schemeClr>
-          </a:lnRef>
-          <a:fillRef idx="1">
-            <a:schemeClr val="dk1"/>
-          </a:fillRef>
-          <a:effectRef idx="0">
-            <a:schemeClr val="dk1"/>
-          </a:effectRef>
-          <a:fontRef idx="minor">
-            <a:schemeClr val="lt1"/>
-          </a:fontRef>
-        </p:style>
-        <p:txBody>
-          <a:bodyPr wrap="square" rtlCol="0">
-            <a:spAutoFit/>
-          </a:bodyPr>
-          <a:lstStyle/>
-          <a:p>
-            <a:endParaRPr lang="en-US" dirty="0"/>
-          </a:p>
-        </p:txBody>
-      </p:sp>
-      <p:sp>
-        <p:nvSpPr>
-          <p:cNvPr id="6" name="TextBox 5"/>
-          <p:cNvSpPr txBox="1"/>
-          <p:nvPr/>
-        </p:nvSpPr>
-        <p:spPr>
-          <a:xfrm>
-            <a:off x="9079607" y="30274"/>
-            <a:ext cx="3112393" cy="5262979"/>
-          </a:xfrm>
-          <a:prstGeom prst="rect">
-            <a:avLst/>
-          </a:prstGeom>
-        </p:spPr>
-        <p:style>
-          <a:lnRef idx="2">
-            <a:schemeClr val="dk1">
-              <a:shade val="50000"/>
-            </a:schemeClr>
-          </a:lnRef>
-          <a:fillRef idx="1">
-            <a:schemeClr val="dk1"/>
-          </a:fillRef>
-          <a:effectRef idx="0">
-            <a:schemeClr val="dk1"/>
-          </a:effectRef>
-          <a:fontRef idx="minor">
-            <a:schemeClr val="lt1"/>
-          </a:fontRef>
-        </p:style>
-        <p:txBody>
-          <a:bodyPr wrap="square" rtlCol="0">
-            <a:spAutoFit/>
-          </a:bodyPr>
-          <a:lstStyle/>
-          <a:p>
-            <a:endParaRPr lang="en-US" sz="1600" b="1" dirty="0" smtClean="0">
-              <a:latin typeface="Arial" panose="020B0604020202020204" pitchFamily="34" charset="0"/>
-              <a:cs typeface="Arial" panose="020B0604020202020204" pitchFamily="34" charset="0"/>
-            </a:endParaRPr>
-          </a:p>
-          <a:p>
-            <a:endParaRPr lang="en-US" sz="1600" b="1" dirty="0">
-              <a:latin typeface="Arial" panose="020B0604020202020204" pitchFamily="34" charset="0"/>
-              <a:cs typeface="Arial" panose="020B0604020202020204" pitchFamily="34" charset="0"/>
-            </a:endParaRPr>
-          </a:p>
-          <a:p>
-            <a:endParaRPr lang="en-US" sz="1600" b="1" dirty="0" smtClean="0">
-              <a:latin typeface="Arial" panose="020B0604020202020204" pitchFamily="34" charset="0"/>
-              <a:cs typeface="Arial" panose="020B0604020202020204" pitchFamily="34" charset="0"/>
-            </a:endParaRPr>
-          </a:p>
-          <a:p>
-            <a:endParaRPr lang="en-US" sz="1600" b="1" dirty="0">
-              <a:latin typeface="Arial" panose="020B0604020202020204" pitchFamily="34" charset="0"/>
-              <a:cs typeface="Arial" panose="020B0604020202020204" pitchFamily="34" charset="0"/>
-            </a:endParaRPr>
-          </a:p>
-          <a:p>
-            <a:endParaRPr lang="en-US" sz="1600" b="1" dirty="0" smtClean="0">
-              <a:latin typeface="Arial" panose="020B0604020202020204" pitchFamily="34" charset="0"/>
-              <a:cs typeface="Arial" panose="020B0604020202020204" pitchFamily="34" charset="0"/>
-            </a:endParaRPr>
-          </a:p>
-          <a:p>
-            <a:endParaRPr lang="en-US" sz="1600" b="1" dirty="0">
-              <a:latin typeface="Arial" panose="020B0604020202020204" pitchFamily="34" charset="0"/>
-              <a:cs typeface="Arial" panose="020B0604020202020204" pitchFamily="34" charset="0"/>
-            </a:endParaRPr>
-          </a:p>
-          <a:p>
-            <a:r>
-              <a:rPr lang="en-US" sz="1600" b="1" dirty="0" smtClean="0">
-                <a:latin typeface="Arial" panose="020B0604020202020204" pitchFamily="34" charset="0"/>
-                <a:cs typeface="Arial" panose="020B0604020202020204" pitchFamily="34" charset="0"/>
-                <a:hlinkClick r:id="rId2" action="ppaction://hlinksldjump"/>
-              </a:rPr>
-              <a:t>BACKGROUND OF THE STUDY</a:t>
-            </a:r>
-            <a:endParaRPr lang="en-US" sz="1600" b="1" dirty="0" smtClean="0">
-              <a:latin typeface="Arial" panose="020B0604020202020204" pitchFamily="34" charset="0"/>
-              <a:cs typeface="Arial" panose="020B0604020202020204" pitchFamily="34" charset="0"/>
-            </a:endParaRPr>
-          </a:p>
-          <a:p>
-            <a:endParaRPr lang="en-US" sz="1600" b="1" dirty="0">
-              <a:latin typeface="Arial" panose="020B0604020202020204" pitchFamily="34" charset="0"/>
-              <a:cs typeface="Arial" panose="020B0604020202020204" pitchFamily="34" charset="0"/>
-            </a:endParaRPr>
-          </a:p>
-          <a:p>
-            <a:r>
-              <a:rPr lang="en-US" sz="1600" b="1" dirty="0" smtClean="0">
-                <a:latin typeface="Arial" panose="020B0604020202020204" pitchFamily="34" charset="0"/>
-                <a:cs typeface="Arial" panose="020B0604020202020204" pitchFamily="34" charset="0"/>
-                <a:hlinkClick r:id="rId3" action="ppaction://hlinksldjump"/>
-              </a:rPr>
-              <a:t>STATEMENT OF THE PROBLEM</a:t>
-            </a:r>
-            <a:endParaRPr lang="en-US" sz="1600" b="1" dirty="0" smtClean="0">
-              <a:latin typeface="Arial" panose="020B0604020202020204" pitchFamily="34" charset="0"/>
-              <a:cs typeface="Arial" panose="020B0604020202020204" pitchFamily="34" charset="0"/>
-            </a:endParaRPr>
-          </a:p>
-          <a:p>
-            <a:endParaRPr lang="en-US" sz="1600" b="1" dirty="0">
-              <a:latin typeface="Arial" panose="020B0604020202020204" pitchFamily="34" charset="0"/>
-              <a:cs typeface="Arial" panose="020B0604020202020204" pitchFamily="34" charset="0"/>
-            </a:endParaRPr>
-          </a:p>
-          <a:p>
-            <a:r>
-              <a:rPr lang="en-US" sz="1600" b="1" dirty="0" smtClean="0">
-                <a:latin typeface="Arial" panose="020B0604020202020204" pitchFamily="34" charset="0"/>
-                <a:cs typeface="Arial" panose="020B0604020202020204" pitchFamily="34" charset="0"/>
-                <a:hlinkClick r:id="rId4" action="ppaction://hlinksldjump"/>
-              </a:rPr>
-              <a:t>HYPOTHESIS</a:t>
-            </a:r>
-            <a:endParaRPr lang="en-US" sz="1600" b="1" dirty="0" smtClean="0">
-              <a:latin typeface="Arial" panose="020B0604020202020204" pitchFamily="34" charset="0"/>
-              <a:cs typeface="Arial" panose="020B0604020202020204" pitchFamily="34" charset="0"/>
-            </a:endParaRPr>
-          </a:p>
-          <a:p>
-            <a:endParaRPr lang="en-US" sz="1600" b="1" dirty="0">
-              <a:latin typeface="Arial" panose="020B0604020202020204" pitchFamily="34" charset="0"/>
-              <a:cs typeface="Arial" panose="020B0604020202020204" pitchFamily="34" charset="0"/>
-            </a:endParaRPr>
-          </a:p>
-          <a:p>
-            <a:r>
-              <a:rPr lang="en-US" sz="1600" b="1" dirty="0" smtClean="0">
-                <a:latin typeface="Arial" panose="020B0604020202020204" pitchFamily="34" charset="0"/>
-                <a:cs typeface="Arial" panose="020B0604020202020204" pitchFamily="34" charset="0"/>
-                <a:hlinkClick r:id="rId5" action="ppaction://hlinksldjump"/>
-              </a:rPr>
-              <a:t>RESEARCH METHOD USED</a:t>
-            </a:r>
-            <a:endParaRPr lang="en-US" sz="1600" b="1" dirty="0" smtClean="0">
-              <a:latin typeface="Arial" panose="020B0604020202020204" pitchFamily="34" charset="0"/>
-              <a:cs typeface="Arial" panose="020B0604020202020204" pitchFamily="34" charset="0"/>
-            </a:endParaRPr>
-          </a:p>
-          <a:p>
-            <a:endParaRPr lang="en-US" sz="1600" b="1" dirty="0">
-              <a:latin typeface="Arial" panose="020B0604020202020204" pitchFamily="34" charset="0"/>
-              <a:cs typeface="Arial" panose="020B0604020202020204" pitchFamily="34" charset="0"/>
-            </a:endParaRPr>
-          </a:p>
-          <a:p>
-            <a:r>
-              <a:rPr lang="en-US" sz="1600" b="1" dirty="0" smtClean="0">
-                <a:latin typeface="Arial" panose="020B0604020202020204" pitchFamily="34" charset="0"/>
-                <a:cs typeface="Arial" panose="020B0604020202020204" pitchFamily="34" charset="0"/>
-                <a:hlinkClick r:id="rId6" action="ppaction://hlinksldjump"/>
-              </a:rPr>
-              <a:t>SYSTEM ARCHITECTURE</a:t>
-            </a:r>
-            <a:endParaRPr lang="en-US" sz="1600" b="1" dirty="0" smtClean="0">
-              <a:latin typeface="Arial" panose="020B0604020202020204" pitchFamily="34" charset="0"/>
-              <a:cs typeface="Arial" panose="020B0604020202020204" pitchFamily="34" charset="0"/>
-            </a:endParaRPr>
-          </a:p>
-          <a:p>
-            <a:endParaRPr lang="en-US" sz="1600" b="1" dirty="0">
-              <a:latin typeface="Arial" panose="020B0604020202020204" pitchFamily="34" charset="0"/>
-              <a:cs typeface="Arial" panose="020B0604020202020204" pitchFamily="34" charset="0"/>
-            </a:endParaRPr>
-          </a:p>
-          <a:p>
-            <a:r>
-              <a:rPr lang="en-US" sz="1600" b="1" dirty="0" smtClean="0">
-                <a:latin typeface="Arial" panose="020B0604020202020204" pitchFamily="34" charset="0"/>
-                <a:cs typeface="Arial" panose="020B0604020202020204" pitchFamily="34" charset="0"/>
-                <a:hlinkClick r:id="rId7" action="ppaction://hlinksldjump"/>
-              </a:rPr>
-              <a:t>EXPERIMENT PAPER</a:t>
-            </a:r>
-            <a:endParaRPr lang="en-US" sz="1600" b="1" dirty="0" smtClean="0">
-              <a:latin typeface="Arial" panose="020B0604020202020204" pitchFamily="34" charset="0"/>
-              <a:cs typeface="Arial" panose="020B0604020202020204" pitchFamily="34" charset="0"/>
-            </a:endParaRPr>
-          </a:p>
-          <a:p>
-            <a:endParaRPr lang="en-US" sz="1600" b="1" dirty="0">
-              <a:latin typeface="Arial" panose="020B0604020202020204" pitchFamily="34" charset="0"/>
-              <a:cs typeface="Arial" panose="020B0604020202020204" pitchFamily="34" charset="0"/>
-            </a:endParaRPr>
-          </a:p>
-          <a:p>
-            <a:r>
-              <a:rPr lang="en-US" sz="1600" b="1" dirty="0" smtClean="0">
-                <a:latin typeface="Arial" panose="020B0604020202020204" pitchFamily="34" charset="0"/>
-                <a:cs typeface="Arial" panose="020B0604020202020204" pitchFamily="34" charset="0"/>
-                <a:hlinkClick r:id="rId8" action="ppaction://hlinksldjump"/>
-              </a:rPr>
-              <a:t>STATISTICAL TREATMENT</a:t>
-            </a:r>
-            <a:endParaRPr lang="en-US" sz="1600" b="1" dirty="0">
-              <a:latin typeface="Arial" panose="020B0604020202020204" pitchFamily="34" charset="0"/>
-              <a:cs typeface="Arial" panose="020B0604020202020204" pitchFamily="34" charset="0"/>
-            </a:endParaRPr>
-          </a:p>
-        </p:txBody>
-      </p:sp>
+      </p:pic>
     </p:spTree>
     <p:extLst>
       <p:ext uri="{BB962C8B-B14F-4D97-AF65-F5344CB8AC3E}">
-        <p14:creationId xmlns:p14="http://schemas.microsoft.com/office/powerpoint/2010/main" val="1859999108"/>
+        <p14:creationId xmlns:p14="http://schemas.microsoft.com/office/powerpoint/2010/main" val="3515600452"/>
       </p:ext>
     </p:extLst>
   </p:cSld>
@@ -12877,7 +13237,7 @@
   <a:extraClrSchemeLst/>
   <a:extLst>
     <a:ext uri="{05A4C25C-085E-4340-85A3-A5531E510DB2}">
-      <thm15:themeFamily xmlns:thm15="http://schemas.microsoft.com/office/thememl/2012/main" xmlns="" name="Office Theme" id="{62F939B6-93AF-4DB8-9C6B-D6C7DFDC589F}" vid="{4A3C46E8-61CC-4603-A589-7422A47A8E4A}"/>
+      <thm15:themeFamily xmlns:thm15="http://schemas.microsoft.com/office/thememl/2012/main" name="Office Theme" id="{62F939B6-93AF-4DB8-9C6B-D6C7DFDC589F}" vid="{4A3C46E8-61CC-4603-A589-7422A47A8E4A}"/>
     </a:ext>
   </a:extLst>
 </a:theme>
